--- a/Documents/Detailed_Project_Report.pptx
+++ b/Documents/Detailed_Project_Report.pptx
@@ -1,38 +1,41 @@
 
 <file path=ppt/presentation.xml><?xml version="1.0" encoding="utf-8"?>
-<p:presentation xmlns:a="http://schemas.openxmlformats.org/drawingml/2006/main" xmlns:r="http://schemas.openxmlformats.org/officeDocument/2006/relationships" xmlns:mc="http://schemas.openxmlformats.org/markup-compatibility/2006" xmlns:mv="urn:schemas-microsoft-com:mac:vml" xmlns:p="http://schemas.openxmlformats.org/presentationml/2006/main" xmlns:c="http://schemas.openxmlformats.org/drawingml/2006/chart" xmlns:dgm="http://schemas.openxmlformats.org/drawingml/2006/diagram" xmlns:o="urn:schemas-microsoft-com:office:office" xmlns:v="urn:schemas-microsoft-com:vml" xmlns:pvml="urn:schemas-microsoft-com:office:powerpoint" xmlns:com="http://schemas.openxmlformats.org/drawingml/2006/compatibility" xmlns:p14="http://schemas.microsoft.com/office/powerpoint/2010/main" xmlns:p15="http://schemas.microsoft.com/office/powerpoint/2012/main" xmlns:ahyp="http://schemas.microsoft.com/office/drawing/2018/hyperlinkcolor" autoCompressPictures="0" embedTrueTypeFonts="1" strictFirstAndLastChars="0" saveSubsetFonts="1">
+<p:presentation xmlns:a="http://schemas.openxmlformats.org/drawingml/2006/main" xmlns:r="http://schemas.openxmlformats.org/officeDocument/2006/relationships" xmlns:p="http://schemas.openxmlformats.org/presentationml/2006/main" strictFirstAndLastChars="0" embedTrueTypeFonts="1" saveSubsetFonts="1" autoCompressPictures="0">
   <p:sldMasterIdLst>
-    <p:sldMasterId id="2147483659" r:id="rId4"/>
+    <p:sldMasterId id="2147483659" r:id="rId1"/>
   </p:sldMasterIdLst>
   <p:notesMasterIdLst>
-    <p:notesMasterId r:id="rId5"/>
+    <p:notesMasterId r:id="rId12"/>
   </p:notesMasterIdLst>
   <p:sldIdLst>
-    <p:sldId id="256" r:id="rId6"/>
-    <p:sldId id="257" r:id="rId7"/>
-    <p:sldId id="258" r:id="rId8"/>
-    <p:sldId id="259" r:id="rId9"/>
-    <p:sldId id="260" r:id="rId10"/>
-    <p:sldId id="261" r:id="rId11"/>
-    <p:sldId id="262" r:id="rId12"/>
-    <p:sldId id="263" r:id="rId13"/>
-    <p:sldId id="264" r:id="rId14"/>
-    <p:sldId id="265" r:id="rId15"/>
-    <p:sldId id="266" r:id="rId16"/>
+    <p:sldId id="256" r:id="rId2"/>
+    <p:sldId id="257" r:id="rId3"/>
+    <p:sldId id="258" r:id="rId4"/>
+    <p:sldId id="259" r:id="rId5"/>
+    <p:sldId id="260" r:id="rId6"/>
+    <p:sldId id="261" r:id="rId7"/>
+    <p:sldId id="262" r:id="rId8"/>
+    <p:sldId id="263" r:id="rId9"/>
+    <p:sldId id="264" r:id="rId10"/>
+    <p:sldId id="265" r:id="rId11"/>
   </p:sldIdLst>
-  <p:sldSz cy="5143500" cx="9144000"/>
+  <p:sldSz cx="9144000" cy="5143500" type="screen16x9"/>
   <p:notesSz cx="6858000" cy="9144000"/>
   <p:embeddedFontLst>
     <p:embeddedFont>
-      <p:font typeface="Source Code Pro"/>
-      <p:regular r:id="rId17"/>
-      <p:bold r:id="rId18"/>
-      <p:italic r:id="rId19"/>
-      <p:boldItalic r:id="rId20"/>
+      <p:font typeface="Impact" panose="020B0806030902050204" pitchFamily="34" charset="0"/>
+      <p:regular r:id="rId13"/>
+    </p:embeddedFont>
+    <p:embeddedFont>
+      <p:font typeface="Source Code Pro" panose="020B0509030403020204" pitchFamily="49" charset="0"/>
+      <p:regular r:id="rId14"/>
+      <p:bold r:id="rId15"/>
+      <p:italic r:id="rId16"/>
+      <p:boldItalic r:id="rId17"/>
     </p:embeddedFont>
   </p:embeddedFontLst>
   <p:defaultTextStyle>
-    <a:defPPr lvl="0" marR="0" rtl="0" algn="l">
+    <a:defPPr marR="0" lvl="0" algn="l" rtl="0">
       <a:lnSpc>
         <a:spcPct val="100000"/>
       </a:lnSpc>
@@ -43,7 +46,7 @@
         <a:spcPts val="0"/>
       </a:spcAft>
     </a:defPPr>
-    <a:lvl1pPr lvl="0" marR="0" rtl="0" algn="l">
+    <a:lvl1pPr marR="0" lvl="0" algn="l" rtl="0">
       <a:lnSpc>
         <a:spcPct val="100000"/>
       </a:lnSpc>
@@ -57,7 +60,7 @@
         <a:srgbClr val="000000"/>
       </a:buClr>
       <a:buFont typeface="Arial"/>
-      <a:defRPr b="0" i="0" sz="1400" u="none" cap="none" strike="noStrike">
+      <a:defRPr sz="1400" b="0" i="0" u="none" strike="noStrike" cap="none">
         <a:solidFill>
           <a:srgbClr val="000000"/>
         </a:solidFill>
@@ -67,7 +70,7 @@
         <a:sym typeface="Arial"/>
       </a:defRPr>
     </a:lvl1pPr>
-    <a:lvl2pPr lvl="1" marR="0" rtl="0" algn="l">
+    <a:lvl2pPr marR="0" lvl="1" algn="l" rtl="0">
       <a:lnSpc>
         <a:spcPct val="100000"/>
       </a:lnSpc>
@@ -81,7 +84,7 @@
         <a:srgbClr val="000000"/>
       </a:buClr>
       <a:buFont typeface="Arial"/>
-      <a:defRPr b="0" i="0" sz="1400" u="none" cap="none" strike="noStrike">
+      <a:defRPr sz="1400" b="0" i="0" u="none" strike="noStrike" cap="none">
         <a:solidFill>
           <a:srgbClr val="000000"/>
         </a:solidFill>
@@ -91,7 +94,7 @@
         <a:sym typeface="Arial"/>
       </a:defRPr>
     </a:lvl2pPr>
-    <a:lvl3pPr lvl="2" marR="0" rtl="0" algn="l">
+    <a:lvl3pPr marR="0" lvl="2" algn="l" rtl="0">
       <a:lnSpc>
         <a:spcPct val="100000"/>
       </a:lnSpc>
@@ -105,7 +108,7 @@
         <a:srgbClr val="000000"/>
       </a:buClr>
       <a:buFont typeface="Arial"/>
-      <a:defRPr b="0" i="0" sz="1400" u="none" cap="none" strike="noStrike">
+      <a:defRPr sz="1400" b="0" i="0" u="none" strike="noStrike" cap="none">
         <a:solidFill>
           <a:srgbClr val="000000"/>
         </a:solidFill>
@@ -115,7 +118,7 @@
         <a:sym typeface="Arial"/>
       </a:defRPr>
     </a:lvl3pPr>
-    <a:lvl4pPr lvl="3" marR="0" rtl="0" algn="l">
+    <a:lvl4pPr marR="0" lvl="3" algn="l" rtl="0">
       <a:lnSpc>
         <a:spcPct val="100000"/>
       </a:lnSpc>
@@ -129,7 +132,7 @@
         <a:srgbClr val="000000"/>
       </a:buClr>
       <a:buFont typeface="Arial"/>
-      <a:defRPr b="0" i="0" sz="1400" u="none" cap="none" strike="noStrike">
+      <a:defRPr sz="1400" b="0" i="0" u="none" strike="noStrike" cap="none">
         <a:solidFill>
           <a:srgbClr val="000000"/>
         </a:solidFill>
@@ -139,7 +142,7 @@
         <a:sym typeface="Arial"/>
       </a:defRPr>
     </a:lvl4pPr>
-    <a:lvl5pPr lvl="4" marR="0" rtl="0" algn="l">
+    <a:lvl5pPr marR="0" lvl="4" algn="l" rtl="0">
       <a:lnSpc>
         <a:spcPct val="100000"/>
       </a:lnSpc>
@@ -153,7 +156,7 @@
         <a:srgbClr val="000000"/>
       </a:buClr>
       <a:buFont typeface="Arial"/>
-      <a:defRPr b="0" i="0" sz="1400" u="none" cap="none" strike="noStrike">
+      <a:defRPr sz="1400" b="0" i="0" u="none" strike="noStrike" cap="none">
         <a:solidFill>
           <a:srgbClr val="000000"/>
         </a:solidFill>
@@ -163,7 +166,7 @@
         <a:sym typeface="Arial"/>
       </a:defRPr>
     </a:lvl5pPr>
-    <a:lvl6pPr lvl="5" marR="0" rtl="0" algn="l">
+    <a:lvl6pPr marR="0" lvl="5" algn="l" rtl="0">
       <a:lnSpc>
         <a:spcPct val="100000"/>
       </a:lnSpc>
@@ -177,7 +180,7 @@
         <a:srgbClr val="000000"/>
       </a:buClr>
       <a:buFont typeface="Arial"/>
-      <a:defRPr b="0" i="0" sz="1400" u="none" cap="none" strike="noStrike">
+      <a:defRPr sz="1400" b="0" i="0" u="none" strike="noStrike" cap="none">
         <a:solidFill>
           <a:srgbClr val="000000"/>
         </a:solidFill>
@@ -187,7 +190,7 @@
         <a:sym typeface="Arial"/>
       </a:defRPr>
     </a:lvl6pPr>
-    <a:lvl7pPr lvl="6" marR="0" rtl="0" algn="l">
+    <a:lvl7pPr marR="0" lvl="6" algn="l" rtl="0">
       <a:lnSpc>
         <a:spcPct val="100000"/>
       </a:lnSpc>
@@ -201,7 +204,7 @@
         <a:srgbClr val="000000"/>
       </a:buClr>
       <a:buFont typeface="Arial"/>
-      <a:defRPr b="0" i="0" sz="1400" u="none" cap="none" strike="noStrike">
+      <a:defRPr sz="1400" b="0" i="0" u="none" strike="noStrike" cap="none">
         <a:solidFill>
           <a:srgbClr val="000000"/>
         </a:solidFill>
@@ -211,7 +214,7 @@
         <a:sym typeface="Arial"/>
       </a:defRPr>
     </a:lvl7pPr>
-    <a:lvl8pPr lvl="7" marR="0" rtl="0" algn="l">
+    <a:lvl8pPr marR="0" lvl="7" algn="l" rtl="0">
       <a:lnSpc>
         <a:spcPct val="100000"/>
       </a:lnSpc>
@@ -225,7 +228,7 @@
         <a:srgbClr val="000000"/>
       </a:buClr>
       <a:buFont typeface="Arial"/>
-      <a:defRPr b="0" i="0" sz="1400" u="none" cap="none" strike="noStrike">
+      <a:defRPr sz="1400" b="0" i="0" u="none" strike="noStrike" cap="none">
         <a:solidFill>
           <a:srgbClr val="000000"/>
         </a:solidFill>
@@ -235,7 +238,7 @@
         <a:sym typeface="Arial"/>
       </a:defRPr>
     </a:lvl8pPr>
-    <a:lvl9pPr lvl="8" marR="0" rtl="0" algn="l">
+    <a:lvl9pPr marR="0" lvl="8" algn="l" rtl="0">
       <a:lnSpc>
         <a:spcPct val="100000"/>
       </a:lnSpc>
@@ -249,7 +252,7 @@
         <a:srgbClr val="000000"/>
       </a:buClr>
       <a:buFont typeface="Arial"/>
-      <a:defRPr b="0" i="0" sz="1400" u="none" cap="none" strike="noStrike">
+      <a:defRPr sz="1400" b="0" i="0" u="none" strike="noStrike" cap="none">
         <a:solidFill>
           <a:srgbClr val="000000"/>
         </a:solidFill>
@@ -262,7 +265,7 @@
   </p:defaultTextStyle>
   <p:extLst>
     <p:ext uri="{EFAFB233-063F-42B5-8137-9DF3F51BA10A}">
-      <p15:sldGuideLst>
+      <p15:sldGuideLst xmlns:p15="http://schemas.microsoft.com/office/powerpoint/2012/main">
         <p15:guide id="1" orient="horz" pos="1620">
           <p15:clr>
             <a:srgbClr val="747775"/>
@@ -280,11 +283,16 @@
 </file>
 
 <file path=ppt/notesMasters/notesMaster1.xml><?xml version="1.0" encoding="utf-8"?>
-<p:notesMaster xmlns:a="http://schemas.openxmlformats.org/drawingml/2006/main" xmlns:r="http://schemas.openxmlformats.org/officeDocument/2006/relationships" xmlns:mc="http://schemas.openxmlformats.org/markup-compatibility/2006" xmlns:mv="urn:schemas-microsoft-com:mac:vml" xmlns:p="http://schemas.openxmlformats.org/presentationml/2006/main" xmlns:c="http://schemas.openxmlformats.org/drawingml/2006/chart" xmlns:dgm="http://schemas.openxmlformats.org/drawingml/2006/diagram" xmlns:o="urn:schemas-microsoft-com:office:office" xmlns:v="urn:schemas-microsoft-com:vml" xmlns:pvml="urn:schemas-microsoft-com:office:powerpoint" xmlns:com="http://schemas.openxmlformats.org/drawingml/2006/compatibility" xmlns:p14="http://schemas.microsoft.com/office/powerpoint/2010/main" xmlns:p15="http://schemas.microsoft.com/office/powerpoint/2012/main" xmlns:ahyp="http://schemas.microsoft.com/office/drawing/2018/hyperlinkcolor">
+<p:notesMaster xmlns:a="http://schemas.openxmlformats.org/drawingml/2006/main" xmlns:r="http://schemas.openxmlformats.org/officeDocument/2006/relationships" xmlns:p="http://schemas.openxmlformats.org/presentationml/2006/main">
   <p:cSld>
+    <p:bg>
+      <p:bgRef idx="1001">
+        <a:schemeClr val="bg1"/>
+      </p:bgRef>
+    </p:bg>
     <p:spTree>
       <p:nvGrpSpPr>
-        <p:cNvPr id="2" name="Shape 2"/>
+        <p:cNvPr id="1" name="Shape 2"/>
         <p:cNvGrpSpPr/>
         <p:nvPr/>
       </p:nvGrpSpPr>
@@ -299,9 +307,11 @@
       <p:sp>
         <p:nvSpPr>
           <p:cNvPr id="3" name="Google Shape;3;n"/>
-          <p:cNvSpPr/>
+          <p:cNvSpPr>
+            <a:spLocks noGrp="1" noRot="1" noChangeAspect="1"/>
+          </p:cNvSpPr>
           <p:nvPr>
-            <p:ph idx="2" type="sldImg"/>
+            <p:ph type="sldImg" idx="2"/>
           </p:nvPr>
         </p:nvSpPr>
         <p:spPr>
@@ -310,9 +320,13 @@
             <a:ext cx="6096075" cy="3429000"/>
           </a:xfrm>
           <a:custGeom>
-            <a:rect b="b" l="l" r="r" t="t"/>
+            <a:avLst/>
+            <a:gdLst/>
+            <a:ahLst/>
+            <a:cxnLst/>
+            <a:rect l="l" t="t" r="r" b="b"/>
             <a:pathLst>
-              <a:path extrusionOk="0" h="120000" w="120000">
+              <a:path w="120000" h="120000" extrusionOk="0">
                 <a:moveTo>
                   <a:pt x="0" y="0"/>
                 </a:moveTo>
@@ -330,23 +344,25 @@
             </a:pathLst>
           </a:custGeom>
           <a:noFill/>
-          <a:ln cap="flat" cmpd="sng" w="9525">
+          <a:ln w="9525" cap="flat" cmpd="sng">
             <a:solidFill>
               <a:srgbClr val="000000"/>
             </a:solidFill>
             <a:prstDash val="solid"/>
             <a:round/>
-            <a:headEnd len="sm" w="sm" type="none"/>
-            <a:tailEnd len="sm" w="sm" type="none"/>
+            <a:headEnd type="none" w="sm" len="sm"/>
+            <a:tailEnd type="none" w="sm" len="sm"/>
           </a:ln>
         </p:spPr>
       </p:sp>
       <p:sp>
         <p:nvSpPr>
           <p:cNvPr id="4" name="Google Shape;4;n"/>
-          <p:cNvSpPr txBox="1"/>
+          <p:cNvSpPr txBox="1">
+            <a:spLocks noGrp="1"/>
+          </p:cNvSpPr>
           <p:nvPr>
-            <p:ph idx="1" type="body"/>
+            <p:ph type="body" idx="1"/>
           </p:nvPr>
         </p:nvSpPr>
         <p:spPr>
@@ -363,11 +379,11 @@
           </a:ln>
         </p:spPr>
         <p:txBody>
-          <a:bodyPr anchorCtr="0" anchor="t" bIns="91425" lIns="91425" spcFirstLastPara="1" rIns="91425" wrap="square" tIns="91425">
+          <a:bodyPr spcFirstLastPara="1" wrap="square" lIns="91425" tIns="91425" rIns="91425" bIns="91425" anchor="t" anchorCtr="0">
             <a:noAutofit/>
           </a:bodyPr>
           <a:lstStyle>
-            <a:lvl1pPr indent="-298450" lvl="0" marL="457200">
+            <a:lvl1pPr marL="457200" lvl="0" indent="-298450">
               <a:spcBef>
                 <a:spcPts val="0"/>
               </a:spcBef>
@@ -378,7 +394,7 @@
               <a:buChar char="●"/>
               <a:defRPr sz="1100"/>
             </a:lvl1pPr>
-            <a:lvl2pPr indent="-298450" lvl="1" marL="914400">
+            <a:lvl2pPr marL="914400" lvl="1" indent="-298450">
               <a:spcBef>
                 <a:spcPts val="0"/>
               </a:spcBef>
@@ -389,7 +405,7 @@
               <a:buChar char="○"/>
               <a:defRPr sz="1100"/>
             </a:lvl2pPr>
-            <a:lvl3pPr indent="-298450" lvl="2" marL="1371600">
+            <a:lvl3pPr marL="1371600" lvl="2" indent="-298450">
               <a:spcBef>
                 <a:spcPts val="0"/>
               </a:spcBef>
@@ -400,7 +416,7 @@
               <a:buChar char="■"/>
               <a:defRPr sz="1100"/>
             </a:lvl3pPr>
-            <a:lvl4pPr indent="-298450" lvl="3" marL="1828800">
+            <a:lvl4pPr marL="1828800" lvl="3" indent="-298450">
               <a:spcBef>
                 <a:spcPts val="0"/>
               </a:spcBef>
@@ -411,7 +427,7 @@
               <a:buChar char="●"/>
               <a:defRPr sz="1100"/>
             </a:lvl4pPr>
-            <a:lvl5pPr indent="-298450" lvl="4" marL="2286000">
+            <a:lvl5pPr marL="2286000" lvl="4" indent="-298450">
               <a:spcBef>
                 <a:spcPts val="0"/>
               </a:spcBef>
@@ -422,7 +438,7 @@
               <a:buChar char="○"/>
               <a:defRPr sz="1100"/>
             </a:lvl5pPr>
-            <a:lvl6pPr indent="-298450" lvl="5" marL="2743200">
+            <a:lvl6pPr marL="2743200" lvl="5" indent="-298450">
               <a:spcBef>
                 <a:spcPts val="0"/>
               </a:spcBef>
@@ -433,7 +449,7 @@
               <a:buChar char="■"/>
               <a:defRPr sz="1100"/>
             </a:lvl6pPr>
-            <a:lvl7pPr indent="-298450" lvl="6" marL="3200400">
+            <a:lvl7pPr marL="3200400" lvl="6" indent="-298450">
               <a:spcBef>
                 <a:spcPts val="0"/>
               </a:spcBef>
@@ -444,7 +460,7 @@
               <a:buChar char="●"/>
               <a:defRPr sz="1100"/>
             </a:lvl7pPr>
-            <a:lvl8pPr indent="-298450" lvl="7" marL="3657600">
+            <a:lvl8pPr marL="3657600" lvl="7" indent="-298450">
               <a:spcBef>
                 <a:spcPts val="0"/>
               </a:spcBef>
@@ -455,7 +471,7 @@
               <a:buChar char="○"/>
               <a:defRPr sz="1100"/>
             </a:lvl8pPr>
-            <a:lvl9pPr indent="-298450" lvl="8" marL="4114800">
+            <a:lvl9pPr marL="4114800" lvl="8" indent="-298450">
               <a:spcBef>
                 <a:spcPts val="0"/>
               </a:spcBef>
@@ -467,14 +483,16 @@
               <a:defRPr sz="1100"/>
             </a:lvl9pPr>
           </a:lstStyle>
-          <a:p/>
+          <a:p>
+            <a:endParaRPr/>
+          </a:p>
         </p:txBody>
       </p:sp>
     </p:spTree>
   </p:cSld>
-  <p:clrMap accent1="accent1" accent2="accent2" accent3="accent3" accent4="accent4" accent5="accent5" accent6="accent6" bg1="lt1" bg2="dk2" tx1="dk1" tx2="lt2" folHlink="folHlink" hlink="hlink"/>
+  <p:clrMap bg1="lt1" tx1="dk1" bg2="dk2" tx2="lt2" accent1="accent1" accent2="accent2" accent3="accent3" accent4="accent4" accent5="accent5" accent6="accent6" hlink="hlink" folHlink="folHlink"/>
   <p:notesStyle>
-    <a:defPPr lvl="0" marR="0" rtl="0" algn="l">
+    <a:defPPr marR="0" lvl="0" algn="l" rtl="0">
       <a:lnSpc>
         <a:spcPct val="100000"/>
       </a:lnSpc>
@@ -485,7 +503,7 @@
         <a:spcPts val="0"/>
       </a:spcAft>
     </a:defPPr>
-    <a:lvl1pPr lvl="0" marR="0" rtl="0" algn="l">
+    <a:lvl1pPr marR="0" lvl="0" algn="l" rtl="0">
       <a:lnSpc>
         <a:spcPct val="100000"/>
       </a:lnSpc>
@@ -499,7 +517,7 @@
         <a:srgbClr val="000000"/>
       </a:buClr>
       <a:buFont typeface="Arial"/>
-      <a:defRPr b="0" i="0" sz="1400" u="none" cap="none" strike="noStrike">
+      <a:defRPr sz="1400" b="0" i="0" u="none" strike="noStrike" cap="none">
         <a:solidFill>
           <a:srgbClr val="000000"/>
         </a:solidFill>
@@ -509,7 +527,7 @@
         <a:sym typeface="Arial"/>
       </a:defRPr>
     </a:lvl1pPr>
-    <a:lvl2pPr lvl="1" marR="0" rtl="0" algn="l">
+    <a:lvl2pPr marR="0" lvl="1" algn="l" rtl="0">
       <a:lnSpc>
         <a:spcPct val="100000"/>
       </a:lnSpc>
@@ -523,7 +541,7 @@
         <a:srgbClr val="000000"/>
       </a:buClr>
       <a:buFont typeface="Arial"/>
-      <a:defRPr b="0" i="0" sz="1400" u="none" cap="none" strike="noStrike">
+      <a:defRPr sz="1400" b="0" i="0" u="none" strike="noStrike" cap="none">
         <a:solidFill>
           <a:srgbClr val="000000"/>
         </a:solidFill>
@@ -533,7 +551,7 @@
         <a:sym typeface="Arial"/>
       </a:defRPr>
     </a:lvl2pPr>
-    <a:lvl3pPr lvl="2" marR="0" rtl="0" algn="l">
+    <a:lvl3pPr marR="0" lvl="2" algn="l" rtl="0">
       <a:lnSpc>
         <a:spcPct val="100000"/>
       </a:lnSpc>
@@ -547,7 +565,7 @@
         <a:srgbClr val="000000"/>
       </a:buClr>
       <a:buFont typeface="Arial"/>
-      <a:defRPr b="0" i="0" sz="1400" u="none" cap="none" strike="noStrike">
+      <a:defRPr sz="1400" b="0" i="0" u="none" strike="noStrike" cap="none">
         <a:solidFill>
           <a:srgbClr val="000000"/>
         </a:solidFill>
@@ -557,7 +575,7 @@
         <a:sym typeface="Arial"/>
       </a:defRPr>
     </a:lvl3pPr>
-    <a:lvl4pPr lvl="3" marR="0" rtl="0" algn="l">
+    <a:lvl4pPr marR="0" lvl="3" algn="l" rtl="0">
       <a:lnSpc>
         <a:spcPct val="100000"/>
       </a:lnSpc>
@@ -571,7 +589,7 @@
         <a:srgbClr val="000000"/>
       </a:buClr>
       <a:buFont typeface="Arial"/>
-      <a:defRPr b="0" i="0" sz="1400" u="none" cap="none" strike="noStrike">
+      <a:defRPr sz="1400" b="0" i="0" u="none" strike="noStrike" cap="none">
         <a:solidFill>
           <a:srgbClr val="000000"/>
         </a:solidFill>
@@ -581,7 +599,7 @@
         <a:sym typeface="Arial"/>
       </a:defRPr>
     </a:lvl4pPr>
-    <a:lvl5pPr lvl="4" marR="0" rtl="0" algn="l">
+    <a:lvl5pPr marR="0" lvl="4" algn="l" rtl="0">
       <a:lnSpc>
         <a:spcPct val="100000"/>
       </a:lnSpc>
@@ -595,7 +613,7 @@
         <a:srgbClr val="000000"/>
       </a:buClr>
       <a:buFont typeface="Arial"/>
-      <a:defRPr b="0" i="0" sz="1400" u="none" cap="none" strike="noStrike">
+      <a:defRPr sz="1400" b="0" i="0" u="none" strike="noStrike" cap="none">
         <a:solidFill>
           <a:srgbClr val="000000"/>
         </a:solidFill>
@@ -605,7 +623,7 @@
         <a:sym typeface="Arial"/>
       </a:defRPr>
     </a:lvl5pPr>
-    <a:lvl6pPr lvl="5" marR="0" rtl="0" algn="l">
+    <a:lvl6pPr marR="0" lvl="5" algn="l" rtl="0">
       <a:lnSpc>
         <a:spcPct val="100000"/>
       </a:lnSpc>
@@ -619,7 +637,7 @@
         <a:srgbClr val="000000"/>
       </a:buClr>
       <a:buFont typeface="Arial"/>
-      <a:defRPr b="0" i="0" sz="1400" u="none" cap="none" strike="noStrike">
+      <a:defRPr sz="1400" b="0" i="0" u="none" strike="noStrike" cap="none">
         <a:solidFill>
           <a:srgbClr val="000000"/>
         </a:solidFill>
@@ -629,7 +647,7 @@
         <a:sym typeface="Arial"/>
       </a:defRPr>
     </a:lvl6pPr>
-    <a:lvl7pPr lvl="6" marR="0" rtl="0" algn="l">
+    <a:lvl7pPr marR="0" lvl="6" algn="l" rtl="0">
       <a:lnSpc>
         <a:spcPct val="100000"/>
       </a:lnSpc>
@@ -643,7 +661,7 @@
         <a:srgbClr val="000000"/>
       </a:buClr>
       <a:buFont typeface="Arial"/>
-      <a:defRPr b="0" i="0" sz="1400" u="none" cap="none" strike="noStrike">
+      <a:defRPr sz="1400" b="0" i="0" u="none" strike="noStrike" cap="none">
         <a:solidFill>
           <a:srgbClr val="000000"/>
         </a:solidFill>
@@ -653,7 +671,7 @@
         <a:sym typeface="Arial"/>
       </a:defRPr>
     </a:lvl7pPr>
-    <a:lvl8pPr lvl="7" marR="0" rtl="0" algn="l">
+    <a:lvl8pPr marR="0" lvl="7" algn="l" rtl="0">
       <a:lnSpc>
         <a:spcPct val="100000"/>
       </a:lnSpc>
@@ -667,7 +685,7 @@
         <a:srgbClr val="000000"/>
       </a:buClr>
       <a:buFont typeface="Arial"/>
-      <a:defRPr b="0" i="0" sz="1400" u="none" cap="none" strike="noStrike">
+      <a:defRPr sz="1400" b="0" i="0" u="none" strike="noStrike" cap="none">
         <a:solidFill>
           <a:srgbClr val="000000"/>
         </a:solidFill>
@@ -677,7 +695,7 @@
         <a:sym typeface="Arial"/>
       </a:defRPr>
     </a:lvl8pPr>
-    <a:lvl9pPr lvl="8" marR="0" rtl="0" algn="l">
+    <a:lvl9pPr marR="0" lvl="8" algn="l" rtl="0">
       <a:lnSpc>
         <a:spcPct val="100000"/>
       </a:lnSpc>
@@ -691,7 +709,7 @@
         <a:srgbClr val="000000"/>
       </a:buClr>
       <a:buFont typeface="Arial"/>
-      <a:defRPr b="0" i="0" sz="1400" u="none" cap="none" strike="noStrike">
+      <a:defRPr sz="1400" b="0" i="0" u="none" strike="noStrike" cap="none">
         <a:solidFill>
           <a:srgbClr val="000000"/>
         </a:solidFill>
@@ -706,11 +724,11 @@
 </file>
 
 <file path=ppt/notesSlides/notesSlide1.xml><?xml version="1.0" encoding="utf-8"?>
-<p:notes xmlns:a="http://schemas.openxmlformats.org/drawingml/2006/main" xmlns:r="http://schemas.openxmlformats.org/officeDocument/2006/relationships" xmlns:mc="http://schemas.openxmlformats.org/markup-compatibility/2006" xmlns:mv="urn:schemas-microsoft-com:mac:vml" xmlns:p="http://schemas.openxmlformats.org/presentationml/2006/main" xmlns:c="http://schemas.openxmlformats.org/drawingml/2006/chart" xmlns:dgm="http://schemas.openxmlformats.org/drawingml/2006/diagram" xmlns:o="urn:schemas-microsoft-com:office:office" xmlns:v="urn:schemas-microsoft-com:vml" xmlns:pvml="urn:schemas-microsoft-com:office:powerpoint" xmlns:com="http://schemas.openxmlformats.org/drawingml/2006/compatibility" xmlns:p14="http://schemas.microsoft.com/office/powerpoint/2010/main" xmlns:p15="http://schemas.microsoft.com/office/powerpoint/2012/main" xmlns:ahyp="http://schemas.microsoft.com/office/drawing/2018/hyperlinkcolor" showMasterPhAnim="0" showMasterSp="0">
+<p:notes xmlns:a="http://schemas.openxmlformats.org/drawingml/2006/main" xmlns:r="http://schemas.openxmlformats.org/officeDocument/2006/relationships" xmlns:p="http://schemas.openxmlformats.org/presentationml/2006/main" showMasterSp="0" showMasterPhAnim="0">
   <p:cSld>
     <p:spTree>
       <p:nvGrpSpPr>
-        <p:cNvPr id="50" name="Shape 50"/>
+        <p:cNvPr id="1" name="Shape 50"/>
         <p:cNvGrpSpPr/>
         <p:nvPr/>
       </p:nvGrpSpPr>
@@ -725,9 +743,11 @@
       <p:sp>
         <p:nvSpPr>
           <p:cNvPr id="51" name="Google Shape;51;p:notes"/>
-          <p:cNvSpPr/>
+          <p:cNvSpPr>
+            <a:spLocks noGrp="1" noRot="1" noChangeAspect="1"/>
+          </p:cNvSpPr>
           <p:nvPr>
-            <p:ph idx="2" type="sldImg"/>
+            <p:ph type="sldImg" idx="2"/>
           </p:nvPr>
         </p:nvSpPr>
         <p:spPr>
@@ -736,9 +756,13 @@
             <a:ext cx="6096075" cy="3429000"/>
           </a:xfrm>
           <a:custGeom>
-            <a:rect b="b" l="l" r="r" t="t"/>
+            <a:avLst/>
+            <a:gdLst/>
+            <a:ahLst/>
+            <a:cxnLst/>
+            <a:rect l="l" t="t" r="r" b="b"/>
             <a:pathLst>
-              <a:path extrusionOk="0" h="120000" w="120000">
+              <a:path w="120000" h="120000" extrusionOk="0">
                 <a:moveTo>
                   <a:pt x="0" y="0"/>
                 </a:moveTo>
@@ -760,9 +784,11 @@
       <p:sp>
         <p:nvSpPr>
           <p:cNvPr id="52" name="Google Shape;52;p:notes"/>
-          <p:cNvSpPr txBox="1"/>
+          <p:cNvSpPr txBox="1">
+            <a:spLocks noGrp="1"/>
+          </p:cNvSpPr>
           <p:nvPr>
-            <p:ph idx="1" type="body"/>
+            <p:ph type="body" idx="1"/>
           </p:nvPr>
         </p:nvSpPr>
         <p:spPr>
@@ -775,12 +801,12 @@
           </a:prstGeom>
         </p:spPr>
         <p:txBody>
-          <a:bodyPr anchorCtr="0" anchor="t" bIns="91425" lIns="91425" spcFirstLastPara="1" rIns="91425" wrap="square" tIns="91425">
+          <a:bodyPr spcFirstLastPara="1" wrap="square" lIns="91425" tIns="91425" rIns="91425" bIns="91425" anchor="t" anchorCtr="0">
             <a:noAutofit/>
           </a:bodyPr>
           <a:lstStyle/>
           <a:p>
-            <a:pPr indent="0" lvl="0" marL="0" rtl="0" algn="l">
+            <a:pPr marL="0" lvl="0" indent="0" algn="l" rtl="0">
               <a:spcBef>
                 <a:spcPts val="0"/>
               </a:spcBef>
@@ -789,9 +815,6 @@
               </a:spcAft>
               <a:buNone/>
             </a:pPr>
-            <a:r>
-              <a:t/>
-            </a:r>
             <a:endParaRPr/>
           </a:p>
         </p:txBody>
@@ -805,11 +828,11 @@
 </file>
 
 <file path=ppt/notesSlides/notesSlide10.xml><?xml version="1.0" encoding="utf-8"?>
-<p:notes xmlns:a="http://schemas.openxmlformats.org/drawingml/2006/main" xmlns:r="http://schemas.openxmlformats.org/officeDocument/2006/relationships" xmlns:mc="http://schemas.openxmlformats.org/markup-compatibility/2006" xmlns:mv="urn:schemas-microsoft-com:mac:vml" xmlns:p="http://schemas.openxmlformats.org/presentationml/2006/main" xmlns:c="http://schemas.openxmlformats.org/drawingml/2006/chart" xmlns:dgm="http://schemas.openxmlformats.org/drawingml/2006/diagram" xmlns:o="urn:schemas-microsoft-com:office:office" xmlns:v="urn:schemas-microsoft-com:vml" xmlns:pvml="urn:schemas-microsoft-com:office:powerpoint" xmlns:com="http://schemas.openxmlformats.org/drawingml/2006/compatibility" xmlns:p14="http://schemas.microsoft.com/office/powerpoint/2010/main" xmlns:p15="http://schemas.microsoft.com/office/powerpoint/2012/main" xmlns:ahyp="http://schemas.microsoft.com/office/drawing/2018/hyperlinkcolor" showMasterPhAnim="0" showMasterSp="0">
+<p:notes xmlns:a="http://schemas.openxmlformats.org/drawingml/2006/main" xmlns:r="http://schemas.openxmlformats.org/officeDocument/2006/relationships" xmlns:p="http://schemas.openxmlformats.org/presentationml/2006/main" showMasterSp="0" showMasterPhAnim="0">
   <p:cSld>
     <p:spTree>
       <p:nvGrpSpPr>
-        <p:cNvPr id="123" name="Shape 123"/>
+        <p:cNvPr id="1" name="Shape 123"/>
         <p:cNvGrpSpPr/>
         <p:nvPr/>
       </p:nvGrpSpPr>
@@ -824,9 +847,11 @@
       <p:sp>
         <p:nvSpPr>
           <p:cNvPr id="124" name="Google Shape;124;g278c0e74329_0_160:notes"/>
-          <p:cNvSpPr/>
+          <p:cNvSpPr>
+            <a:spLocks noGrp="1" noRot="1" noChangeAspect="1"/>
+          </p:cNvSpPr>
           <p:nvPr>
-            <p:ph idx="2" type="sldImg"/>
+            <p:ph type="sldImg" idx="2"/>
           </p:nvPr>
         </p:nvSpPr>
         <p:spPr>
@@ -835,9 +860,13 @@
             <a:ext cx="6096000" cy="3429000"/>
           </a:xfrm>
           <a:custGeom>
-            <a:rect b="b" l="l" r="r" t="t"/>
+            <a:avLst/>
+            <a:gdLst/>
+            <a:ahLst/>
+            <a:cxnLst/>
+            <a:rect l="l" t="t" r="r" b="b"/>
             <a:pathLst>
-              <a:path extrusionOk="0" h="120000" w="120000">
+              <a:path w="120000" h="120000" extrusionOk="0">
                 <a:moveTo>
                   <a:pt x="0" y="0"/>
                 </a:moveTo>
@@ -859,9 +888,11 @@
       <p:sp>
         <p:nvSpPr>
           <p:cNvPr id="125" name="Google Shape;125;g278c0e74329_0_160:notes"/>
-          <p:cNvSpPr txBox="1"/>
+          <p:cNvSpPr txBox="1">
+            <a:spLocks noGrp="1"/>
+          </p:cNvSpPr>
           <p:nvPr>
-            <p:ph idx="1" type="body"/>
+            <p:ph type="body" idx="1"/>
           </p:nvPr>
         </p:nvSpPr>
         <p:spPr>
@@ -874,12 +905,12 @@
           </a:prstGeom>
         </p:spPr>
         <p:txBody>
-          <a:bodyPr anchorCtr="0" anchor="t" bIns="91425" lIns="91425" spcFirstLastPara="1" rIns="91425" wrap="square" tIns="91425">
+          <a:bodyPr spcFirstLastPara="1" wrap="square" lIns="91425" tIns="91425" rIns="91425" bIns="91425" anchor="t" anchorCtr="0">
             <a:noAutofit/>
           </a:bodyPr>
           <a:lstStyle/>
           <a:p>
-            <a:pPr indent="0" lvl="0" marL="0" rtl="0" algn="l">
+            <a:pPr marL="0" lvl="0" indent="0" algn="l" rtl="0">
               <a:spcBef>
                 <a:spcPts val="0"/>
               </a:spcBef>
@@ -888,108 +919,6 @@
               </a:spcAft>
               <a:buNone/>
             </a:pPr>
-            <a:r>
-              <a:t/>
-            </a:r>
-            <a:endParaRPr/>
-          </a:p>
-        </p:txBody>
-      </p:sp>
-    </p:spTree>
-  </p:cSld>
-  <p:clrMapOvr>
-    <a:masterClrMapping/>
-  </p:clrMapOvr>
-</p:notes>
-</file>
-
-<file path=ppt/notesSlides/notesSlide11.xml><?xml version="1.0" encoding="utf-8"?>
-<p:notes xmlns:a="http://schemas.openxmlformats.org/drawingml/2006/main" xmlns:r="http://schemas.openxmlformats.org/officeDocument/2006/relationships" xmlns:mc="http://schemas.openxmlformats.org/markup-compatibility/2006" xmlns:mv="urn:schemas-microsoft-com:mac:vml" xmlns:p="http://schemas.openxmlformats.org/presentationml/2006/main" xmlns:c="http://schemas.openxmlformats.org/drawingml/2006/chart" xmlns:dgm="http://schemas.openxmlformats.org/drawingml/2006/diagram" xmlns:o="urn:schemas-microsoft-com:office:office" xmlns:v="urn:schemas-microsoft-com:vml" xmlns:pvml="urn:schemas-microsoft-com:office:powerpoint" xmlns:com="http://schemas.openxmlformats.org/drawingml/2006/compatibility" xmlns:p14="http://schemas.microsoft.com/office/powerpoint/2010/main" xmlns:p15="http://schemas.microsoft.com/office/powerpoint/2012/main" xmlns:ahyp="http://schemas.microsoft.com/office/drawing/2018/hyperlinkcolor" showMasterPhAnim="0" showMasterSp="0">
-  <p:cSld>
-    <p:spTree>
-      <p:nvGrpSpPr>
-        <p:cNvPr id="131" name="Shape 131"/>
-        <p:cNvGrpSpPr/>
-        <p:nvPr/>
-      </p:nvGrpSpPr>
-      <p:grpSpPr>
-        <a:xfrm>
-          <a:off x="0" y="0"/>
-          <a:ext cx="0" cy="0"/>
-          <a:chOff x="0" y="0"/>
-          <a:chExt cx="0" cy="0"/>
-        </a:xfrm>
-      </p:grpSpPr>
-      <p:sp>
-        <p:nvSpPr>
-          <p:cNvPr id="132" name="Google Shape;132;g278c0e74329_0_139:notes"/>
-          <p:cNvSpPr/>
-          <p:nvPr>
-            <p:ph idx="2" type="sldImg"/>
-          </p:nvPr>
-        </p:nvSpPr>
-        <p:spPr>
-          <a:xfrm>
-            <a:off x="381300" y="685800"/>
-            <a:ext cx="6096000" cy="3429000"/>
-          </a:xfrm>
-          <a:custGeom>
-            <a:rect b="b" l="l" r="r" t="t"/>
-            <a:pathLst>
-              <a:path extrusionOk="0" h="120000" w="120000">
-                <a:moveTo>
-                  <a:pt x="0" y="0"/>
-                </a:moveTo>
-                <a:lnTo>
-                  <a:pt x="120000" y="0"/>
-                </a:lnTo>
-                <a:lnTo>
-                  <a:pt x="120000" y="120000"/>
-                </a:lnTo>
-                <a:lnTo>
-                  <a:pt x="0" y="120000"/>
-                </a:lnTo>
-                <a:close/>
-              </a:path>
-            </a:pathLst>
-          </a:custGeom>
-        </p:spPr>
-      </p:sp>
-      <p:sp>
-        <p:nvSpPr>
-          <p:cNvPr id="133" name="Google Shape;133;g278c0e74329_0_139:notes"/>
-          <p:cNvSpPr txBox="1"/>
-          <p:nvPr>
-            <p:ph idx="1" type="body"/>
-          </p:nvPr>
-        </p:nvSpPr>
-        <p:spPr>
-          <a:xfrm>
-            <a:off x="685800" y="4343400"/>
-            <a:ext cx="5486400" cy="4114800"/>
-          </a:xfrm>
-          <a:prstGeom prst="rect">
-            <a:avLst/>
-          </a:prstGeom>
-        </p:spPr>
-        <p:txBody>
-          <a:bodyPr anchorCtr="0" anchor="t" bIns="91425" lIns="91425" spcFirstLastPara="1" rIns="91425" wrap="square" tIns="91425">
-            <a:noAutofit/>
-          </a:bodyPr>
-          <a:lstStyle/>
-          <a:p>
-            <a:pPr indent="0" lvl="0" marL="0" rtl="0" algn="l">
-              <a:spcBef>
-                <a:spcPts val="0"/>
-              </a:spcBef>
-              <a:spcAft>
-                <a:spcPts val="0"/>
-              </a:spcAft>
-              <a:buNone/>
-            </a:pPr>
-            <a:r>
-              <a:t/>
-            </a:r>
             <a:endParaRPr/>
           </a:p>
         </p:txBody>
@@ -1003,11 +932,11 @@
 </file>
 
 <file path=ppt/notesSlides/notesSlide2.xml><?xml version="1.0" encoding="utf-8"?>
-<p:notes xmlns:a="http://schemas.openxmlformats.org/drawingml/2006/main" xmlns:r="http://schemas.openxmlformats.org/officeDocument/2006/relationships" xmlns:mc="http://schemas.openxmlformats.org/markup-compatibility/2006" xmlns:mv="urn:schemas-microsoft-com:mac:vml" xmlns:p="http://schemas.openxmlformats.org/presentationml/2006/main" xmlns:c="http://schemas.openxmlformats.org/drawingml/2006/chart" xmlns:dgm="http://schemas.openxmlformats.org/drawingml/2006/diagram" xmlns:o="urn:schemas-microsoft-com:office:office" xmlns:v="urn:schemas-microsoft-com:vml" xmlns:pvml="urn:schemas-microsoft-com:office:powerpoint" xmlns:com="http://schemas.openxmlformats.org/drawingml/2006/compatibility" xmlns:p14="http://schemas.microsoft.com/office/powerpoint/2010/main" xmlns:p15="http://schemas.microsoft.com/office/powerpoint/2012/main" xmlns:ahyp="http://schemas.microsoft.com/office/drawing/2018/hyperlinkcolor" showMasterPhAnim="0" showMasterSp="0">
+<p:notes xmlns:a="http://schemas.openxmlformats.org/drawingml/2006/main" xmlns:r="http://schemas.openxmlformats.org/officeDocument/2006/relationships" xmlns:p="http://schemas.openxmlformats.org/presentationml/2006/main" showMasterSp="0" showMasterPhAnim="0">
   <p:cSld>
     <p:spTree>
       <p:nvGrpSpPr>
-        <p:cNvPr id="58" name="Shape 58"/>
+        <p:cNvPr id="1" name="Shape 58"/>
         <p:cNvGrpSpPr/>
         <p:nvPr/>
       </p:nvGrpSpPr>
@@ -1022,9 +951,11 @@
       <p:sp>
         <p:nvSpPr>
           <p:cNvPr id="59" name="Google Shape;59;g278c0e74329_0_67:notes"/>
-          <p:cNvSpPr/>
+          <p:cNvSpPr>
+            <a:spLocks noGrp="1" noRot="1" noChangeAspect="1"/>
+          </p:cNvSpPr>
           <p:nvPr>
-            <p:ph idx="2" type="sldImg"/>
+            <p:ph type="sldImg" idx="2"/>
           </p:nvPr>
         </p:nvSpPr>
         <p:spPr>
@@ -1033,9 +964,13 @@
             <a:ext cx="6096000" cy="3429000"/>
           </a:xfrm>
           <a:custGeom>
-            <a:rect b="b" l="l" r="r" t="t"/>
+            <a:avLst/>
+            <a:gdLst/>
+            <a:ahLst/>
+            <a:cxnLst/>
+            <a:rect l="l" t="t" r="r" b="b"/>
             <a:pathLst>
-              <a:path extrusionOk="0" h="120000" w="120000">
+              <a:path w="120000" h="120000" extrusionOk="0">
                 <a:moveTo>
                   <a:pt x="0" y="0"/>
                 </a:moveTo>
@@ -1057,9 +992,11 @@
       <p:sp>
         <p:nvSpPr>
           <p:cNvPr id="60" name="Google Shape;60;g278c0e74329_0_67:notes"/>
-          <p:cNvSpPr txBox="1"/>
+          <p:cNvSpPr txBox="1">
+            <a:spLocks noGrp="1"/>
+          </p:cNvSpPr>
           <p:nvPr>
-            <p:ph idx="1" type="body"/>
+            <p:ph type="body" idx="1"/>
           </p:nvPr>
         </p:nvSpPr>
         <p:spPr>
@@ -1072,12 +1009,12 @@
           </a:prstGeom>
         </p:spPr>
         <p:txBody>
-          <a:bodyPr anchorCtr="0" anchor="t" bIns="91425" lIns="91425" spcFirstLastPara="1" rIns="91425" wrap="square" tIns="91425">
+          <a:bodyPr spcFirstLastPara="1" wrap="square" lIns="91425" tIns="91425" rIns="91425" bIns="91425" anchor="t" anchorCtr="0">
             <a:noAutofit/>
           </a:bodyPr>
           <a:lstStyle/>
           <a:p>
-            <a:pPr indent="0" lvl="0" marL="0" rtl="0" algn="l">
+            <a:pPr marL="0" lvl="0" indent="0" algn="l" rtl="0">
               <a:spcBef>
                 <a:spcPts val="0"/>
               </a:spcBef>
@@ -1086,9 +1023,6 @@
               </a:spcAft>
               <a:buNone/>
             </a:pPr>
-            <a:r>
-              <a:t/>
-            </a:r>
             <a:endParaRPr/>
           </a:p>
         </p:txBody>
@@ -1102,11 +1036,11 @@
 </file>
 
 <file path=ppt/notesSlides/notesSlide3.xml><?xml version="1.0" encoding="utf-8"?>
-<p:notes xmlns:a="http://schemas.openxmlformats.org/drawingml/2006/main" xmlns:r="http://schemas.openxmlformats.org/officeDocument/2006/relationships" xmlns:mc="http://schemas.openxmlformats.org/markup-compatibility/2006" xmlns:mv="urn:schemas-microsoft-com:mac:vml" xmlns:p="http://schemas.openxmlformats.org/presentationml/2006/main" xmlns:c="http://schemas.openxmlformats.org/drawingml/2006/chart" xmlns:dgm="http://schemas.openxmlformats.org/drawingml/2006/diagram" xmlns:o="urn:schemas-microsoft-com:office:office" xmlns:v="urn:schemas-microsoft-com:vml" xmlns:pvml="urn:schemas-microsoft-com:office:powerpoint" xmlns:com="http://schemas.openxmlformats.org/drawingml/2006/compatibility" xmlns:p14="http://schemas.microsoft.com/office/powerpoint/2010/main" xmlns:p15="http://schemas.microsoft.com/office/powerpoint/2012/main" xmlns:ahyp="http://schemas.microsoft.com/office/drawing/2018/hyperlinkcolor" showMasterPhAnim="0" showMasterSp="0">
+<p:notes xmlns:a="http://schemas.openxmlformats.org/drawingml/2006/main" xmlns:r="http://schemas.openxmlformats.org/officeDocument/2006/relationships" xmlns:p="http://schemas.openxmlformats.org/presentationml/2006/main" showMasterSp="0" showMasterPhAnim="0">
   <p:cSld>
     <p:spTree>
       <p:nvGrpSpPr>
-        <p:cNvPr id="68" name="Shape 68"/>
+        <p:cNvPr id="1" name="Shape 68"/>
         <p:cNvGrpSpPr/>
         <p:nvPr/>
       </p:nvGrpSpPr>
@@ -1121,9 +1055,11 @@
       <p:sp>
         <p:nvSpPr>
           <p:cNvPr id="69" name="Google Shape;69;g278c0e74329_0_88:notes"/>
-          <p:cNvSpPr/>
+          <p:cNvSpPr>
+            <a:spLocks noGrp="1" noRot="1" noChangeAspect="1"/>
+          </p:cNvSpPr>
           <p:nvPr>
-            <p:ph idx="2" type="sldImg"/>
+            <p:ph type="sldImg" idx="2"/>
           </p:nvPr>
         </p:nvSpPr>
         <p:spPr>
@@ -1132,9 +1068,13 @@
             <a:ext cx="6096000" cy="3429000"/>
           </a:xfrm>
           <a:custGeom>
-            <a:rect b="b" l="l" r="r" t="t"/>
+            <a:avLst/>
+            <a:gdLst/>
+            <a:ahLst/>
+            <a:cxnLst/>
+            <a:rect l="l" t="t" r="r" b="b"/>
             <a:pathLst>
-              <a:path extrusionOk="0" h="120000" w="120000">
+              <a:path w="120000" h="120000" extrusionOk="0">
                 <a:moveTo>
                   <a:pt x="0" y="0"/>
                 </a:moveTo>
@@ -1156,9 +1096,11 @@
       <p:sp>
         <p:nvSpPr>
           <p:cNvPr id="70" name="Google Shape;70;g278c0e74329_0_88:notes"/>
-          <p:cNvSpPr txBox="1"/>
+          <p:cNvSpPr txBox="1">
+            <a:spLocks noGrp="1"/>
+          </p:cNvSpPr>
           <p:nvPr>
-            <p:ph idx="1" type="body"/>
+            <p:ph type="body" idx="1"/>
           </p:nvPr>
         </p:nvSpPr>
         <p:spPr>
@@ -1171,12 +1113,12 @@
           </a:prstGeom>
         </p:spPr>
         <p:txBody>
-          <a:bodyPr anchorCtr="0" anchor="t" bIns="91425" lIns="91425" spcFirstLastPara="1" rIns="91425" wrap="square" tIns="91425">
+          <a:bodyPr spcFirstLastPara="1" wrap="square" lIns="91425" tIns="91425" rIns="91425" bIns="91425" anchor="t" anchorCtr="0">
             <a:noAutofit/>
           </a:bodyPr>
           <a:lstStyle/>
           <a:p>
-            <a:pPr indent="0" lvl="0" marL="0" rtl="0" algn="l">
+            <a:pPr marL="0" lvl="0" indent="0" algn="l" rtl="0">
               <a:spcBef>
                 <a:spcPts val="0"/>
               </a:spcBef>
@@ -1185,9 +1127,6 @@
               </a:spcAft>
               <a:buNone/>
             </a:pPr>
-            <a:r>
-              <a:t/>
-            </a:r>
             <a:endParaRPr/>
           </a:p>
         </p:txBody>
@@ -1201,11 +1140,11 @@
 </file>
 
 <file path=ppt/notesSlides/notesSlide4.xml><?xml version="1.0" encoding="utf-8"?>
-<p:notes xmlns:a="http://schemas.openxmlformats.org/drawingml/2006/main" xmlns:r="http://schemas.openxmlformats.org/officeDocument/2006/relationships" xmlns:mc="http://schemas.openxmlformats.org/markup-compatibility/2006" xmlns:mv="urn:schemas-microsoft-com:mac:vml" xmlns:p="http://schemas.openxmlformats.org/presentationml/2006/main" xmlns:c="http://schemas.openxmlformats.org/drawingml/2006/chart" xmlns:dgm="http://schemas.openxmlformats.org/drawingml/2006/diagram" xmlns:o="urn:schemas-microsoft-com:office:office" xmlns:v="urn:schemas-microsoft-com:vml" xmlns:pvml="urn:schemas-microsoft-com:office:powerpoint" xmlns:com="http://schemas.openxmlformats.org/drawingml/2006/compatibility" xmlns:p14="http://schemas.microsoft.com/office/powerpoint/2010/main" xmlns:p15="http://schemas.microsoft.com/office/powerpoint/2012/main" xmlns:ahyp="http://schemas.microsoft.com/office/drawing/2018/hyperlinkcolor" showMasterPhAnim="0" showMasterSp="0">
+<p:notes xmlns:a="http://schemas.openxmlformats.org/drawingml/2006/main" xmlns:r="http://schemas.openxmlformats.org/officeDocument/2006/relationships" xmlns:p="http://schemas.openxmlformats.org/presentationml/2006/main" showMasterSp="0" showMasterPhAnim="0">
   <p:cSld>
     <p:spTree>
       <p:nvGrpSpPr>
-        <p:cNvPr id="75" name="Shape 75"/>
+        <p:cNvPr id="1" name="Shape 75"/>
         <p:cNvGrpSpPr/>
         <p:nvPr/>
       </p:nvGrpSpPr>
@@ -1220,9 +1159,11 @@
       <p:sp>
         <p:nvSpPr>
           <p:cNvPr id="76" name="Google Shape;76;g278c0e74329_0_97:notes"/>
-          <p:cNvSpPr/>
+          <p:cNvSpPr>
+            <a:spLocks noGrp="1" noRot="1" noChangeAspect="1"/>
+          </p:cNvSpPr>
           <p:nvPr>
-            <p:ph idx="2" type="sldImg"/>
+            <p:ph type="sldImg" idx="2"/>
           </p:nvPr>
         </p:nvSpPr>
         <p:spPr>
@@ -1231,9 +1172,13 @@
             <a:ext cx="6096000" cy="3429000"/>
           </a:xfrm>
           <a:custGeom>
-            <a:rect b="b" l="l" r="r" t="t"/>
+            <a:avLst/>
+            <a:gdLst/>
+            <a:ahLst/>
+            <a:cxnLst/>
+            <a:rect l="l" t="t" r="r" b="b"/>
             <a:pathLst>
-              <a:path extrusionOk="0" h="120000" w="120000">
+              <a:path w="120000" h="120000" extrusionOk="0">
                 <a:moveTo>
                   <a:pt x="0" y="0"/>
                 </a:moveTo>
@@ -1255,9 +1200,11 @@
       <p:sp>
         <p:nvSpPr>
           <p:cNvPr id="77" name="Google Shape;77;g278c0e74329_0_97:notes"/>
-          <p:cNvSpPr txBox="1"/>
+          <p:cNvSpPr txBox="1">
+            <a:spLocks noGrp="1"/>
+          </p:cNvSpPr>
           <p:nvPr>
-            <p:ph idx="1" type="body"/>
+            <p:ph type="body" idx="1"/>
           </p:nvPr>
         </p:nvSpPr>
         <p:spPr>
@@ -1270,12 +1217,12 @@
           </a:prstGeom>
         </p:spPr>
         <p:txBody>
-          <a:bodyPr anchorCtr="0" anchor="t" bIns="91425" lIns="91425" spcFirstLastPara="1" rIns="91425" wrap="square" tIns="91425">
+          <a:bodyPr spcFirstLastPara="1" wrap="square" lIns="91425" tIns="91425" rIns="91425" bIns="91425" anchor="t" anchorCtr="0">
             <a:noAutofit/>
           </a:bodyPr>
           <a:lstStyle/>
           <a:p>
-            <a:pPr indent="0" lvl="0" marL="0" rtl="0" algn="l">
+            <a:pPr marL="0" lvl="0" indent="0" algn="l" rtl="0">
               <a:spcBef>
                 <a:spcPts val="0"/>
               </a:spcBef>
@@ -1284,9 +1231,6 @@
               </a:spcAft>
               <a:buNone/>
             </a:pPr>
-            <a:r>
-              <a:t/>
-            </a:r>
             <a:endParaRPr/>
           </a:p>
         </p:txBody>
@@ -1300,11 +1244,11 @@
 </file>
 
 <file path=ppt/notesSlides/notesSlide5.xml><?xml version="1.0" encoding="utf-8"?>
-<p:notes xmlns:a="http://schemas.openxmlformats.org/drawingml/2006/main" xmlns:r="http://schemas.openxmlformats.org/officeDocument/2006/relationships" xmlns:mc="http://schemas.openxmlformats.org/markup-compatibility/2006" xmlns:mv="urn:schemas-microsoft-com:mac:vml" xmlns:p="http://schemas.openxmlformats.org/presentationml/2006/main" xmlns:c="http://schemas.openxmlformats.org/drawingml/2006/chart" xmlns:dgm="http://schemas.openxmlformats.org/drawingml/2006/diagram" xmlns:o="urn:schemas-microsoft-com:office:office" xmlns:v="urn:schemas-microsoft-com:vml" xmlns:pvml="urn:schemas-microsoft-com:office:powerpoint" xmlns:com="http://schemas.openxmlformats.org/drawingml/2006/compatibility" xmlns:p14="http://schemas.microsoft.com/office/powerpoint/2010/main" xmlns:p15="http://schemas.microsoft.com/office/powerpoint/2012/main" xmlns:ahyp="http://schemas.microsoft.com/office/drawing/2018/hyperlinkcolor" showMasterPhAnim="0" showMasterSp="0">
+<p:notes xmlns:a="http://schemas.openxmlformats.org/drawingml/2006/main" xmlns:r="http://schemas.openxmlformats.org/officeDocument/2006/relationships" xmlns:p="http://schemas.openxmlformats.org/presentationml/2006/main" showMasterSp="0" showMasterPhAnim="0">
   <p:cSld>
     <p:spTree>
       <p:nvGrpSpPr>
-        <p:cNvPr id="84" name="Shape 84"/>
+        <p:cNvPr id="1" name="Shape 84"/>
         <p:cNvGrpSpPr/>
         <p:nvPr/>
       </p:nvGrpSpPr>
@@ -1319,9 +1263,11 @@
       <p:sp>
         <p:nvSpPr>
           <p:cNvPr id="85" name="Google Shape;85;g278c0e74329_0_109:notes"/>
-          <p:cNvSpPr/>
+          <p:cNvSpPr>
+            <a:spLocks noGrp="1" noRot="1" noChangeAspect="1"/>
+          </p:cNvSpPr>
           <p:nvPr>
-            <p:ph idx="2" type="sldImg"/>
+            <p:ph type="sldImg" idx="2"/>
           </p:nvPr>
         </p:nvSpPr>
         <p:spPr>
@@ -1330,9 +1276,13 @@
             <a:ext cx="6096000" cy="3429000"/>
           </a:xfrm>
           <a:custGeom>
-            <a:rect b="b" l="l" r="r" t="t"/>
+            <a:avLst/>
+            <a:gdLst/>
+            <a:ahLst/>
+            <a:cxnLst/>
+            <a:rect l="l" t="t" r="r" b="b"/>
             <a:pathLst>
-              <a:path extrusionOk="0" h="120000" w="120000">
+              <a:path w="120000" h="120000" extrusionOk="0">
                 <a:moveTo>
                   <a:pt x="0" y="0"/>
                 </a:moveTo>
@@ -1354,9 +1304,11 @@
       <p:sp>
         <p:nvSpPr>
           <p:cNvPr id="86" name="Google Shape;86;g278c0e74329_0_109:notes"/>
-          <p:cNvSpPr txBox="1"/>
+          <p:cNvSpPr txBox="1">
+            <a:spLocks noGrp="1"/>
+          </p:cNvSpPr>
           <p:nvPr>
-            <p:ph idx="1" type="body"/>
+            <p:ph type="body" idx="1"/>
           </p:nvPr>
         </p:nvSpPr>
         <p:spPr>
@@ -1369,12 +1321,12 @@
           </a:prstGeom>
         </p:spPr>
         <p:txBody>
-          <a:bodyPr anchorCtr="0" anchor="t" bIns="91425" lIns="91425" spcFirstLastPara="1" rIns="91425" wrap="square" tIns="91425">
+          <a:bodyPr spcFirstLastPara="1" wrap="square" lIns="91425" tIns="91425" rIns="91425" bIns="91425" anchor="t" anchorCtr="0">
             <a:noAutofit/>
           </a:bodyPr>
           <a:lstStyle/>
           <a:p>
-            <a:pPr indent="0" lvl="0" marL="0" rtl="0" algn="l">
+            <a:pPr marL="0" lvl="0" indent="0" algn="l" rtl="0">
               <a:spcBef>
                 <a:spcPts val="0"/>
               </a:spcBef>
@@ -1383,9 +1335,6 @@
               </a:spcAft>
               <a:buNone/>
             </a:pPr>
-            <a:r>
-              <a:t/>
-            </a:r>
             <a:endParaRPr/>
           </a:p>
         </p:txBody>
@@ -1399,11 +1348,11 @@
 </file>
 
 <file path=ppt/notesSlides/notesSlide6.xml><?xml version="1.0" encoding="utf-8"?>
-<p:notes xmlns:a="http://schemas.openxmlformats.org/drawingml/2006/main" xmlns:r="http://schemas.openxmlformats.org/officeDocument/2006/relationships" xmlns:mc="http://schemas.openxmlformats.org/markup-compatibility/2006" xmlns:mv="urn:schemas-microsoft-com:mac:vml" xmlns:p="http://schemas.openxmlformats.org/presentationml/2006/main" xmlns:c="http://schemas.openxmlformats.org/drawingml/2006/chart" xmlns:dgm="http://schemas.openxmlformats.org/drawingml/2006/diagram" xmlns:o="urn:schemas-microsoft-com:office:office" xmlns:v="urn:schemas-microsoft-com:vml" xmlns:pvml="urn:schemas-microsoft-com:office:powerpoint" xmlns:com="http://schemas.openxmlformats.org/drawingml/2006/compatibility" xmlns:p14="http://schemas.microsoft.com/office/powerpoint/2010/main" xmlns:p15="http://schemas.microsoft.com/office/powerpoint/2012/main" xmlns:ahyp="http://schemas.microsoft.com/office/drawing/2018/hyperlinkcolor" showMasterPhAnim="0" showMasterSp="0">
+<p:notes xmlns:a="http://schemas.openxmlformats.org/drawingml/2006/main" xmlns:r="http://schemas.openxmlformats.org/officeDocument/2006/relationships" xmlns:p="http://schemas.openxmlformats.org/presentationml/2006/main" showMasterSp="0" showMasterPhAnim="0">
   <p:cSld>
     <p:spTree>
       <p:nvGrpSpPr>
-        <p:cNvPr id="92" name="Shape 92"/>
+        <p:cNvPr id="1" name="Shape 92"/>
         <p:cNvGrpSpPr/>
         <p:nvPr/>
       </p:nvGrpSpPr>
@@ -1418,9 +1367,11 @@
       <p:sp>
         <p:nvSpPr>
           <p:cNvPr id="93" name="Google Shape;93;g278c0e74329_0_118:notes"/>
-          <p:cNvSpPr/>
+          <p:cNvSpPr>
+            <a:spLocks noGrp="1" noRot="1" noChangeAspect="1"/>
+          </p:cNvSpPr>
           <p:nvPr>
-            <p:ph idx="2" type="sldImg"/>
+            <p:ph type="sldImg" idx="2"/>
           </p:nvPr>
         </p:nvSpPr>
         <p:spPr>
@@ -1429,9 +1380,13 @@
             <a:ext cx="6096000" cy="3429000"/>
           </a:xfrm>
           <a:custGeom>
-            <a:rect b="b" l="l" r="r" t="t"/>
+            <a:avLst/>
+            <a:gdLst/>
+            <a:ahLst/>
+            <a:cxnLst/>
+            <a:rect l="l" t="t" r="r" b="b"/>
             <a:pathLst>
-              <a:path extrusionOk="0" h="120000" w="120000">
+              <a:path w="120000" h="120000" extrusionOk="0">
                 <a:moveTo>
                   <a:pt x="0" y="0"/>
                 </a:moveTo>
@@ -1453,9 +1408,11 @@
       <p:sp>
         <p:nvSpPr>
           <p:cNvPr id="94" name="Google Shape;94;g278c0e74329_0_118:notes"/>
-          <p:cNvSpPr txBox="1"/>
+          <p:cNvSpPr txBox="1">
+            <a:spLocks noGrp="1"/>
+          </p:cNvSpPr>
           <p:nvPr>
-            <p:ph idx="1" type="body"/>
+            <p:ph type="body" idx="1"/>
           </p:nvPr>
         </p:nvSpPr>
         <p:spPr>
@@ -1468,12 +1425,12 @@
           </a:prstGeom>
         </p:spPr>
         <p:txBody>
-          <a:bodyPr anchorCtr="0" anchor="t" bIns="91425" lIns="91425" spcFirstLastPara="1" rIns="91425" wrap="square" tIns="91425">
+          <a:bodyPr spcFirstLastPara="1" wrap="square" lIns="91425" tIns="91425" rIns="91425" bIns="91425" anchor="t" anchorCtr="0">
             <a:noAutofit/>
           </a:bodyPr>
           <a:lstStyle/>
           <a:p>
-            <a:pPr indent="0" lvl="0" marL="0" rtl="0" algn="l">
+            <a:pPr marL="0" lvl="0" indent="0" algn="l" rtl="0">
               <a:spcBef>
                 <a:spcPts val="0"/>
               </a:spcBef>
@@ -1482,9 +1439,6 @@
               </a:spcAft>
               <a:buNone/>
             </a:pPr>
-            <a:r>
-              <a:t/>
-            </a:r>
             <a:endParaRPr/>
           </a:p>
         </p:txBody>
@@ -1498,11 +1452,11 @@
 </file>
 
 <file path=ppt/notesSlides/notesSlide7.xml><?xml version="1.0" encoding="utf-8"?>
-<p:notes xmlns:a="http://schemas.openxmlformats.org/drawingml/2006/main" xmlns:r="http://schemas.openxmlformats.org/officeDocument/2006/relationships" xmlns:mc="http://schemas.openxmlformats.org/markup-compatibility/2006" xmlns:mv="urn:schemas-microsoft-com:mac:vml" xmlns:p="http://schemas.openxmlformats.org/presentationml/2006/main" xmlns:c="http://schemas.openxmlformats.org/drawingml/2006/chart" xmlns:dgm="http://schemas.openxmlformats.org/drawingml/2006/diagram" xmlns:o="urn:schemas-microsoft-com:office:office" xmlns:v="urn:schemas-microsoft-com:vml" xmlns:pvml="urn:schemas-microsoft-com:office:powerpoint" xmlns:com="http://schemas.openxmlformats.org/drawingml/2006/compatibility" xmlns:p14="http://schemas.microsoft.com/office/powerpoint/2010/main" xmlns:p15="http://schemas.microsoft.com/office/powerpoint/2012/main" xmlns:ahyp="http://schemas.microsoft.com/office/drawing/2018/hyperlinkcolor" showMasterPhAnim="0" showMasterSp="0">
+<p:notes xmlns:a="http://schemas.openxmlformats.org/drawingml/2006/main" xmlns:r="http://schemas.openxmlformats.org/officeDocument/2006/relationships" xmlns:p="http://schemas.openxmlformats.org/presentationml/2006/main" showMasterSp="0" showMasterPhAnim="0">
   <p:cSld>
     <p:spTree>
       <p:nvGrpSpPr>
-        <p:cNvPr id="99" name="Shape 99"/>
+        <p:cNvPr id="1" name="Shape 99"/>
         <p:cNvGrpSpPr/>
         <p:nvPr/>
       </p:nvGrpSpPr>
@@ -1517,9 +1471,11 @@
       <p:sp>
         <p:nvSpPr>
           <p:cNvPr id="100" name="Google Shape;100;g278c0e74329_0_126:notes"/>
-          <p:cNvSpPr/>
+          <p:cNvSpPr>
+            <a:spLocks noGrp="1" noRot="1" noChangeAspect="1"/>
+          </p:cNvSpPr>
           <p:nvPr>
-            <p:ph idx="2" type="sldImg"/>
+            <p:ph type="sldImg" idx="2"/>
           </p:nvPr>
         </p:nvSpPr>
         <p:spPr>
@@ -1528,9 +1484,13 @@
             <a:ext cx="6096000" cy="3429000"/>
           </a:xfrm>
           <a:custGeom>
-            <a:rect b="b" l="l" r="r" t="t"/>
+            <a:avLst/>
+            <a:gdLst/>
+            <a:ahLst/>
+            <a:cxnLst/>
+            <a:rect l="l" t="t" r="r" b="b"/>
             <a:pathLst>
-              <a:path extrusionOk="0" h="120000" w="120000">
+              <a:path w="120000" h="120000" extrusionOk="0">
                 <a:moveTo>
                   <a:pt x="0" y="0"/>
                 </a:moveTo>
@@ -1552,9 +1512,11 @@
       <p:sp>
         <p:nvSpPr>
           <p:cNvPr id="101" name="Google Shape;101;g278c0e74329_0_126:notes"/>
-          <p:cNvSpPr txBox="1"/>
+          <p:cNvSpPr txBox="1">
+            <a:spLocks noGrp="1"/>
+          </p:cNvSpPr>
           <p:nvPr>
-            <p:ph idx="1" type="body"/>
+            <p:ph type="body" idx="1"/>
           </p:nvPr>
         </p:nvSpPr>
         <p:spPr>
@@ -1567,12 +1529,12 @@
           </a:prstGeom>
         </p:spPr>
         <p:txBody>
-          <a:bodyPr anchorCtr="0" anchor="t" bIns="91425" lIns="91425" spcFirstLastPara="1" rIns="91425" wrap="square" tIns="91425">
+          <a:bodyPr spcFirstLastPara="1" wrap="square" lIns="91425" tIns="91425" rIns="91425" bIns="91425" anchor="t" anchorCtr="0">
             <a:noAutofit/>
           </a:bodyPr>
           <a:lstStyle/>
           <a:p>
-            <a:pPr indent="0" lvl="0" marL="0" rtl="0" algn="l">
+            <a:pPr marL="0" lvl="0" indent="0" algn="l" rtl="0">
               <a:spcBef>
                 <a:spcPts val="0"/>
               </a:spcBef>
@@ -1581,9 +1543,6 @@
               </a:spcAft>
               <a:buNone/>
             </a:pPr>
-            <a:r>
-              <a:t/>
-            </a:r>
             <a:endParaRPr/>
           </a:p>
         </p:txBody>
@@ -1597,11 +1556,11 @@
 </file>
 
 <file path=ppt/notesSlides/notesSlide8.xml><?xml version="1.0" encoding="utf-8"?>
-<p:notes xmlns:a="http://schemas.openxmlformats.org/drawingml/2006/main" xmlns:r="http://schemas.openxmlformats.org/officeDocument/2006/relationships" xmlns:mc="http://schemas.openxmlformats.org/markup-compatibility/2006" xmlns:mv="urn:schemas-microsoft-com:mac:vml" xmlns:p="http://schemas.openxmlformats.org/presentationml/2006/main" xmlns:c="http://schemas.openxmlformats.org/drawingml/2006/chart" xmlns:dgm="http://schemas.openxmlformats.org/drawingml/2006/diagram" xmlns:o="urn:schemas-microsoft-com:office:office" xmlns:v="urn:schemas-microsoft-com:vml" xmlns:pvml="urn:schemas-microsoft-com:office:powerpoint" xmlns:com="http://schemas.openxmlformats.org/drawingml/2006/compatibility" xmlns:p14="http://schemas.microsoft.com/office/powerpoint/2010/main" xmlns:p15="http://schemas.microsoft.com/office/powerpoint/2012/main" xmlns:ahyp="http://schemas.microsoft.com/office/drawing/2018/hyperlinkcolor" showMasterPhAnim="0" showMasterSp="0">
+<p:notes xmlns:a="http://schemas.openxmlformats.org/drawingml/2006/main" xmlns:r="http://schemas.openxmlformats.org/officeDocument/2006/relationships" xmlns:p="http://schemas.openxmlformats.org/presentationml/2006/main" showMasterSp="0" showMasterPhAnim="0">
   <p:cSld>
     <p:spTree>
       <p:nvGrpSpPr>
-        <p:cNvPr id="106" name="Shape 106"/>
+        <p:cNvPr id="1" name="Shape 106"/>
         <p:cNvGrpSpPr/>
         <p:nvPr/>
       </p:nvGrpSpPr>
@@ -1616,9 +1575,11 @@
       <p:sp>
         <p:nvSpPr>
           <p:cNvPr id="107" name="Google Shape;107;g278c0e74329_0_132:notes"/>
-          <p:cNvSpPr/>
+          <p:cNvSpPr>
+            <a:spLocks noGrp="1" noRot="1" noChangeAspect="1"/>
+          </p:cNvSpPr>
           <p:nvPr>
-            <p:ph idx="2" type="sldImg"/>
+            <p:ph type="sldImg" idx="2"/>
           </p:nvPr>
         </p:nvSpPr>
         <p:spPr>
@@ -1627,9 +1588,13 @@
             <a:ext cx="6096000" cy="3429000"/>
           </a:xfrm>
           <a:custGeom>
-            <a:rect b="b" l="l" r="r" t="t"/>
+            <a:avLst/>
+            <a:gdLst/>
+            <a:ahLst/>
+            <a:cxnLst/>
+            <a:rect l="l" t="t" r="r" b="b"/>
             <a:pathLst>
-              <a:path extrusionOk="0" h="120000" w="120000">
+              <a:path w="120000" h="120000" extrusionOk="0">
                 <a:moveTo>
                   <a:pt x="0" y="0"/>
                 </a:moveTo>
@@ -1651,9 +1616,11 @@
       <p:sp>
         <p:nvSpPr>
           <p:cNvPr id="108" name="Google Shape;108;g278c0e74329_0_132:notes"/>
-          <p:cNvSpPr txBox="1"/>
+          <p:cNvSpPr txBox="1">
+            <a:spLocks noGrp="1"/>
+          </p:cNvSpPr>
           <p:nvPr>
-            <p:ph idx="1" type="body"/>
+            <p:ph type="body" idx="1"/>
           </p:nvPr>
         </p:nvSpPr>
         <p:spPr>
@@ -1666,12 +1633,12 @@
           </a:prstGeom>
         </p:spPr>
         <p:txBody>
-          <a:bodyPr anchorCtr="0" anchor="t" bIns="91425" lIns="91425" spcFirstLastPara="1" rIns="91425" wrap="square" tIns="91425">
+          <a:bodyPr spcFirstLastPara="1" wrap="square" lIns="91425" tIns="91425" rIns="91425" bIns="91425" anchor="t" anchorCtr="0">
             <a:noAutofit/>
           </a:bodyPr>
           <a:lstStyle/>
           <a:p>
-            <a:pPr indent="0" lvl="0" marL="0" rtl="0" algn="l">
+            <a:pPr marL="0" lvl="0" indent="0" algn="l" rtl="0">
               <a:spcBef>
                 <a:spcPts val="0"/>
               </a:spcBef>
@@ -1680,9 +1647,6 @@
               </a:spcAft>
               <a:buNone/>
             </a:pPr>
-            <a:r>
-              <a:t/>
-            </a:r>
             <a:endParaRPr/>
           </a:p>
         </p:txBody>
@@ -1696,11 +1660,11 @@
 </file>
 
 <file path=ppt/notesSlides/notesSlide9.xml><?xml version="1.0" encoding="utf-8"?>
-<p:notes xmlns:a="http://schemas.openxmlformats.org/drawingml/2006/main" xmlns:r="http://schemas.openxmlformats.org/officeDocument/2006/relationships" xmlns:mc="http://schemas.openxmlformats.org/markup-compatibility/2006" xmlns:mv="urn:schemas-microsoft-com:mac:vml" xmlns:p="http://schemas.openxmlformats.org/presentationml/2006/main" xmlns:c="http://schemas.openxmlformats.org/drawingml/2006/chart" xmlns:dgm="http://schemas.openxmlformats.org/drawingml/2006/diagram" xmlns:o="urn:schemas-microsoft-com:office:office" xmlns:v="urn:schemas-microsoft-com:vml" xmlns:pvml="urn:schemas-microsoft-com:office:powerpoint" xmlns:com="http://schemas.openxmlformats.org/drawingml/2006/compatibility" xmlns:p14="http://schemas.microsoft.com/office/powerpoint/2010/main" xmlns:p15="http://schemas.microsoft.com/office/powerpoint/2012/main" xmlns:ahyp="http://schemas.microsoft.com/office/drawing/2018/hyperlinkcolor" showMasterPhAnim="0" showMasterSp="0">
+<p:notes xmlns:a="http://schemas.openxmlformats.org/drawingml/2006/main" xmlns:r="http://schemas.openxmlformats.org/officeDocument/2006/relationships" xmlns:p="http://schemas.openxmlformats.org/presentationml/2006/main" showMasterSp="0" showMasterPhAnim="0">
   <p:cSld>
     <p:spTree>
       <p:nvGrpSpPr>
-        <p:cNvPr id="115" name="Shape 115"/>
+        <p:cNvPr id="1" name="Shape 115"/>
         <p:cNvGrpSpPr/>
         <p:nvPr/>
       </p:nvGrpSpPr>
@@ -1715,9 +1679,11 @@
       <p:sp>
         <p:nvSpPr>
           <p:cNvPr id="116" name="Google Shape;116;g278c0e74329_0_149:notes"/>
-          <p:cNvSpPr/>
+          <p:cNvSpPr>
+            <a:spLocks noGrp="1" noRot="1" noChangeAspect="1"/>
+          </p:cNvSpPr>
           <p:nvPr>
-            <p:ph idx="2" type="sldImg"/>
+            <p:ph type="sldImg" idx="2"/>
           </p:nvPr>
         </p:nvSpPr>
         <p:spPr>
@@ -1726,9 +1692,13 @@
             <a:ext cx="6096000" cy="3429000"/>
           </a:xfrm>
           <a:custGeom>
-            <a:rect b="b" l="l" r="r" t="t"/>
+            <a:avLst/>
+            <a:gdLst/>
+            <a:ahLst/>
+            <a:cxnLst/>
+            <a:rect l="l" t="t" r="r" b="b"/>
             <a:pathLst>
-              <a:path extrusionOk="0" h="120000" w="120000">
+              <a:path w="120000" h="120000" extrusionOk="0">
                 <a:moveTo>
                   <a:pt x="0" y="0"/>
                 </a:moveTo>
@@ -1750,9 +1720,11 @@
       <p:sp>
         <p:nvSpPr>
           <p:cNvPr id="117" name="Google Shape;117;g278c0e74329_0_149:notes"/>
-          <p:cNvSpPr txBox="1"/>
+          <p:cNvSpPr txBox="1">
+            <a:spLocks noGrp="1"/>
+          </p:cNvSpPr>
           <p:nvPr>
-            <p:ph idx="1" type="body"/>
+            <p:ph type="body" idx="1"/>
           </p:nvPr>
         </p:nvSpPr>
         <p:spPr>
@@ -1765,12 +1737,12 @@
           </a:prstGeom>
         </p:spPr>
         <p:txBody>
-          <a:bodyPr anchorCtr="0" anchor="t" bIns="91425" lIns="91425" spcFirstLastPara="1" rIns="91425" wrap="square" tIns="91425">
+          <a:bodyPr spcFirstLastPara="1" wrap="square" lIns="91425" tIns="91425" rIns="91425" bIns="91425" anchor="t" anchorCtr="0">
             <a:noAutofit/>
           </a:bodyPr>
           <a:lstStyle/>
           <a:p>
-            <a:pPr indent="0" lvl="0" marL="0" rtl="0" algn="l">
+            <a:pPr marL="0" lvl="0" indent="0" algn="l" rtl="0">
               <a:spcBef>
                 <a:spcPts val="0"/>
               </a:spcBef>
@@ -1779,9 +1751,6 @@
               </a:spcAft>
               <a:buNone/>
             </a:pPr>
-            <a:r>
-              <a:t/>
-            </a:r>
             <a:endParaRPr/>
           </a:p>
         </p:txBody>
@@ -1795,11 +1764,11 @@
 </file>
 
 <file path=ppt/slideLayouts/slideLayout1.xml><?xml version="1.0" encoding="utf-8"?>
-<p:sldLayout xmlns:a="http://schemas.openxmlformats.org/drawingml/2006/main" xmlns:r="http://schemas.openxmlformats.org/officeDocument/2006/relationships" xmlns:mc="http://schemas.openxmlformats.org/markup-compatibility/2006" xmlns:mv="urn:schemas-microsoft-com:mac:vml" xmlns:p="http://schemas.openxmlformats.org/presentationml/2006/main" xmlns:c="http://schemas.openxmlformats.org/drawingml/2006/chart" xmlns:dgm="http://schemas.openxmlformats.org/drawingml/2006/diagram" xmlns:o="urn:schemas-microsoft-com:office:office" xmlns:v="urn:schemas-microsoft-com:vml" xmlns:pvml="urn:schemas-microsoft-com:office:powerpoint" xmlns:com="http://schemas.openxmlformats.org/drawingml/2006/compatibility" xmlns:p14="http://schemas.microsoft.com/office/powerpoint/2010/main" xmlns:p15="http://schemas.microsoft.com/office/powerpoint/2012/main" xmlns:ahyp="http://schemas.microsoft.com/office/drawing/2018/hyperlinkcolor" matchingName="Title slide" type="title">
+<p:sldLayout xmlns:a="http://schemas.openxmlformats.org/drawingml/2006/main" xmlns:r="http://schemas.openxmlformats.org/officeDocument/2006/relationships" xmlns:p="http://schemas.openxmlformats.org/presentationml/2006/main" matchingName="Title slide" type="title">
   <p:cSld name="TITLE">
     <p:spTree>
       <p:nvGrpSpPr>
-        <p:cNvPr id="9" name="Shape 9"/>
+        <p:cNvPr id="1" name="Shape 9"/>
         <p:cNvGrpSpPr/>
         <p:nvPr/>
       </p:nvGrpSpPr>
@@ -1814,7 +1783,9 @@
       <p:sp>
         <p:nvSpPr>
           <p:cNvPr id="10" name="Google Shape;10;p2"/>
-          <p:cNvSpPr txBox="1"/>
+          <p:cNvSpPr txBox="1">
+            <a:spLocks noGrp="1"/>
+          </p:cNvSpPr>
           <p:nvPr>
             <p:ph type="ctrTitle"/>
           </p:nvPr>
@@ -1829,7 +1800,7 @@
           </a:prstGeom>
         </p:spPr>
         <p:txBody>
-          <a:bodyPr anchorCtr="0" anchor="b" bIns="91425" lIns="91425" spcFirstLastPara="1" rIns="91425" wrap="square" tIns="91425">
+          <a:bodyPr spcFirstLastPara="1" wrap="square" lIns="91425" tIns="91425" rIns="91425" bIns="91425" anchor="b" anchorCtr="0">
             <a:normAutofit/>
           </a:bodyPr>
           <a:lstStyle>
@@ -1933,15 +1904,19 @@
               <a:defRPr sz="5200"/>
             </a:lvl9pPr>
           </a:lstStyle>
-          <a:p/>
+          <a:p>
+            <a:endParaRPr/>
+          </a:p>
         </p:txBody>
       </p:sp>
       <p:sp>
         <p:nvSpPr>
           <p:cNvPr id="11" name="Google Shape;11;p2"/>
-          <p:cNvSpPr txBox="1"/>
+          <p:cNvSpPr txBox="1">
+            <a:spLocks noGrp="1"/>
+          </p:cNvSpPr>
           <p:nvPr>
-            <p:ph idx="1" type="subTitle"/>
+            <p:ph type="subTitle" idx="1"/>
           </p:nvPr>
         </p:nvSpPr>
         <p:spPr>
@@ -1954,7 +1929,7 @@
           </a:prstGeom>
         </p:spPr>
         <p:txBody>
-          <a:bodyPr anchorCtr="0" anchor="t" bIns="91425" lIns="91425" spcFirstLastPara="1" rIns="91425" wrap="square" tIns="91425">
+          <a:bodyPr spcFirstLastPara="1" wrap="square" lIns="91425" tIns="91425" rIns="91425" bIns="91425" anchor="t" anchorCtr="0">
             <a:normAutofit/>
           </a:bodyPr>
           <a:lstStyle>
@@ -2085,15 +2060,19 @@
               <a:defRPr sz="2800"/>
             </a:lvl9pPr>
           </a:lstStyle>
-          <a:p/>
+          <a:p>
+            <a:endParaRPr/>
+          </a:p>
         </p:txBody>
       </p:sp>
       <p:sp>
         <p:nvSpPr>
           <p:cNvPr id="12" name="Google Shape;12;p2"/>
-          <p:cNvSpPr txBox="1"/>
+          <p:cNvSpPr txBox="1">
+            <a:spLocks noGrp="1"/>
+          </p:cNvSpPr>
           <p:nvPr>
-            <p:ph idx="12" type="sldNum"/>
+            <p:ph type="sldNum" idx="12"/>
           </p:nvPr>
         </p:nvSpPr>
         <p:spPr>
@@ -2106,7 +2085,7 @@
           </a:prstGeom>
         </p:spPr>
         <p:txBody>
-          <a:bodyPr anchorCtr="0" anchor="ctr" bIns="91425" lIns="91425" spcFirstLastPara="1" rIns="91425" wrap="square" tIns="91425">
+          <a:bodyPr spcFirstLastPara="1" wrap="square" lIns="91425" tIns="91425" rIns="91425" bIns="91425" anchor="ctr" anchorCtr="0">
             <a:normAutofit/>
           </a:bodyPr>
           <a:lstStyle>
@@ -2148,7 +2127,7 @@
             </a:lvl9pPr>
           </a:lstStyle>
           <a:p>
-            <a:pPr indent="0" lvl="0" marL="0" rtl="0" algn="r">
+            <a:pPr marL="0" lvl="0" indent="0" algn="r" rtl="0">
               <a:spcBef>
                 <a:spcPts val="0"/>
               </a:spcBef>
@@ -2174,11 +2153,11 @@
 </file>
 
 <file path=ppt/slideLayouts/slideLayout10.xml><?xml version="1.0" encoding="utf-8"?>
-<p:sldLayout xmlns:a="http://schemas.openxmlformats.org/drawingml/2006/main" xmlns:r="http://schemas.openxmlformats.org/officeDocument/2006/relationships" xmlns:mc="http://schemas.openxmlformats.org/markup-compatibility/2006" xmlns:mv="urn:schemas-microsoft-com:mac:vml" xmlns:p="http://schemas.openxmlformats.org/presentationml/2006/main" xmlns:c="http://schemas.openxmlformats.org/drawingml/2006/chart" xmlns:dgm="http://schemas.openxmlformats.org/drawingml/2006/diagram" xmlns:o="urn:schemas-microsoft-com:office:office" xmlns:v="urn:schemas-microsoft-com:vml" xmlns:pvml="urn:schemas-microsoft-com:office:powerpoint" xmlns:com="http://schemas.openxmlformats.org/drawingml/2006/compatibility" xmlns:p14="http://schemas.microsoft.com/office/powerpoint/2010/main" xmlns:p15="http://schemas.microsoft.com/office/powerpoint/2012/main" xmlns:ahyp="http://schemas.microsoft.com/office/drawing/2018/hyperlinkcolor" matchingName="Big number">
+<p:sldLayout xmlns:a="http://schemas.openxmlformats.org/drawingml/2006/main" xmlns:r="http://schemas.openxmlformats.org/officeDocument/2006/relationships" xmlns:p="http://schemas.openxmlformats.org/presentationml/2006/main" matchingName="Big number">
   <p:cSld name="BIG_NUMBER">
     <p:spTree>
       <p:nvGrpSpPr>
-        <p:cNvPr id="44" name="Shape 44"/>
+        <p:cNvPr id="1" name="Shape 44"/>
         <p:cNvGrpSpPr/>
         <p:nvPr/>
       </p:nvGrpSpPr>
@@ -2193,9 +2172,11 @@
       <p:sp>
         <p:nvSpPr>
           <p:cNvPr id="45" name="Google Shape;45;p11"/>
-          <p:cNvSpPr txBox="1"/>
+          <p:cNvSpPr txBox="1">
+            <a:spLocks noGrp="1"/>
+          </p:cNvSpPr>
           <p:nvPr>
-            <p:ph hasCustomPrompt="1" type="title"/>
+            <p:ph type="title" hasCustomPrompt="1"/>
           </p:nvPr>
         </p:nvSpPr>
         <p:spPr>
@@ -2208,7 +2189,7 @@
           </a:prstGeom>
         </p:spPr>
         <p:txBody>
-          <a:bodyPr anchorCtr="0" anchor="b" bIns="91425" lIns="91425" spcFirstLastPara="1" rIns="91425" wrap="square" tIns="91425">
+          <a:bodyPr spcFirstLastPara="1" wrap="square" lIns="91425" tIns="91425" rIns="91425" bIns="91425" anchor="b" anchorCtr="0">
             <a:normAutofit/>
           </a:bodyPr>
           <a:lstStyle>
@@ -2322,9 +2303,11 @@
       <p:sp>
         <p:nvSpPr>
           <p:cNvPr id="46" name="Google Shape;46;p11"/>
-          <p:cNvSpPr txBox="1"/>
+          <p:cNvSpPr txBox="1">
+            <a:spLocks noGrp="1"/>
+          </p:cNvSpPr>
           <p:nvPr>
-            <p:ph idx="1" type="body"/>
+            <p:ph type="body" idx="1"/>
           </p:nvPr>
         </p:nvSpPr>
         <p:spPr>
@@ -2337,11 +2320,11 @@
           </a:prstGeom>
         </p:spPr>
         <p:txBody>
-          <a:bodyPr anchorCtr="0" anchor="t" bIns="91425" lIns="91425" spcFirstLastPara="1" rIns="91425" wrap="square" tIns="91425">
+          <a:bodyPr spcFirstLastPara="1" wrap="square" lIns="91425" tIns="91425" rIns="91425" bIns="91425" anchor="t" anchorCtr="0">
             <a:normAutofit/>
           </a:bodyPr>
           <a:lstStyle>
-            <a:lvl1pPr indent="-342900" lvl="0" marL="457200" algn="ctr">
+            <a:lvl1pPr marL="457200" lvl="0" indent="-342900" algn="ctr">
               <a:spcBef>
                 <a:spcPts val="0"/>
               </a:spcBef>
@@ -2352,7 +2335,7 @@
               <a:buChar char="●"/>
               <a:defRPr/>
             </a:lvl1pPr>
-            <a:lvl2pPr indent="-317500" lvl="1" marL="914400" algn="ctr">
+            <a:lvl2pPr marL="914400" lvl="1" indent="-317500" algn="ctr">
               <a:spcBef>
                 <a:spcPts val="0"/>
               </a:spcBef>
@@ -2363,7 +2346,7 @@
               <a:buChar char="○"/>
               <a:defRPr/>
             </a:lvl2pPr>
-            <a:lvl3pPr indent="-317500" lvl="2" marL="1371600" algn="ctr">
+            <a:lvl3pPr marL="1371600" lvl="2" indent="-317500" algn="ctr">
               <a:spcBef>
                 <a:spcPts val="0"/>
               </a:spcBef>
@@ -2374,7 +2357,7 @@
               <a:buChar char="■"/>
               <a:defRPr/>
             </a:lvl3pPr>
-            <a:lvl4pPr indent="-317500" lvl="3" marL="1828800" algn="ctr">
+            <a:lvl4pPr marL="1828800" lvl="3" indent="-317500" algn="ctr">
               <a:spcBef>
                 <a:spcPts val="0"/>
               </a:spcBef>
@@ -2385,7 +2368,7 @@
               <a:buChar char="●"/>
               <a:defRPr/>
             </a:lvl4pPr>
-            <a:lvl5pPr indent="-317500" lvl="4" marL="2286000" algn="ctr">
+            <a:lvl5pPr marL="2286000" lvl="4" indent="-317500" algn="ctr">
               <a:spcBef>
                 <a:spcPts val="0"/>
               </a:spcBef>
@@ -2396,7 +2379,7 @@
               <a:buChar char="○"/>
               <a:defRPr/>
             </a:lvl5pPr>
-            <a:lvl6pPr indent="-317500" lvl="5" marL="2743200" algn="ctr">
+            <a:lvl6pPr marL="2743200" lvl="5" indent="-317500" algn="ctr">
               <a:spcBef>
                 <a:spcPts val="0"/>
               </a:spcBef>
@@ -2407,7 +2390,7 @@
               <a:buChar char="■"/>
               <a:defRPr/>
             </a:lvl6pPr>
-            <a:lvl7pPr indent="-317500" lvl="6" marL="3200400" algn="ctr">
+            <a:lvl7pPr marL="3200400" lvl="6" indent="-317500" algn="ctr">
               <a:spcBef>
                 <a:spcPts val="0"/>
               </a:spcBef>
@@ -2418,7 +2401,7 @@
               <a:buChar char="●"/>
               <a:defRPr/>
             </a:lvl7pPr>
-            <a:lvl8pPr indent="-317500" lvl="7" marL="3657600" algn="ctr">
+            <a:lvl8pPr marL="3657600" lvl="7" indent="-317500" algn="ctr">
               <a:spcBef>
                 <a:spcPts val="0"/>
               </a:spcBef>
@@ -2429,7 +2412,7 @@
               <a:buChar char="○"/>
               <a:defRPr/>
             </a:lvl8pPr>
-            <a:lvl9pPr indent="-317500" lvl="8" marL="4114800" algn="ctr">
+            <a:lvl9pPr marL="4114800" lvl="8" indent="-317500" algn="ctr">
               <a:spcBef>
                 <a:spcPts val="0"/>
               </a:spcBef>
@@ -2441,15 +2424,19 @@
               <a:defRPr/>
             </a:lvl9pPr>
           </a:lstStyle>
-          <a:p/>
+          <a:p>
+            <a:endParaRPr/>
+          </a:p>
         </p:txBody>
       </p:sp>
       <p:sp>
         <p:nvSpPr>
           <p:cNvPr id="47" name="Google Shape;47;p11"/>
-          <p:cNvSpPr txBox="1"/>
+          <p:cNvSpPr txBox="1">
+            <a:spLocks noGrp="1"/>
+          </p:cNvSpPr>
           <p:nvPr>
-            <p:ph idx="12" type="sldNum"/>
+            <p:ph type="sldNum" idx="12"/>
           </p:nvPr>
         </p:nvSpPr>
         <p:spPr>
@@ -2462,7 +2449,7 @@
           </a:prstGeom>
         </p:spPr>
         <p:txBody>
-          <a:bodyPr anchorCtr="0" anchor="ctr" bIns="91425" lIns="91425" spcFirstLastPara="1" rIns="91425" wrap="square" tIns="91425">
+          <a:bodyPr spcFirstLastPara="1" wrap="square" lIns="91425" tIns="91425" rIns="91425" bIns="91425" anchor="ctr" anchorCtr="0">
             <a:normAutofit/>
           </a:bodyPr>
           <a:lstStyle>
@@ -2504,7 +2491,7 @@
             </a:lvl9pPr>
           </a:lstStyle>
           <a:p>
-            <a:pPr indent="0" lvl="0" marL="0" rtl="0" algn="r">
+            <a:pPr marL="0" lvl="0" indent="0" algn="r" rtl="0">
               <a:spcBef>
                 <a:spcPts val="0"/>
               </a:spcBef>
@@ -2530,11 +2517,11 @@
 </file>
 
 <file path=ppt/slideLayouts/slideLayout11.xml><?xml version="1.0" encoding="utf-8"?>
-<p:sldLayout xmlns:a="http://schemas.openxmlformats.org/drawingml/2006/main" xmlns:r="http://schemas.openxmlformats.org/officeDocument/2006/relationships" xmlns:mc="http://schemas.openxmlformats.org/markup-compatibility/2006" xmlns:mv="urn:schemas-microsoft-com:mac:vml" xmlns:p="http://schemas.openxmlformats.org/presentationml/2006/main" xmlns:c="http://schemas.openxmlformats.org/drawingml/2006/chart" xmlns:dgm="http://schemas.openxmlformats.org/drawingml/2006/diagram" xmlns:o="urn:schemas-microsoft-com:office:office" xmlns:v="urn:schemas-microsoft-com:vml" xmlns:pvml="urn:schemas-microsoft-com:office:powerpoint" xmlns:com="http://schemas.openxmlformats.org/drawingml/2006/compatibility" xmlns:p14="http://schemas.microsoft.com/office/powerpoint/2010/main" xmlns:p15="http://schemas.microsoft.com/office/powerpoint/2012/main" xmlns:ahyp="http://schemas.microsoft.com/office/drawing/2018/hyperlinkcolor" matchingName="Blank" type="blank">
+<p:sldLayout xmlns:a="http://schemas.openxmlformats.org/drawingml/2006/main" xmlns:r="http://schemas.openxmlformats.org/officeDocument/2006/relationships" xmlns:p="http://schemas.openxmlformats.org/presentationml/2006/main" matchingName="Blank" type="blank">
   <p:cSld name="BLANK">
     <p:spTree>
       <p:nvGrpSpPr>
-        <p:cNvPr id="48" name="Shape 48"/>
+        <p:cNvPr id="1" name="Shape 48"/>
         <p:cNvGrpSpPr/>
         <p:nvPr/>
       </p:nvGrpSpPr>
@@ -2549,9 +2536,11 @@
       <p:sp>
         <p:nvSpPr>
           <p:cNvPr id="49" name="Google Shape;49;p12"/>
-          <p:cNvSpPr txBox="1"/>
+          <p:cNvSpPr txBox="1">
+            <a:spLocks noGrp="1"/>
+          </p:cNvSpPr>
           <p:nvPr>
-            <p:ph idx="12" type="sldNum"/>
+            <p:ph type="sldNum" idx="12"/>
           </p:nvPr>
         </p:nvSpPr>
         <p:spPr>
@@ -2564,7 +2553,7 @@
           </a:prstGeom>
         </p:spPr>
         <p:txBody>
-          <a:bodyPr anchorCtr="0" anchor="ctr" bIns="91425" lIns="91425" spcFirstLastPara="1" rIns="91425" wrap="square" tIns="91425">
+          <a:bodyPr spcFirstLastPara="1" wrap="square" lIns="91425" tIns="91425" rIns="91425" bIns="91425" anchor="ctr" anchorCtr="0">
             <a:normAutofit/>
           </a:bodyPr>
           <a:lstStyle>
@@ -2606,7 +2595,7 @@
             </a:lvl9pPr>
           </a:lstStyle>
           <a:p>
-            <a:pPr indent="0" lvl="0" marL="0" rtl="0" algn="r">
+            <a:pPr marL="0" lvl="0" indent="0" algn="r" rtl="0">
               <a:spcBef>
                 <a:spcPts val="0"/>
               </a:spcBef>
@@ -2632,11 +2621,11 @@
 </file>
 
 <file path=ppt/slideLayouts/slideLayout2.xml><?xml version="1.0" encoding="utf-8"?>
-<p:sldLayout xmlns:a="http://schemas.openxmlformats.org/drawingml/2006/main" xmlns:r="http://schemas.openxmlformats.org/officeDocument/2006/relationships" xmlns:mc="http://schemas.openxmlformats.org/markup-compatibility/2006" xmlns:mv="urn:schemas-microsoft-com:mac:vml" xmlns:p="http://schemas.openxmlformats.org/presentationml/2006/main" xmlns:c="http://schemas.openxmlformats.org/drawingml/2006/chart" xmlns:dgm="http://schemas.openxmlformats.org/drawingml/2006/diagram" xmlns:o="urn:schemas-microsoft-com:office:office" xmlns:v="urn:schemas-microsoft-com:vml" xmlns:pvml="urn:schemas-microsoft-com:office:powerpoint" xmlns:com="http://schemas.openxmlformats.org/drawingml/2006/compatibility" xmlns:p14="http://schemas.microsoft.com/office/powerpoint/2010/main" xmlns:p15="http://schemas.microsoft.com/office/powerpoint/2012/main" xmlns:ahyp="http://schemas.microsoft.com/office/drawing/2018/hyperlinkcolor" matchingName="Section header" type="secHead">
+<p:sldLayout xmlns:a="http://schemas.openxmlformats.org/drawingml/2006/main" xmlns:r="http://schemas.openxmlformats.org/officeDocument/2006/relationships" xmlns:p="http://schemas.openxmlformats.org/presentationml/2006/main" matchingName="Section header" type="secHead">
   <p:cSld name="SECTION_HEADER">
     <p:spTree>
       <p:nvGrpSpPr>
-        <p:cNvPr id="13" name="Shape 13"/>
+        <p:cNvPr id="1" name="Shape 13"/>
         <p:cNvGrpSpPr/>
         <p:nvPr/>
       </p:nvGrpSpPr>
@@ -2651,7 +2640,9 @@
       <p:sp>
         <p:nvSpPr>
           <p:cNvPr id="14" name="Google Shape;14;p3"/>
-          <p:cNvSpPr txBox="1"/>
+          <p:cNvSpPr txBox="1">
+            <a:spLocks noGrp="1"/>
+          </p:cNvSpPr>
           <p:nvPr>
             <p:ph type="title"/>
           </p:nvPr>
@@ -2666,7 +2657,7 @@
           </a:prstGeom>
         </p:spPr>
         <p:txBody>
-          <a:bodyPr anchorCtr="0" anchor="ctr" bIns="91425" lIns="91425" spcFirstLastPara="1" rIns="91425" wrap="square" tIns="91425">
+          <a:bodyPr spcFirstLastPara="1" wrap="square" lIns="91425" tIns="91425" rIns="91425" bIns="91425" anchor="ctr" anchorCtr="0">
             <a:normAutofit/>
           </a:bodyPr>
           <a:lstStyle>
@@ -2770,15 +2761,19 @@
               <a:defRPr sz="3600"/>
             </a:lvl9pPr>
           </a:lstStyle>
-          <a:p/>
+          <a:p>
+            <a:endParaRPr/>
+          </a:p>
         </p:txBody>
       </p:sp>
       <p:sp>
         <p:nvSpPr>
           <p:cNvPr id="15" name="Google Shape;15;p3"/>
-          <p:cNvSpPr txBox="1"/>
+          <p:cNvSpPr txBox="1">
+            <a:spLocks noGrp="1"/>
+          </p:cNvSpPr>
           <p:nvPr>
-            <p:ph idx="12" type="sldNum"/>
+            <p:ph type="sldNum" idx="12"/>
           </p:nvPr>
         </p:nvSpPr>
         <p:spPr>
@@ -2791,7 +2786,7 @@
           </a:prstGeom>
         </p:spPr>
         <p:txBody>
-          <a:bodyPr anchorCtr="0" anchor="ctr" bIns="91425" lIns="91425" spcFirstLastPara="1" rIns="91425" wrap="square" tIns="91425">
+          <a:bodyPr spcFirstLastPara="1" wrap="square" lIns="91425" tIns="91425" rIns="91425" bIns="91425" anchor="ctr" anchorCtr="0">
             <a:normAutofit/>
           </a:bodyPr>
           <a:lstStyle>
@@ -2833,7 +2828,7 @@
             </a:lvl9pPr>
           </a:lstStyle>
           <a:p>
-            <a:pPr indent="0" lvl="0" marL="0" rtl="0" algn="r">
+            <a:pPr marL="0" lvl="0" indent="0" algn="r" rtl="0">
               <a:spcBef>
                 <a:spcPts val="0"/>
               </a:spcBef>
@@ -2859,11 +2854,11 @@
 </file>
 
 <file path=ppt/slideLayouts/slideLayout3.xml><?xml version="1.0" encoding="utf-8"?>
-<p:sldLayout xmlns:a="http://schemas.openxmlformats.org/drawingml/2006/main" xmlns:r="http://schemas.openxmlformats.org/officeDocument/2006/relationships" xmlns:mc="http://schemas.openxmlformats.org/markup-compatibility/2006" xmlns:mv="urn:schemas-microsoft-com:mac:vml" xmlns:p="http://schemas.openxmlformats.org/presentationml/2006/main" xmlns:c="http://schemas.openxmlformats.org/drawingml/2006/chart" xmlns:dgm="http://schemas.openxmlformats.org/drawingml/2006/diagram" xmlns:o="urn:schemas-microsoft-com:office:office" xmlns:v="urn:schemas-microsoft-com:vml" xmlns:pvml="urn:schemas-microsoft-com:office:powerpoint" xmlns:com="http://schemas.openxmlformats.org/drawingml/2006/compatibility" xmlns:p14="http://schemas.microsoft.com/office/powerpoint/2010/main" xmlns:p15="http://schemas.microsoft.com/office/powerpoint/2012/main" xmlns:ahyp="http://schemas.microsoft.com/office/drawing/2018/hyperlinkcolor" matchingName="Title and body" type="tx">
+<p:sldLayout xmlns:a="http://schemas.openxmlformats.org/drawingml/2006/main" xmlns:r="http://schemas.openxmlformats.org/officeDocument/2006/relationships" xmlns:p="http://schemas.openxmlformats.org/presentationml/2006/main" matchingName="Title and body" type="tx">
   <p:cSld name="TITLE_AND_BODY">
     <p:spTree>
       <p:nvGrpSpPr>
-        <p:cNvPr id="16" name="Shape 16"/>
+        <p:cNvPr id="1" name="Shape 16"/>
         <p:cNvGrpSpPr/>
         <p:nvPr/>
       </p:nvGrpSpPr>
@@ -2878,7 +2873,9 @@
       <p:sp>
         <p:nvSpPr>
           <p:cNvPr id="17" name="Google Shape;17;p4"/>
-          <p:cNvSpPr txBox="1"/>
+          <p:cNvSpPr txBox="1">
+            <a:spLocks noGrp="1"/>
+          </p:cNvSpPr>
           <p:nvPr>
             <p:ph type="title"/>
           </p:nvPr>
@@ -2893,7 +2890,7 @@
           </a:prstGeom>
         </p:spPr>
         <p:txBody>
-          <a:bodyPr anchorCtr="0" anchor="t" bIns="91425" lIns="91425" spcFirstLastPara="1" rIns="91425" wrap="square" tIns="91425">
+          <a:bodyPr spcFirstLastPara="1" wrap="square" lIns="91425" tIns="91425" rIns="91425" bIns="91425" anchor="t" anchorCtr="0">
             <a:normAutofit/>
           </a:bodyPr>
           <a:lstStyle>
@@ -2997,15 +2994,19 @@
               <a:defRPr/>
             </a:lvl9pPr>
           </a:lstStyle>
-          <a:p/>
+          <a:p>
+            <a:endParaRPr/>
+          </a:p>
         </p:txBody>
       </p:sp>
       <p:sp>
         <p:nvSpPr>
           <p:cNvPr id="18" name="Google Shape;18;p4"/>
-          <p:cNvSpPr txBox="1"/>
+          <p:cNvSpPr txBox="1">
+            <a:spLocks noGrp="1"/>
+          </p:cNvSpPr>
           <p:nvPr>
-            <p:ph idx="1" type="body"/>
+            <p:ph type="body" idx="1"/>
           </p:nvPr>
         </p:nvSpPr>
         <p:spPr>
@@ -3018,11 +3019,11 @@
           </a:prstGeom>
         </p:spPr>
         <p:txBody>
-          <a:bodyPr anchorCtr="0" anchor="t" bIns="91425" lIns="91425" spcFirstLastPara="1" rIns="91425" wrap="square" tIns="91425">
+          <a:bodyPr spcFirstLastPara="1" wrap="square" lIns="91425" tIns="91425" rIns="91425" bIns="91425" anchor="t" anchorCtr="0">
             <a:normAutofit/>
           </a:bodyPr>
           <a:lstStyle>
-            <a:lvl1pPr indent="-342900" lvl="0" marL="457200">
+            <a:lvl1pPr marL="457200" lvl="0" indent="-342900">
               <a:spcBef>
                 <a:spcPts val="0"/>
               </a:spcBef>
@@ -3033,7 +3034,7 @@
               <a:buChar char="●"/>
               <a:defRPr/>
             </a:lvl1pPr>
-            <a:lvl2pPr indent="-317500" lvl="1" marL="914400">
+            <a:lvl2pPr marL="914400" lvl="1" indent="-317500">
               <a:spcBef>
                 <a:spcPts val="0"/>
               </a:spcBef>
@@ -3044,7 +3045,7 @@
               <a:buChar char="○"/>
               <a:defRPr/>
             </a:lvl2pPr>
-            <a:lvl3pPr indent="-317500" lvl="2" marL="1371600">
+            <a:lvl3pPr marL="1371600" lvl="2" indent="-317500">
               <a:spcBef>
                 <a:spcPts val="0"/>
               </a:spcBef>
@@ -3055,7 +3056,7 @@
               <a:buChar char="■"/>
               <a:defRPr/>
             </a:lvl3pPr>
-            <a:lvl4pPr indent="-317500" lvl="3" marL="1828800">
+            <a:lvl4pPr marL="1828800" lvl="3" indent="-317500">
               <a:spcBef>
                 <a:spcPts val="0"/>
               </a:spcBef>
@@ -3066,7 +3067,7 @@
               <a:buChar char="●"/>
               <a:defRPr/>
             </a:lvl4pPr>
-            <a:lvl5pPr indent="-317500" lvl="4" marL="2286000">
+            <a:lvl5pPr marL="2286000" lvl="4" indent="-317500">
               <a:spcBef>
                 <a:spcPts val="0"/>
               </a:spcBef>
@@ -3077,7 +3078,7 @@
               <a:buChar char="○"/>
               <a:defRPr/>
             </a:lvl5pPr>
-            <a:lvl6pPr indent="-317500" lvl="5" marL="2743200">
+            <a:lvl6pPr marL="2743200" lvl="5" indent="-317500">
               <a:spcBef>
                 <a:spcPts val="0"/>
               </a:spcBef>
@@ -3088,7 +3089,7 @@
               <a:buChar char="■"/>
               <a:defRPr/>
             </a:lvl6pPr>
-            <a:lvl7pPr indent="-317500" lvl="6" marL="3200400">
+            <a:lvl7pPr marL="3200400" lvl="6" indent="-317500">
               <a:spcBef>
                 <a:spcPts val="0"/>
               </a:spcBef>
@@ -3099,7 +3100,7 @@
               <a:buChar char="●"/>
               <a:defRPr/>
             </a:lvl7pPr>
-            <a:lvl8pPr indent="-317500" lvl="7" marL="3657600">
+            <a:lvl8pPr marL="3657600" lvl="7" indent="-317500">
               <a:spcBef>
                 <a:spcPts val="0"/>
               </a:spcBef>
@@ -3110,7 +3111,7 @@
               <a:buChar char="○"/>
               <a:defRPr/>
             </a:lvl8pPr>
-            <a:lvl9pPr indent="-317500" lvl="8" marL="4114800">
+            <a:lvl9pPr marL="4114800" lvl="8" indent="-317500">
               <a:spcBef>
                 <a:spcPts val="0"/>
               </a:spcBef>
@@ -3122,15 +3123,19 @@
               <a:defRPr/>
             </a:lvl9pPr>
           </a:lstStyle>
-          <a:p/>
+          <a:p>
+            <a:endParaRPr/>
+          </a:p>
         </p:txBody>
       </p:sp>
       <p:sp>
         <p:nvSpPr>
           <p:cNvPr id="19" name="Google Shape;19;p4"/>
-          <p:cNvSpPr txBox="1"/>
+          <p:cNvSpPr txBox="1">
+            <a:spLocks noGrp="1"/>
+          </p:cNvSpPr>
           <p:nvPr>
-            <p:ph idx="12" type="sldNum"/>
+            <p:ph type="sldNum" idx="12"/>
           </p:nvPr>
         </p:nvSpPr>
         <p:spPr>
@@ -3143,7 +3148,7 @@
           </a:prstGeom>
         </p:spPr>
         <p:txBody>
-          <a:bodyPr anchorCtr="0" anchor="ctr" bIns="91425" lIns="91425" spcFirstLastPara="1" rIns="91425" wrap="square" tIns="91425">
+          <a:bodyPr spcFirstLastPara="1" wrap="square" lIns="91425" tIns="91425" rIns="91425" bIns="91425" anchor="ctr" anchorCtr="0">
             <a:normAutofit/>
           </a:bodyPr>
           <a:lstStyle>
@@ -3185,7 +3190,7 @@
             </a:lvl9pPr>
           </a:lstStyle>
           <a:p>
-            <a:pPr indent="0" lvl="0" marL="0" rtl="0" algn="r">
+            <a:pPr marL="0" lvl="0" indent="0" algn="r" rtl="0">
               <a:spcBef>
                 <a:spcPts val="0"/>
               </a:spcBef>
@@ -3211,11 +3216,11 @@
 </file>
 
 <file path=ppt/slideLayouts/slideLayout4.xml><?xml version="1.0" encoding="utf-8"?>
-<p:sldLayout xmlns:a="http://schemas.openxmlformats.org/drawingml/2006/main" xmlns:r="http://schemas.openxmlformats.org/officeDocument/2006/relationships" xmlns:mc="http://schemas.openxmlformats.org/markup-compatibility/2006" xmlns:mv="urn:schemas-microsoft-com:mac:vml" xmlns:p="http://schemas.openxmlformats.org/presentationml/2006/main" xmlns:c="http://schemas.openxmlformats.org/drawingml/2006/chart" xmlns:dgm="http://schemas.openxmlformats.org/drawingml/2006/diagram" xmlns:o="urn:schemas-microsoft-com:office:office" xmlns:v="urn:schemas-microsoft-com:vml" xmlns:pvml="urn:schemas-microsoft-com:office:powerpoint" xmlns:com="http://schemas.openxmlformats.org/drawingml/2006/compatibility" xmlns:p14="http://schemas.microsoft.com/office/powerpoint/2010/main" xmlns:p15="http://schemas.microsoft.com/office/powerpoint/2012/main" xmlns:ahyp="http://schemas.microsoft.com/office/drawing/2018/hyperlinkcolor" matchingName="Title and two columns" type="twoColTx">
+<p:sldLayout xmlns:a="http://schemas.openxmlformats.org/drawingml/2006/main" xmlns:r="http://schemas.openxmlformats.org/officeDocument/2006/relationships" xmlns:p="http://schemas.openxmlformats.org/presentationml/2006/main" matchingName="Title and two columns" type="twoColTx">
   <p:cSld name="TITLE_AND_TWO_COLUMNS">
     <p:spTree>
       <p:nvGrpSpPr>
-        <p:cNvPr id="20" name="Shape 20"/>
+        <p:cNvPr id="1" name="Shape 20"/>
         <p:cNvGrpSpPr/>
         <p:nvPr/>
       </p:nvGrpSpPr>
@@ -3230,7 +3235,9 @@
       <p:sp>
         <p:nvSpPr>
           <p:cNvPr id="21" name="Google Shape;21;p5"/>
-          <p:cNvSpPr txBox="1"/>
+          <p:cNvSpPr txBox="1">
+            <a:spLocks noGrp="1"/>
+          </p:cNvSpPr>
           <p:nvPr>
             <p:ph type="title"/>
           </p:nvPr>
@@ -3245,7 +3252,7 @@
           </a:prstGeom>
         </p:spPr>
         <p:txBody>
-          <a:bodyPr anchorCtr="0" anchor="t" bIns="91425" lIns="91425" spcFirstLastPara="1" rIns="91425" wrap="square" tIns="91425">
+          <a:bodyPr spcFirstLastPara="1" wrap="square" lIns="91425" tIns="91425" rIns="91425" bIns="91425" anchor="t" anchorCtr="0">
             <a:normAutofit/>
           </a:bodyPr>
           <a:lstStyle>
@@ -3349,15 +3356,19 @@
               <a:defRPr/>
             </a:lvl9pPr>
           </a:lstStyle>
-          <a:p/>
+          <a:p>
+            <a:endParaRPr/>
+          </a:p>
         </p:txBody>
       </p:sp>
       <p:sp>
         <p:nvSpPr>
           <p:cNvPr id="22" name="Google Shape;22;p5"/>
-          <p:cNvSpPr txBox="1"/>
+          <p:cNvSpPr txBox="1">
+            <a:spLocks noGrp="1"/>
+          </p:cNvSpPr>
           <p:nvPr>
-            <p:ph idx="1" type="body"/>
+            <p:ph type="body" idx="1"/>
           </p:nvPr>
         </p:nvSpPr>
         <p:spPr>
@@ -3370,11 +3381,11 @@
           </a:prstGeom>
         </p:spPr>
         <p:txBody>
-          <a:bodyPr anchorCtr="0" anchor="t" bIns="91425" lIns="91425" spcFirstLastPara="1" rIns="91425" wrap="square" tIns="91425">
+          <a:bodyPr spcFirstLastPara="1" wrap="square" lIns="91425" tIns="91425" rIns="91425" bIns="91425" anchor="t" anchorCtr="0">
             <a:normAutofit/>
           </a:bodyPr>
           <a:lstStyle>
-            <a:lvl1pPr indent="-317500" lvl="0" marL="457200">
+            <a:lvl1pPr marL="457200" lvl="0" indent="-317500">
               <a:spcBef>
                 <a:spcPts val="0"/>
               </a:spcBef>
@@ -3385,7 +3396,7 @@
               <a:buChar char="●"/>
               <a:defRPr sz="1400"/>
             </a:lvl1pPr>
-            <a:lvl2pPr indent="-304800" lvl="1" marL="914400">
+            <a:lvl2pPr marL="914400" lvl="1" indent="-304800">
               <a:spcBef>
                 <a:spcPts val="0"/>
               </a:spcBef>
@@ -3396,7 +3407,7 @@
               <a:buChar char="○"/>
               <a:defRPr sz="1200"/>
             </a:lvl2pPr>
-            <a:lvl3pPr indent="-304800" lvl="2" marL="1371600">
+            <a:lvl3pPr marL="1371600" lvl="2" indent="-304800">
               <a:spcBef>
                 <a:spcPts val="0"/>
               </a:spcBef>
@@ -3407,7 +3418,7 @@
               <a:buChar char="■"/>
               <a:defRPr sz="1200"/>
             </a:lvl3pPr>
-            <a:lvl4pPr indent="-304800" lvl="3" marL="1828800">
+            <a:lvl4pPr marL="1828800" lvl="3" indent="-304800">
               <a:spcBef>
                 <a:spcPts val="0"/>
               </a:spcBef>
@@ -3418,7 +3429,7 @@
               <a:buChar char="●"/>
               <a:defRPr sz="1200"/>
             </a:lvl4pPr>
-            <a:lvl5pPr indent="-304800" lvl="4" marL="2286000">
+            <a:lvl5pPr marL="2286000" lvl="4" indent="-304800">
               <a:spcBef>
                 <a:spcPts val="0"/>
               </a:spcBef>
@@ -3429,7 +3440,7 @@
               <a:buChar char="○"/>
               <a:defRPr sz="1200"/>
             </a:lvl5pPr>
-            <a:lvl6pPr indent="-304800" lvl="5" marL="2743200">
+            <a:lvl6pPr marL="2743200" lvl="5" indent="-304800">
               <a:spcBef>
                 <a:spcPts val="0"/>
               </a:spcBef>
@@ -3440,7 +3451,7 @@
               <a:buChar char="■"/>
               <a:defRPr sz="1200"/>
             </a:lvl6pPr>
-            <a:lvl7pPr indent="-304800" lvl="6" marL="3200400">
+            <a:lvl7pPr marL="3200400" lvl="6" indent="-304800">
               <a:spcBef>
                 <a:spcPts val="0"/>
               </a:spcBef>
@@ -3451,7 +3462,7 @@
               <a:buChar char="●"/>
               <a:defRPr sz="1200"/>
             </a:lvl7pPr>
-            <a:lvl8pPr indent="-304800" lvl="7" marL="3657600">
+            <a:lvl8pPr marL="3657600" lvl="7" indent="-304800">
               <a:spcBef>
                 <a:spcPts val="0"/>
               </a:spcBef>
@@ -3462,7 +3473,7 @@
               <a:buChar char="○"/>
               <a:defRPr sz="1200"/>
             </a:lvl8pPr>
-            <a:lvl9pPr indent="-304800" lvl="8" marL="4114800">
+            <a:lvl9pPr marL="4114800" lvl="8" indent="-304800">
               <a:spcBef>
                 <a:spcPts val="0"/>
               </a:spcBef>
@@ -3474,15 +3485,19 @@
               <a:defRPr sz="1200"/>
             </a:lvl9pPr>
           </a:lstStyle>
-          <a:p/>
+          <a:p>
+            <a:endParaRPr/>
+          </a:p>
         </p:txBody>
       </p:sp>
       <p:sp>
         <p:nvSpPr>
           <p:cNvPr id="23" name="Google Shape;23;p5"/>
-          <p:cNvSpPr txBox="1"/>
+          <p:cNvSpPr txBox="1">
+            <a:spLocks noGrp="1"/>
+          </p:cNvSpPr>
           <p:nvPr>
-            <p:ph idx="2" type="body"/>
+            <p:ph type="body" idx="2"/>
           </p:nvPr>
         </p:nvSpPr>
         <p:spPr>
@@ -3495,11 +3510,11 @@
           </a:prstGeom>
         </p:spPr>
         <p:txBody>
-          <a:bodyPr anchorCtr="0" anchor="t" bIns="91425" lIns="91425" spcFirstLastPara="1" rIns="91425" wrap="square" tIns="91425">
+          <a:bodyPr spcFirstLastPara="1" wrap="square" lIns="91425" tIns="91425" rIns="91425" bIns="91425" anchor="t" anchorCtr="0">
             <a:normAutofit/>
           </a:bodyPr>
           <a:lstStyle>
-            <a:lvl1pPr indent="-317500" lvl="0" marL="457200">
+            <a:lvl1pPr marL="457200" lvl="0" indent="-317500">
               <a:spcBef>
                 <a:spcPts val="0"/>
               </a:spcBef>
@@ -3510,7 +3525,7 @@
               <a:buChar char="●"/>
               <a:defRPr sz="1400"/>
             </a:lvl1pPr>
-            <a:lvl2pPr indent="-304800" lvl="1" marL="914400">
+            <a:lvl2pPr marL="914400" lvl="1" indent="-304800">
               <a:spcBef>
                 <a:spcPts val="0"/>
               </a:spcBef>
@@ -3521,7 +3536,7 @@
               <a:buChar char="○"/>
               <a:defRPr sz="1200"/>
             </a:lvl2pPr>
-            <a:lvl3pPr indent="-304800" lvl="2" marL="1371600">
+            <a:lvl3pPr marL="1371600" lvl="2" indent="-304800">
               <a:spcBef>
                 <a:spcPts val="0"/>
               </a:spcBef>
@@ -3532,7 +3547,7 @@
               <a:buChar char="■"/>
               <a:defRPr sz="1200"/>
             </a:lvl3pPr>
-            <a:lvl4pPr indent="-304800" lvl="3" marL="1828800">
+            <a:lvl4pPr marL="1828800" lvl="3" indent="-304800">
               <a:spcBef>
                 <a:spcPts val="0"/>
               </a:spcBef>
@@ -3543,7 +3558,7 @@
               <a:buChar char="●"/>
               <a:defRPr sz="1200"/>
             </a:lvl4pPr>
-            <a:lvl5pPr indent="-304800" lvl="4" marL="2286000">
+            <a:lvl5pPr marL="2286000" lvl="4" indent="-304800">
               <a:spcBef>
                 <a:spcPts val="0"/>
               </a:spcBef>
@@ -3554,7 +3569,7 @@
               <a:buChar char="○"/>
               <a:defRPr sz="1200"/>
             </a:lvl5pPr>
-            <a:lvl6pPr indent="-304800" lvl="5" marL="2743200">
+            <a:lvl6pPr marL="2743200" lvl="5" indent="-304800">
               <a:spcBef>
                 <a:spcPts val="0"/>
               </a:spcBef>
@@ -3565,7 +3580,7 @@
               <a:buChar char="■"/>
               <a:defRPr sz="1200"/>
             </a:lvl6pPr>
-            <a:lvl7pPr indent="-304800" lvl="6" marL="3200400">
+            <a:lvl7pPr marL="3200400" lvl="6" indent="-304800">
               <a:spcBef>
                 <a:spcPts val="0"/>
               </a:spcBef>
@@ -3576,7 +3591,7 @@
               <a:buChar char="●"/>
               <a:defRPr sz="1200"/>
             </a:lvl7pPr>
-            <a:lvl8pPr indent="-304800" lvl="7" marL="3657600">
+            <a:lvl8pPr marL="3657600" lvl="7" indent="-304800">
               <a:spcBef>
                 <a:spcPts val="0"/>
               </a:spcBef>
@@ -3587,7 +3602,7 @@
               <a:buChar char="○"/>
               <a:defRPr sz="1200"/>
             </a:lvl8pPr>
-            <a:lvl9pPr indent="-304800" lvl="8" marL="4114800">
+            <a:lvl9pPr marL="4114800" lvl="8" indent="-304800">
               <a:spcBef>
                 <a:spcPts val="0"/>
               </a:spcBef>
@@ -3599,15 +3614,19 @@
               <a:defRPr sz="1200"/>
             </a:lvl9pPr>
           </a:lstStyle>
-          <a:p/>
+          <a:p>
+            <a:endParaRPr/>
+          </a:p>
         </p:txBody>
       </p:sp>
       <p:sp>
         <p:nvSpPr>
           <p:cNvPr id="24" name="Google Shape;24;p5"/>
-          <p:cNvSpPr txBox="1"/>
+          <p:cNvSpPr txBox="1">
+            <a:spLocks noGrp="1"/>
+          </p:cNvSpPr>
           <p:nvPr>
-            <p:ph idx="12" type="sldNum"/>
+            <p:ph type="sldNum" idx="12"/>
           </p:nvPr>
         </p:nvSpPr>
         <p:spPr>
@@ -3620,7 +3639,7 @@
           </a:prstGeom>
         </p:spPr>
         <p:txBody>
-          <a:bodyPr anchorCtr="0" anchor="ctr" bIns="91425" lIns="91425" spcFirstLastPara="1" rIns="91425" wrap="square" tIns="91425">
+          <a:bodyPr spcFirstLastPara="1" wrap="square" lIns="91425" tIns="91425" rIns="91425" bIns="91425" anchor="ctr" anchorCtr="0">
             <a:normAutofit/>
           </a:bodyPr>
           <a:lstStyle>
@@ -3662,7 +3681,7 @@
             </a:lvl9pPr>
           </a:lstStyle>
           <a:p>
-            <a:pPr indent="0" lvl="0" marL="0" rtl="0" algn="r">
+            <a:pPr marL="0" lvl="0" indent="0" algn="r" rtl="0">
               <a:spcBef>
                 <a:spcPts val="0"/>
               </a:spcBef>
@@ -3688,11 +3707,11 @@
 </file>
 
 <file path=ppt/slideLayouts/slideLayout5.xml><?xml version="1.0" encoding="utf-8"?>
-<p:sldLayout xmlns:a="http://schemas.openxmlformats.org/drawingml/2006/main" xmlns:r="http://schemas.openxmlformats.org/officeDocument/2006/relationships" xmlns:mc="http://schemas.openxmlformats.org/markup-compatibility/2006" xmlns:mv="urn:schemas-microsoft-com:mac:vml" xmlns:p="http://schemas.openxmlformats.org/presentationml/2006/main" xmlns:c="http://schemas.openxmlformats.org/drawingml/2006/chart" xmlns:dgm="http://schemas.openxmlformats.org/drawingml/2006/diagram" xmlns:o="urn:schemas-microsoft-com:office:office" xmlns:v="urn:schemas-microsoft-com:vml" xmlns:pvml="urn:schemas-microsoft-com:office:powerpoint" xmlns:com="http://schemas.openxmlformats.org/drawingml/2006/compatibility" xmlns:p14="http://schemas.microsoft.com/office/powerpoint/2010/main" xmlns:p15="http://schemas.microsoft.com/office/powerpoint/2012/main" xmlns:ahyp="http://schemas.microsoft.com/office/drawing/2018/hyperlinkcolor" matchingName="Title only" type="titleOnly">
+<p:sldLayout xmlns:a="http://schemas.openxmlformats.org/drawingml/2006/main" xmlns:r="http://schemas.openxmlformats.org/officeDocument/2006/relationships" xmlns:p="http://schemas.openxmlformats.org/presentationml/2006/main" matchingName="Title only" type="titleOnly">
   <p:cSld name="TITLE_ONLY">
     <p:spTree>
       <p:nvGrpSpPr>
-        <p:cNvPr id="25" name="Shape 25"/>
+        <p:cNvPr id="1" name="Shape 25"/>
         <p:cNvGrpSpPr/>
         <p:nvPr/>
       </p:nvGrpSpPr>
@@ -3707,7 +3726,9 @@
       <p:sp>
         <p:nvSpPr>
           <p:cNvPr id="26" name="Google Shape;26;p6"/>
-          <p:cNvSpPr txBox="1"/>
+          <p:cNvSpPr txBox="1">
+            <a:spLocks noGrp="1"/>
+          </p:cNvSpPr>
           <p:nvPr>
             <p:ph type="title"/>
           </p:nvPr>
@@ -3722,7 +3743,7 @@
           </a:prstGeom>
         </p:spPr>
         <p:txBody>
-          <a:bodyPr anchorCtr="0" anchor="t" bIns="91425" lIns="91425" spcFirstLastPara="1" rIns="91425" wrap="square" tIns="91425">
+          <a:bodyPr spcFirstLastPara="1" wrap="square" lIns="91425" tIns="91425" rIns="91425" bIns="91425" anchor="t" anchorCtr="0">
             <a:normAutofit/>
           </a:bodyPr>
           <a:lstStyle>
@@ -3826,15 +3847,19 @@
               <a:defRPr/>
             </a:lvl9pPr>
           </a:lstStyle>
-          <a:p/>
+          <a:p>
+            <a:endParaRPr/>
+          </a:p>
         </p:txBody>
       </p:sp>
       <p:sp>
         <p:nvSpPr>
           <p:cNvPr id="27" name="Google Shape;27;p6"/>
-          <p:cNvSpPr txBox="1"/>
+          <p:cNvSpPr txBox="1">
+            <a:spLocks noGrp="1"/>
+          </p:cNvSpPr>
           <p:nvPr>
-            <p:ph idx="12" type="sldNum"/>
+            <p:ph type="sldNum" idx="12"/>
           </p:nvPr>
         </p:nvSpPr>
         <p:spPr>
@@ -3847,7 +3872,7 @@
           </a:prstGeom>
         </p:spPr>
         <p:txBody>
-          <a:bodyPr anchorCtr="0" anchor="ctr" bIns="91425" lIns="91425" spcFirstLastPara="1" rIns="91425" wrap="square" tIns="91425">
+          <a:bodyPr spcFirstLastPara="1" wrap="square" lIns="91425" tIns="91425" rIns="91425" bIns="91425" anchor="ctr" anchorCtr="0">
             <a:normAutofit/>
           </a:bodyPr>
           <a:lstStyle>
@@ -3889,7 +3914,7 @@
             </a:lvl9pPr>
           </a:lstStyle>
           <a:p>
-            <a:pPr indent="0" lvl="0" marL="0" rtl="0" algn="r">
+            <a:pPr marL="0" lvl="0" indent="0" algn="r" rtl="0">
               <a:spcBef>
                 <a:spcPts val="0"/>
               </a:spcBef>
@@ -3915,11 +3940,11 @@
 </file>
 
 <file path=ppt/slideLayouts/slideLayout6.xml><?xml version="1.0" encoding="utf-8"?>
-<p:sldLayout xmlns:a="http://schemas.openxmlformats.org/drawingml/2006/main" xmlns:r="http://schemas.openxmlformats.org/officeDocument/2006/relationships" xmlns:mc="http://schemas.openxmlformats.org/markup-compatibility/2006" xmlns:mv="urn:schemas-microsoft-com:mac:vml" xmlns:p="http://schemas.openxmlformats.org/presentationml/2006/main" xmlns:c="http://schemas.openxmlformats.org/drawingml/2006/chart" xmlns:dgm="http://schemas.openxmlformats.org/drawingml/2006/diagram" xmlns:o="urn:schemas-microsoft-com:office:office" xmlns:v="urn:schemas-microsoft-com:vml" xmlns:pvml="urn:schemas-microsoft-com:office:powerpoint" xmlns:com="http://schemas.openxmlformats.org/drawingml/2006/compatibility" xmlns:p14="http://schemas.microsoft.com/office/powerpoint/2010/main" xmlns:p15="http://schemas.microsoft.com/office/powerpoint/2012/main" xmlns:ahyp="http://schemas.microsoft.com/office/drawing/2018/hyperlinkcolor" matchingName="One column text">
+<p:sldLayout xmlns:a="http://schemas.openxmlformats.org/drawingml/2006/main" xmlns:r="http://schemas.openxmlformats.org/officeDocument/2006/relationships" xmlns:p="http://schemas.openxmlformats.org/presentationml/2006/main" matchingName="One column text">
   <p:cSld name="ONE_COLUMN_TEXT">
     <p:spTree>
       <p:nvGrpSpPr>
-        <p:cNvPr id="28" name="Shape 28"/>
+        <p:cNvPr id="1" name="Shape 28"/>
         <p:cNvGrpSpPr/>
         <p:nvPr/>
       </p:nvGrpSpPr>
@@ -3934,7 +3959,9 @@
       <p:sp>
         <p:nvSpPr>
           <p:cNvPr id="29" name="Google Shape;29;p7"/>
-          <p:cNvSpPr txBox="1"/>
+          <p:cNvSpPr txBox="1">
+            <a:spLocks noGrp="1"/>
+          </p:cNvSpPr>
           <p:nvPr>
             <p:ph type="title"/>
           </p:nvPr>
@@ -3949,7 +3976,7 @@
           </a:prstGeom>
         </p:spPr>
         <p:txBody>
-          <a:bodyPr anchorCtr="0" anchor="b" bIns="91425" lIns="91425" spcFirstLastPara="1" rIns="91425" wrap="square" tIns="91425">
+          <a:bodyPr spcFirstLastPara="1" wrap="square" lIns="91425" tIns="91425" rIns="91425" bIns="91425" anchor="b" anchorCtr="0">
             <a:normAutofit/>
           </a:bodyPr>
           <a:lstStyle>
@@ -4053,15 +4080,19 @@
               <a:defRPr sz="2400"/>
             </a:lvl9pPr>
           </a:lstStyle>
-          <a:p/>
+          <a:p>
+            <a:endParaRPr/>
+          </a:p>
         </p:txBody>
       </p:sp>
       <p:sp>
         <p:nvSpPr>
           <p:cNvPr id="30" name="Google Shape;30;p7"/>
-          <p:cNvSpPr txBox="1"/>
+          <p:cNvSpPr txBox="1">
+            <a:spLocks noGrp="1"/>
+          </p:cNvSpPr>
           <p:nvPr>
-            <p:ph idx="1" type="body"/>
+            <p:ph type="body" idx="1"/>
           </p:nvPr>
         </p:nvSpPr>
         <p:spPr>
@@ -4074,11 +4105,11 @@
           </a:prstGeom>
         </p:spPr>
         <p:txBody>
-          <a:bodyPr anchorCtr="0" anchor="t" bIns="91425" lIns="91425" spcFirstLastPara="1" rIns="91425" wrap="square" tIns="91425">
+          <a:bodyPr spcFirstLastPara="1" wrap="square" lIns="91425" tIns="91425" rIns="91425" bIns="91425" anchor="t" anchorCtr="0">
             <a:normAutofit/>
           </a:bodyPr>
           <a:lstStyle>
-            <a:lvl1pPr indent="-304800" lvl="0" marL="457200">
+            <a:lvl1pPr marL="457200" lvl="0" indent="-304800">
               <a:spcBef>
                 <a:spcPts val="0"/>
               </a:spcBef>
@@ -4089,7 +4120,7 @@
               <a:buChar char="●"/>
               <a:defRPr sz="1200"/>
             </a:lvl1pPr>
-            <a:lvl2pPr indent="-304800" lvl="1" marL="914400">
+            <a:lvl2pPr marL="914400" lvl="1" indent="-304800">
               <a:spcBef>
                 <a:spcPts val="0"/>
               </a:spcBef>
@@ -4100,7 +4131,7 @@
               <a:buChar char="○"/>
               <a:defRPr sz="1200"/>
             </a:lvl2pPr>
-            <a:lvl3pPr indent="-304800" lvl="2" marL="1371600">
+            <a:lvl3pPr marL="1371600" lvl="2" indent="-304800">
               <a:spcBef>
                 <a:spcPts val="0"/>
               </a:spcBef>
@@ -4111,7 +4142,7 @@
               <a:buChar char="■"/>
               <a:defRPr sz="1200"/>
             </a:lvl3pPr>
-            <a:lvl4pPr indent="-304800" lvl="3" marL="1828800">
+            <a:lvl4pPr marL="1828800" lvl="3" indent="-304800">
               <a:spcBef>
                 <a:spcPts val="0"/>
               </a:spcBef>
@@ -4122,7 +4153,7 @@
               <a:buChar char="●"/>
               <a:defRPr sz="1200"/>
             </a:lvl4pPr>
-            <a:lvl5pPr indent="-304800" lvl="4" marL="2286000">
+            <a:lvl5pPr marL="2286000" lvl="4" indent="-304800">
               <a:spcBef>
                 <a:spcPts val="0"/>
               </a:spcBef>
@@ -4133,7 +4164,7 @@
               <a:buChar char="○"/>
               <a:defRPr sz="1200"/>
             </a:lvl5pPr>
-            <a:lvl6pPr indent="-304800" lvl="5" marL="2743200">
+            <a:lvl6pPr marL="2743200" lvl="5" indent="-304800">
               <a:spcBef>
                 <a:spcPts val="0"/>
               </a:spcBef>
@@ -4144,7 +4175,7 @@
               <a:buChar char="■"/>
               <a:defRPr sz="1200"/>
             </a:lvl6pPr>
-            <a:lvl7pPr indent="-304800" lvl="6" marL="3200400">
+            <a:lvl7pPr marL="3200400" lvl="6" indent="-304800">
               <a:spcBef>
                 <a:spcPts val="0"/>
               </a:spcBef>
@@ -4155,7 +4186,7 @@
               <a:buChar char="●"/>
               <a:defRPr sz="1200"/>
             </a:lvl7pPr>
-            <a:lvl8pPr indent="-304800" lvl="7" marL="3657600">
+            <a:lvl8pPr marL="3657600" lvl="7" indent="-304800">
               <a:spcBef>
                 <a:spcPts val="0"/>
               </a:spcBef>
@@ -4166,7 +4197,7 @@
               <a:buChar char="○"/>
               <a:defRPr sz="1200"/>
             </a:lvl8pPr>
-            <a:lvl9pPr indent="-304800" lvl="8" marL="4114800">
+            <a:lvl9pPr marL="4114800" lvl="8" indent="-304800">
               <a:spcBef>
                 <a:spcPts val="0"/>
               </a:spcBef>
@@ -4178,15 +4209,19 @@
               <a:defRPr sz="1200"/>
             </a:lvl9pPr>
           </a:lstStyle>
-          <a:p/>
+          <a:p>
+            <a:endParaRPr/>
+          </a:p>
         </p:txBody>
       </p:sp>
       <p:sp>
         <p:nvSpPr>
           <p:cNvPr id="31" name="Google Shape;31;p7"/>
-          <p:cNvSpPr txBox="1"/>
+          <p:cNvSpPr txBox="1">
+            <a:spLocks noGrp="1"/>
+          </p:cNvSpPr>
           <p:nvPr>
-            <p:ph idx="12" type="sldNum"/>
+            <p:ph type="sldNum" idx="12"/>
           </p:nvPr>
         </p:nvSpPr>
         <p:spPr>
@@ -4199,7 +4234,7 @@
           </a:prstGeom>
         </p:spPr>
         <p:txBody>
-          <a:bodyPr anchorCtr="0" anchor="ctr" bIns="91425" lIns="91425" spcFirstLastPara="1" rIns="91425" wrap="square" tIns="91425">
+          <a:bodyPr spcFirstLastPara="1" wrap="square" lIns="91425" tIns="91425" rIns="91425" bIns="91425" anchor="ctr" anchorCtr="0">
             <a:normAutofit/>
           </a:bodyPr>
           <a:lstStyle>
@@ -4241,7 +4276,7 @@
             </a:lvl9pPr>
           </a:lstStyle>
           <a:p>
-            <a:pPr indent="0" lvl="0" marL="0" rtl="0" algn="r">
+            <a:pPr marL="0" lvl="0" indent="0" algn="r" rtl="0">
               <a:spcBef>
                 <a:spcPts val="0"/>
               </a:spcBef>
@@ -4267,11 +4302,11 @@
 </file>
 
 <file path=ppt/slideLayouts/slideLayout7.xml><?xml version="1.0" encoding="utf-8"?>
-<p:sldLayout xmlns:a="http://schemas.openxmlformats.org/drawingml/2006/main" xmlns:r="http://schemas.openxmlformats.org/officeDocument/2006/relationships" xmlns:mc="http://schemas.openxmlformats.org/markup-compatibility/2006" xmlns:mv="urn:schemas-microsoft-com:mac:vml" xmlns:p="http://schemas.openxmlformats.org/presentationml/2006/main" xmlns:c="http://schemas.openxmlformats.org/drawingml/2006/chart" xmlns:dgm="http://schemas.openxmlformats.org/drawingml/2006/diagram" xmlns:o="urn:schemas-microsoft-com:office:office" xmlns:v="urn:schemas-microsoft-com:vml" xmlns:pvml="urn:schemas-microsoft-com:office:powerpoint" xmlns:com="http://schemas.openxmlformats.org/drawingml/2006/compatibility" xmlns:p14="http://schemas.microsoft.com/office/powerpoint/2010/main" xmlns:p15="http://schemas.microsoft.com/office/powerpoint/2012/main" xmlns:ahyp="http://schemas.microsoft.com/office/drawing/2018/hyperlinkcolor" matchingName="Main point">
+<p:sldLayout xmlns:a="http://schemas.openxmlformats.org/drawingml/2006/main" xmlns:r="http://schemas.openxmlformats.org/officeDocument/2006/relationships" xmlns:p="http://schemas.openxmlformats.org/presentationml/2006/main" matchingName="Main point">
   <p:cSld name="MAIN_POINT">
     <p:spTree>
       <p:nvGrpSpPr>
-        <p:cNvPr id="32" name="Shape 32"/>
+        <p:cNvPr id="1" name="Shape 32"/>
         <p:cNvGrpSpPr/>
         <p:nvPr/>
       </p:nvGrpSpPr>
@@ -4286,7 +4321,9 @@
       <p:sp>
         <p:nvSpPr>
           <p:cNvPr id="33" name="Google Shape;33;p8"/>
-          <p:cNvSpPr txBox="1"/>
+          <p:cNvSpPr txBox="1">
+            <a:spLocks noGrp="1"/>
+          </p:cNvSpPr>
           <p:nvPr>
             <p:ph type="title"/>
           </p:nvPr>
@@ -4301,7 +4338,7 @@
           </a:prstGeom>
         </p:spPr>
         <p:txBody>
-          <a:bodyPr anchorCtr="0" anchor="ctr" bIns="91425" lIns="91425" spcFirstLastPara="1" rIns="91425" wrap="square" tIns="91425">
+          <a:bodyPr spcFirstLastPara="1" wrap="square" lIns="91425" tIns="91425" rIns="91425" bIns="91425" anchor="ctr" anchorCtr="0">
             <a:normAutofit/>
           </a:bodyPr>
           <a:lstStyle>
@@ -4405,15 +4442,19 @@
               <a:defRPr sz="4800"/>
             </a:lvl9pPr>
           </a:lstStyle>
-          <a:p/>
+          <a:p>
+            <a:endParaRPr/>
+          </a:p>
         </p:txBody>
       </p:sp>
       <p:sp>
         <p:nvSpPr>
           <p:cNvPr id="34" name="Google Shape;34;p8"/>
-          <p:cNvSpPr txBox="1"/>
+          <p:cNvSpPr txBox="1">
+            <a:spLocks noGrp="1"/>
+          </p:cNvSpPr>
           <p:nvPr>
-            <p:ph idx="12" type="sldNum"/>
+            <p:ph type="sldNum" idx="12"/>
           </p:nvPr>
         </p:nvSpPr>
         <p:spPr>
@@ -4426,7 +4467,7 @@
           </a:prstGeom>
         </p:spPr>
         <p:txBody>
-          <a:bodyPr anchorCtr="0" anchor="ctr" bIns="91425" lIns="91425" spcFirstLastPara="1" rIns="91425" wrap="square" tIns="91425">
+          <a:bodyPr spcFirstLastPara="1" wrap="square" lIns="91425" tIns="91425" rIns="91425" bIns="91425" anchor="ctr" anchorCtr="0">
             <a:normAutofit/>
           </a:bodyPr>
           <a:lstStyle>
@@ -4468,7 +4509,7 @@
             </a:lvl9pPr>
           </a:lstStyle>
           <a:p>
-            <a:pPr indent="0" lvl="0" marL="0" rtl="0" algn="r">
+            <a:pPr marL="0" lvl="0" indent="0" algn="r" rtl="0">
               <a:spcBef>
                 <a:spcPts val="0"/>
               </a:spcBef>
@@ -4494,11 +4535,11 @@
 </file>
 
 <file path=ppt/slideLayouts/slideLayout8.xml><?xml version="1.0" encoding="utf-8"?>
-<p:sldLayout xmlns:a="http://schemas.openxmlformats.org/drawingml/2006/main" xmlns:r="http://schemas.openxmlformats.org/officeDocument/2006/relationships" xmlns:mc="http://schemas.openxmlformats.org/markup-compatibility/2006" xmlns:mv="urn:schemas-microsoft-com:mac:vml" xmlns:p="http://schemas.openxmlformats.org/presentationml/2006/main" xmlns:c="http://schemas.openxmlformats.org/drawingml/2006/chart" xmlns:dgm="http://schemas.openxmlformats.org/drawingml/2006/diagram" xmlns:o="urn:schemas-microsoft-com:office:office" xmlns:v="urn:schemas-microsoft-com:vml" xmlns:pvml="urn:schemas-microsoft-com:office:powerpoint" xmlns:com="http://schemas.openxmlformats.org/drawingml/2006/compatibility" xmlns:p14="http://schemas.microsoft.com/office/powerpoint/2010/main" xmlns:p15="http://schemas.microsoft.com/office/powerpoint/2012/main" xmlns:ahyp="http://schemas.microsoft.com/office/drawing/2018/hyperlinkcolor" matchingName="Section title and description">
+<p:sldLayout xmlns:a="http://schemas.openxmlformats.org/drawingml/2006/main" xmlns:r="http://schemas.openxmlformats.org/officeDocument/2006/relationships" xmlns:p="http://schemas.openxmlformats.org/presentationml/2006/main" matchingName="Section title and description">
   <p:cSld name="SECTION_TITLE_AND_DESCRIPTION">
     <p:spTree>
       <p:nvGrpSpPr>
-        <p:cNvPr id="35" name="Shape 35"/>
+        <p:cNvPr id="1" name="Shape 35"/>
         <p:cNvGrpSpPr/>
         <p:nvPr/>
       </p:nvGrpSpPr>
@@ -4532,12 +4573,12 @@
           </a:ln>
         </p:spPr>
         <p:txBody>
-          <a:bodyPr anchorCtr="0" anchor="ctr" bIns="91425" lIns="91425" spcFirstLastPara="1" rIns="91425" wrap="square" tIns="91425">
+          <a:bodyPr spcFirstLastPara="1" wrap="square" lIns="91425" tIns="91425" rIns="91425" bIns="91425" anchor="ctr" anchorCtr="0">
             <a:noAutofit/>
           </a:bodyPr>
           <a:lstStyle/>
           <a:p>
-            <a:pPr indent="0" lvl="0" marL="0" rtl="0" algn="l">
+            <a:pPr marL="0" lvl="0" indent="0" algn="l" rtl="0">
               <a:spcBef>
                 <a:spcPts val="0"/>
               </a:spcBef>
@@ -4546,9 +4587,6 @@
               </a:spcAft>
               <a:buNone/>
             </a:pPr>
-            <a:r>
-              <a:t/>
-            </a:r>
             <a:endParaRPr/>
           </a:p>
         </p:txBody>
@@ -4556,7 +4594,9 @@
       <p:sp>
         <p:nvSpPr>
           <p:cNvPr id="37" name="Google Shape;37;p9"/>
-          <p:cNvSpPr txBox="1"/>
+          <p:cNvSpPr txBox="1">
+            <a:spLocks noGrp="1"/>
+          </p:cNvSpPr>
           <p:nvPr>
             <p:ph type="title"/>
           </p:nvPr>
@@ -4571,7 +4611,7 @@
           </a:prstGeom>
         </p:spPr>
         <p:txBody>
-          <a:bodyPr anchorCtr="0" anchor="b" bIns="91425" lIns="91425" spcFirstLastPara="1" rIns="91425" wrap="square" tIns="91425">
+          <a:bodyPr spcFirstLastPara="1" wrap="square" lIns="91425" tIns="91425" rIns="91425" bIns="91425" anchor="b" anchorCtr="0">
             <a:normAutofit/>
           </a:bodyPr>
           <a:lstStyle>
@@ -4675,15 +4715,19 @@
               <a:defRPr sz="4200"/>
             </a:lvl9pPr>
           </a:lstStyle>
-          <a:p/>
+          <a:p>
+            <a:endParaRPr/>
+          </a:p>
         </p:txBody>
       </p:sp>
       <p:sp>
         <p:nvSpPr>
           <p:cNvPr id="38" name="Google Shape;38;p9"/>
-          <p:cNvSpPr txBox="1"/>
+          <p:cNvSpPr txBox="1">
+            <a:spLocks noGrp="1"/>
+          </p:cNvSpPr>
           <p:nvPr>
-            <p:ph idx="1" type="subTitle"/>
+            <p:ph type="subTitle" idx="1"/>
           </p:nvPr>
         </p:nvSpPr>
         <p:spPr>
@@ -4696,7 +4740,7 @@
           </a:prstGeom>
         </p:spPr>
         <p:txBody>
-          <a:bodyPr anchorCtr="0" anchor="t" bIns="91425" lIns="91425" spcFirstLastPara="1" rIns="91425" wrap="square" tIns="91425">
+          <a:bodyPr spcFirstLastPara="1" wrap="square" lIns="91425" tIns="91425" rIns="91425" bIns="91425" anchor="t" anchorCtr="0">
             <a:normAutofit/>
           </a:bodyPr>
           <a:lstStyle>
@@ -4827,15 +4871,19 @@
               <a:defRPr sz="2100"/>
             </a:lvl9pPr>
           </a:lstStyle>
-          <a:p/>
+          <a:p>
+            <a:endParaRPr/>
+          </a:p>
         </p:txBody>
       </p:sp>
       <p:sp>
         <p:nvSpPr>
           <p:cNvPr id="39" name="Google Shape;39;p9"/>
-          <p:cNvSpPr txBox="1"/>
+          <p:cNvSpPr txBox="1">
+            <a:spLocks noGrp="1"/>
+          </p:cNvSpPr>
           <p:nvPr>
-            <p:ph idx="2" type="body"/>
+            <p:ph type="body" idx="2"/>
           </p:nvPr>
         </p:nvSpPr>
         <p:spPr>
@@ -4848,11 +4896,11 @@
           </a:prstGeom>
         </p:spPr>
         <p:txBody>
-          <a:bodyPr anchorCtr="0" anchor="ctr" bIns="91425" lIns="91425" spcFirstLastPara="1" rIns="91425" wrap="square" tIns="91425">
+          <a:bodyPr spcFirstLastPara="1" wrap="square" lIns="91425" tIns="91425" rIns="91425" bIns="91425" anchor="ctr" anchorCtr="0">
             <a:normAutofit/>
           </a:bodyPr>
           <a:lstStyle>
-            <a:lvl1pPr indent="-342900" lvl="0" marL="457200">
+            <a:lvl1pPr marL="457200" lvl="0" indent="-342900">
               <a:spcBef>
                 <a:spcPts val="0"/>
               </a:spcBef>
@@ -4863,7 +4911,7 @@
               <a:buChar char="●"/>
               <a:defRPr/>
             </a:lvl1pPr>
-            <a:lvl2pPr indent="-317500" lvl="1" marL="914400">
+            <a:lvl2pPr marL="914400" lvl="1" indent="-317500">
               <a:spcBef>
                 <a:spcPts val="0"/>
               </a:spcBef>
@@ -4874,7 +4922,7 @@
               <a:buChar char="○"/>
               <a:defRPr/>
             </a:lvl2pPr>
-            <a:lvl3pPr indent="-317500" lvl="2" marL="1371600">
+            <a:lvl3pPr marL="1371600" lvl="2" indent="-317500">
               <a:spcBef>
                 <a:spcPts val="0"/>
               </a:spcBef>
@@ -4885,7 +4933,7 @@
               <a:buChar char="■"/>
               <a:defRPr/>
             </a:lvl3pPr>
-            <a:lvl4pPr indent="-317500" lvl="3" marL="1828800">
+            <a:lvl4pPr marL="1828800" lvl="3" indent="-317500">
               <a:spcBef>
                 <a:spcPts val="0"/>
               </a:spcBef>
@@ -4896,7 +4944,7 @@
               <a:buChar char="●"/>
               <a:defRPr/>
             </a:lvl4pPr>
-            <a:lvl5pPr indent="-317500" lvl="4" marL="2286000">
+            <a:lvl5pPr marL="2286000" lvl="4" indent="-317500">
               <a:spcBef>
                 <a:spcPts val="0"/>
               </a:spcBef>
@@ -4907,7 +4955,7 @@
               <a:buChar char="○"/>
               <a:defRPr/>
             </a:lvl5pPr>
-            <a:lvl6pPr indent="-317500" lvl="5" marL="2743200">
+            <a:lvl6pPr marL="2743200" lvl="5" indent="-317500">
               <a:spcBef>
                 <a:spcPts val="0"/>
               </a:spcBef>
@@ -4918,7 +4966,7 @@
               <a:buChar char="■"/>
               <a:defRPr/>
             </a:lvl6pPr>
-            <a:lvl7pPr indent="-317500" lvl="6" marL="3200400">
+            <a:lvl7pPr marL="3200400" lvl="6" indent="-317500">
               <a:spcBef>
                 <a:spcPts val="0"/>
               </a:spcBef>
@@ -4929,7 +4977,7 @@
               <a:buChar char="●"/>
               <a:defRPr/>
             </a:lvl7pPr>
-            <a:lvl8pPr indent="-317500" lvl="7" marL="3657600">
+            <a:lvl8pPr marL="3657600" lvl="7" indent="-317500">
               <a:spcBef>
                 <a:spcPts val="0"/>
               </a:spcBef>
@@ -4940,7 +4988,7 @@
               <a:buChar char="○"/>
               <a:defRPr/>
             </a:lvl8pPr>
-            <a:lvl9pPr indent="-317500" lvl="8" marL="4114800">
+            <a:lvl9pPr marL="4114800" lvl="8" indent="-317500">
               <a:spcBef>
                 <a:spcPts val="0"/>
               </a:spcBef>
@@ -4952,15 +5000,19 @@
               <a:defRPr/>
             </a:lvl9pPr>
           </a:lstStyle>
-          <a:p/>
+          <a:p>
+            <a:endParaRPr/>
+          </a:p>
         </p:txBody>
       </p:sp>
       <p:sp>
         <p:nvSpPr>
           <p:cNvPr id="40" name="Google Shape;40;p9"/>
-          <p:cNvSpPr txBox="1"/>
+          <p:cNvSpPr txBox="1">
+            <a:spLocks noGrp="1"/>
+          </p:cNvSpPr>
           <p:nvPr>
-            <p:ph idx="12" type="sldNum"/>
+            <p:ph type="sldNum" idx="12"/>
           </p:nvPr>
         </p:nvSpPr>
         <p:spPr>
@@ -4973,7 +5025,7 @@
           </a:prstGeom>
         </p:spPr>
         <p:txBody>
-          <a:bodyPr anchorCtr="0" anchor="ctr" bIns="91425" lIns="91425" spcFirstLastPara="1" rIns="91425" wrap="square" tIns="91425">
+          <a:bodyPr spcFirstLastPara="1" wrap="square" lIns="91425" tIns="91425" rIns="91425" bIns="91425" anchor="ctr" anchorCtr="0">
             <a:normAutofit/>
           </a:bodyPr>
           <a:lstStyle>
@@ -5015,7 +5067,7 @@
             </a:lvl9pPr>
           </a:lstStyle>
           <a:p>
-            <a:pPr indent="0" lvl="0" marL="0" rtl="0" algn="r">
+            <a:pPr marL="0" lvl="0" indent="0" algn="r" rtl="0">
               <a:spcBef>
                 <a:spcPts val="0"/>
               </a:spcBef>
@@ -5041,11 +5093,11 @@
 </file>
 
 <file path=ppt/slideLayouts/slideLayout9.xml><?xml version="1.0" encoding="utf-8"?>
-<p:sldLayout xmlns:a="http://schemas.openxmlformats.org/drawingml/2006/main" xmlns:r="http://schemas.openxmlformats.org/officeDocument/2006/relationships" xmlns:mc="http://schemas.openxmlformats.org/markup-compatibility/2006" xmlns:mv="urn:schemas-microsoft-com:mac:vml" xmlns:p="http://schemas.openxmlformats.org/presentationml/2006/main" xmlns:c="http://schemas.openxmlformats.org/drawingml/2006/chart" xmlns:dgm="http://schemas.openxmlformats.org/drawingml/2006/diagram" xmlns:o="urn:schemas-microsoft-com:office:office" xmlns:v="urn:schemas-microsoft-com:vml" xmlns:pvml="urn:schemas-microsoft-com:office:powerpoint" xmlns:com="http://schemas.openxmlformats.org/drawingml/2006/compatibility" xmlns:p14="http://schemas.microsoft.com/office/powerpoint/2010/main" xmlns:p15="http://schemas.microsoft.com/office/powerpoint/2012/main" xmlns:ahyp="http://schemas.microsoft.com/office/drawing/2018/hyperlinkcolor" matchingName="Caption">
+<p:sldLayout xmlns:a="http://schemas.openxmlformats.org/drawingml/2006/main" xmlns:r="http://schemas.openxmlformats.org/officeDocument/2006/relationships" xmlns:p="http://schemas.openxmlformats.org/presentationml/2006/main" matchingName="Caption">
   <p:cSld name="CAPTION_ONLY">
     <p:spTree>
       <p:nvGrpSpPr>
-        <p:cNvPr id="41" name="Shape 41"/>
+        <p:cNvPr id="1" name="Shape 41"/>
         <p:cNvGrpSpPr/>
         <p:nvPr/>
       </p:nvGrpSpPr>
@@ -5060,9 +5112,11 @@
       <p:sp>
         <p:nvSpPr>
           <p:cNvPr id="42" name="Google Shape;42;p10"/>
-          <p:cNvSpPr txBox="1"/>
+          <p:cNvSpPr txBox="1">
+            <a:spLocks noGrp="1"/>
+          </p:cNvSpPr>
           <p:nvPr>
-            <p:ph idx="1" type="body"/>
+            <p:ph type="body" idx="1"/>
           </p:nvPr>
         </p:nvSpPr>
         <p:spPr>
@@ -5075,11 +5129,11 @@
           </a:prstGeom>
         </p:spPr>
         <p:txBody>
-          <a:bodyPr anchorCtr="0" anchor="ctr" bIns="91425" lIns="91425" spcFirstLastPara="1" rIns="91425" wrap="square" tIns="91425">
+          <a:bodyPr spcFirstLastPara="1" wrap="square" lIns="91425" tIns="91425" rIns="91425" bIns="91425" anchor="ctr" anchorCtr="0">
             <a:normAutofit/>
           </a:bodyPr>
           <a:lstStyle>
-            <a:lvl1pPr indent="-228600" lvl="0" marL="457200">
+            <a:lvl1pPr marL="457200" lvl="0" indent="-228600">
               <a:lnSpc>
                 <a:spcPct val="100000"/>
               </a:lnSpc>
@@ -5094,15 +5148,19 @@
               <a:defRPr/>
             </a:lvl1pPr>
           </a:lstStyle>
-          <a:p/>
+          <a:p>
+            <a:endParaRPr/>
+          </a:p>
         </p:txBody>
       </p:sp>
       <p:sp>
         <p:nvSpPr>
           <p:cNvPr id="43" name="Google Shape;43;p10"/>
-          <p:cNvSpPr txBox="1"/>
+          <p:cNvSpPr txBox="1">
+            <a:spLocks noGrp="1"/>
+          </p:cNvSpPr>
           <p:nvPr>
-            <p:ph idx="12" type="sldNum"/>
+            <p:ph type="sldNum" idx="12"/>
           </p:nvPr>
         </p:nvSpPr>
         <p:spPr>
@@ -5115,7 +5173,7 @@
           </a:prstGeom>
         </p:spPr>
         <p:txBody>
-          <a:bodyPr anchorCtr="0" anchor="ctr" bIns="91425" lIns="91425" spcFirstLastPara="1" rIns="91425" wrap="square" tIns="91425">
+          <a:bodyPr spcFirstLastPara="1" wrap="square" lIns="91425" tIns="91425" rIns="91425" bIns="91425" anchor="ctr" anchorCtr="0">
             <a:normAutofit/>
           </a:bodyPr>
           <a:lstStyle>
@@ -5157,7 +5215,7 @@
             </a:lvl9pPr>
           </a:lstStyle>
           <a:p>
-            <a:pPr indent="0" lvl="0" marL="0" rtl="0" algn="r">
+            <a:pPr marL="0" lvl="0" indent="0" algn="r" rtl="0">
               <a:spcBef>
                 <a:spcPts val="0"/>
               </a:spcBef>
@@ -5183,18 +5241,19 @@
 </file>
 
 <file path=ppt/slideMasters/slideMaster1.xml><?xml version="1.0" encoding="utf-8"?>
-<p:sldMaster xmlns:a="http://schemas.openxmlformats.org/drawingml/2006/main" xmlns:r="http://schemas.openxmlformats.org/officeDocument/2006/relationships" xmlns:mc="http://schemas.openxmlformats.org/markup-compatibility/2006" xmlns:mv="urn:schemas-microsoft-com:mac:vml" xmlns:p="http://schemas.openxmlformats.org/presentationml/2006/main" xmlns:c="http://schemas.openxmlformats.org/drawingml/2006/chart" xmlns:dgm="http://schemas.openxmlformats.org/drawingml/2006/diagram" xmlns:o="urn:schemas-microsoft-com:office:office" xmlns:v="urn:schemas-microsoft-com:vml" xmlns:pvml="urn:schemas-microsoft-com:office:powerpoint" xmlns:com="http://schemas.openxmlformats.org/drawingml/2006/compatibility" xmlns:p14="http://schemas.microsoft.com/office/powerpoint/2010/main" xmlns:p15="http://schemas.microsoft.com/office/powerpoint/2012/main" xmlns:ahyp="http://schemas.microsoft.com/office/drawing/2018/hyperlinkcolor">
+<p:sldMaster xmlns:a="http://schemas.openxmlformats.org/drawingml/2006/main" xmlns:r="http://schemas.openxmlformats.org/officeDocument/2006/relationships" xmlns:p="http://schemas.openxmlformats.org/presentationml/2006/main">
   <p:cSld name="simple-light-2">
     <p:bg>
       <p:bgPr>
         <a:solidFill>
           <a:schemeClr val="lt1"/>
         </a:solidFill>
+        <a:effectLst/>
       </p:bgPr>
     </p:bg>
     <p:spTree>
       <p:nvGrpSpPr>
-        <p:cNvPr id="5" name="Shape 5"/>
+        <p:cNvPr id="1" name="Shape 5"/>
         <p:cNvGrpSpPr/>
         <p:nvPr/>
       </p:nvGrpSpPr>
@@ -5209,7 +5268,9 @@
       <p:sp>
         <p:nvSpPr>
           <p:cNvPr id="6" name="Google Shape;6;p1"/>
-          <p:cNvSpPr txBox="1"/>
+          <p:cNvSpPr txBox="1">
+            <a:spLocks noGrp="1"/>
+          </p:cNvSpPr>
           <p:nvPr>
             <p:ph type="title"/>
           </p:nvPr>
@@ -5228,7 +5289,7 @@
           </a:ln>
         </p:spPr>
         <p:txBody>
-          <a:bodyPr anchorCtr="0" anchor="t" bIns="91425" lIns="91425" spcFirstLastPara="1" rIns="91425" wrap="square" tIns="91425">
+          <a:bodyPr spcFirstLastPara="1" wrap="square" lIns="91425" tIns="91425" rIns="91425" bIns="91425" anchor="t" anchorCtr="0">
             <a:normAutofit/>
           </a:bodyPr>
           <a:lstStyle>
@@ -5395,15 +5456,19 @@
               </a:defRPr>
             </a:lvl9pPr>
           </a:lstStyle>
-          <a:p/>
+          <a:p>
+            <a:endParaRPr/>
+          </a:p>
         </p:txBody>
       </p:sp>
       <p:sp>
         <p:nvSpPr>
           <p:cNvPr id="7" name="Google Shape;7;p1"/>
-          <p:cNvSpPr txBox="1"/>
+          <p:cNvSpPr txBox="1">
+            <a:spLocks noGrp="1"/>
+          </p:cNvSpPr>
           <p:nvPr>
-            <p:ph idx="1" type="body"/>
+            <p:ph type="body" idx="1"/>
           </p:nvPr>
         </p:nvSpPr>
         <p:spPr>
@@ -5420,11 +5485,11 @@
           </a:ln>
         </p:spPr>
         <p:txBody>
-          <a:bodyPr anchorCtr="0" anchor="t" bIns="91425" lIns="91425" spcFirstLastPara="1" rIns="91425" wrap="square" tIns="91425">
+          <a:bodyPr spcFirstLastPara="1" wrap="square" lIns="91425" tIns="91425" rIns="91425" bIns="91425" anchor="t" anchorCtr="0">
             <a:normAutofit/>
           </a:bodyPr>
           <a:lstStyle>
-            <a:lvl1pPr indent="-342900" lvl="0" marL="457200">
+            <a:lvl1pPr marL="457200" lvl="0" indent="-342900">
               <a:lnSpc>
                 <a:spcPct val="115000"/>
               </a:lnSpc>
@@ -5445,7 +5510,7 @@
                 </a:solidFill>
               </a:defRPr>
             </a:lvl1pPr>
-            <a:lvl2pPr indent="-317500" lvl="1" marL="914400">
+            <a:lvl2pPr marL="914400" lvl="1" indent="-317500">
               <a:lnSpc>
                 <a:spcPct val="115000"/>
               </a:lnSpc>
@@ -5466,7 +5531,7 @@
                 </a:solidFill>
               </a:defRPr>
             </a:lvl2pPr>
-            <a:lvl3pPr indent="-317500" lvl="2" marL="1371600">
+            <a:lvl3pPr marL="1371600" lvl="2" indent="-317500">
               <a:lnSpc>
                 <a:spcPct val="115000"/>
               </a:lnSpc>
@@ -5487,7 +5552,7 @@
                 </a:solidFill>
               </a:defRPr>
             </a:lvl3pPr>
-            <a:lvl4pPr indent="-317500" lvl="3" marL="1828800">
+            <a:lvl4pPr marL="1828800" lvl="3" indent="-317500">
               <a:lnSpc>
                 <a:spcPct val="115000"/>
               </a:lnSpc>
@@ -5508,7 +5573,7 @@
                 </a:solidFill>
               </a:defRPr>
             </a:lvl4pPr>
-            <a:lvl5pPr indent="-317500" lvl="4" marL="2286000">
+            <a:lvl5pPr marL="2286000" lvl="4" indent="-317500">
               <a:lnSpc>
                 <a:spcPct val="115000"/>
               </a:lnSpc>
@@ -5529,7 +5594,7 @@
                 </a:solidFill>
               </a:defRPr>
             </a:lvl5pPr>
-            <a:lvl6pPr indent="-317500" lvl="5" marL="2743200">
+            <a:lvl6pPr marL="2743200" lvl="5" indent="-317500">
               <a:lnSpc>
                 <a:spcPct val="115000"/>
               </a:lnSpc>
@@ -5550,7 +5615,7 @@
                 </a:solidFill>
               </a:defRPr>
             </a:lvl6pPr>
-            <a:lvl7pPr indent="-317500" lvl="6" marL="3200400">
+            <a:lvl7pPr marL="3200400" lvl="6" indent="-317500">
               <a:lnSpc>
                 <a:spcPct val="115000"/>
               </a:lnSpc>
@@ -5571,7 +5636,7 @@
                 </a:solidFill>
               </a:defRPr>
             </a:lvl7pPr>
-            <a:lvl8pPr indent="-317500" lvl="7" marL="3657600">
+            <a:lvl8pPr marL="3657600" lvl="7" indent="-317500">
               <a:lnSpc>
                 <a:spcPct val="115000"/>
               </a:lnSpc>
@@ -5592,7 +5657,7 @@
                 </a:solidFill>
               </a:defRPr>
             </a:lvl8pPr>
-            <a:lvl9pPr indent="-317500" lvl="8" marL="4114800">
+            <a:lvl9pPr marL="4114800" lvl="8" indent="-317500">
               <a:lnSpc>
                 <a:spcPct val="115000"/>
               </a:lnSpc>
@@ -5614,15 +5679,19 @@
               </a:defRPr>
             </a:lvl9pPr>
           </a:lstStyle>
-          <a:p/>
+          <a:p>
+            <a:endParaRPr/>
+          </a:p>
         </p:txBody>
       </p:sp>
       <p:sp>
         <p:nvSpPr>
           <p:cNvPr id="8" name="Google Shape;8;p1"/>
-          <p:cNvSpPr txBox="1"/>
+          <p:cNvSpPr txBox="1">
+            <a:spLocks noGrp="1"/>
+          </p:cNvSpPr>
           <p:nvPr>
-            <p:ph idx="12" type="sldNum"/>
+            <p:ph type="sldNum" idx="12"/>
           </p:nvPr>
         </p:nvSpPr>
         <p:spPr>
@@ -5639,7 +5708,7 @@
           </a:ln>
         </p:spPr>
         <p:txBody>
-          <a:bodyPr anchorCtr="0" anchor="ctr" bIns="91425" lIns="91425" spcFirstLastPara="1" rIns="91425" wrap="square" tIns="91425">
+          <a:bodyPr spcFirstLastPara="1" wrap="square" lIns="91425" tIns="91425" rIns="91425" bIns="91425" anchor="ctr" anchorCtr="0">
             <a:normAutofit/>
           </a:bodyPr>
           <a:lstStyle>
@@ -5717,7 +5786,7 @@
             </a:lvl9pPr>
           </a:lstStyle>
           <a:p>
-            <a:pPr indent="0" lvl="0" marL="0" rtl="0" algn="r">
+            <a:pPr marL="0" lvl="0" indent="0" algn="r" rtl="0">
               <a:spcBef>
                 <a:spcPts val="0"/>
               </a:spcBef>
@@ -5736,7 +5805,7 @@
       </p:sp>
     </p:spTree>
   </p:cSld>
-  <p:clrMap accent1="accent1" accent2="accent2" accent3="accent3" accent4="accent4" accent5="accent5" accent6="accent6" bg1="lt1" bg2="dk2" tx1="dk1" tx2="lt2" folHlink="folHlink" hlink="hlink"/>
+  <p:clrMap bg1="lt1" tx1="dk1" bg2="dk2" tx2="lt2" accent1="accent1" accent2="accent2" accent3="accent3" accent4="accent4" accent5="accent5" accent6="accent6" hlink="hlink" folHlink="folHlink"/>
   <p:sldLayoutIdLst>
     <p:sldLayoutId id="2147483648" r:id="rId1"/>
     <p:sldLayoutId id="2147483649" r:id="rId2"/>
@@ -5750,10 +5819,10 @@
     <p:sldLayoutId id="2147483657" r:id="rId10"/>
     <p:sldLayoutId id="2147483658" r:id="rId11"/>
   </p:sldLayoutIdLst>
-  <p:hf dt="0" ftr="0" hdr="0" sldNum="0"/>
+  <p:hf sldNum="0" hdr="0" ftr="0" dt="0"/>
   <p:txStyles>
     <p:titleStyle>
-      <a:defPPr lvl="0" marR="0" rtl="0" algn="l">
+      <a:defPPr marR="0" lvl="0" algn="l" rtl="0">
         <a:lnSpc>
           <a:spcPct val="100000"/>
         </a:lnSpc>
@@ -5764,7 +5833,7 @@
           <a:spcPts val="0"/>
         </a:spcAft>
       </a:defPPr>
-      <a:lvl1pPr lvl="0" marR="0" rtl="0" algn="l">
+      <a:lvl1pPr marR="0" lvl="0" algn="l" rtl="0">
         <a:lnSpc>
           <a:spcPct val="100000"/>
         </a:lnSpc>
@@ -5778,7 +5847,7 @@
           <a:srgbClr val="000000"/>
         </a:buClr>
         <a:buFont typeface="Arial"/>
-        <a:defRPr b="0" i="0" sz="1400" u="none" cap="none" strike="noStrike">
+        <a:defRPr sz="1400" b="0" i="0" u="none" strike="noStrike" cap="none">
           <a:solidFill>
             <a:srgbClr val="000000"/>
           </a:solidFill>
@@ -5788,7 +5857,7 @@
           <a:sym typeface="Arial"/>
         </a:defRPr>
       </a:lvl1pPr>
-      <a:lvl2pPr lvl="1" marR="0" rtl="0" algn="l">
+      <a:lvl2pPr marR="0" lvl="1" algn="l" rtl="0">
         <a:lnSpc>
           <a:spcPct val="100000"/>
         </a:lnSpc>
@@ -5802,7 +5871,7 @@
           <a:srgbClr val="000000"/>
         </a:buClr>
         <a:buFont typeface="Arial"/>
-        <a:defRPr b="0" i="0" sz="1400" u="none" cap="none" strike="noStrike">
+        <a:defRPr sz="1400" b="0" i="0" u="none" strike="noStrike" cap="none">
           <a:solidFill>
             <a:srgbClr val="000000"/>
           </a:solidFill>
@@ -5812,7 +5881,7 @@
           <a:sym typeface="Arial"/>
         </a:defRPr>
       </a:lvl2pPr>
-      <a:lvl3pPr lvl="2" marR="0" rtl="0" algn="l">
+      <a:lvl3pPr marR="0" lvl="2" algn="l" rtl="0">
         <a:lnSpc>
           <a:spcPct val="100000"/>
         </a:lnSpc>
@@ -5826,7 +5895,7 @@
           <a:srgbClr val="000000"/>
         </a:buClr>
         <a:buFont typeface="Arial"/>
-        <a:defRPr b="0" i="0" sz="1400" u="none" cap="none" strike="noStrike">
+        <a:defRPr sz="1400" b="0" i="0" u="none" strike="noStrike" cap="none">
           <a:solidFill>
             <a:srgbClr val="000000"/>
           </a:solidFill>
@@ -5836,7 +5905,7 @@
           <a:sym typeface="Arial"/>
         </a:defRPr>
       </a:lvl3pPr>
-      <a:lvl4pPr lvl="3" marR="0" rtl="0" algn="l">
+      <a:lvl4pPr marR="0" lvl="3" algn="l" rtl="0">
         <a:lnSpc>
           <a:spcPct val="100000"/>
         </a:lnSpc>
@@ -5850,7 +5919,7 @@
           <a:srgbClr val="000000"/>
         </a:buClr>
         <a:buFont typeface="Arial"/>
-        <a:defRPr b="0" i="0" sz="1400" u="none" cap="none" strike="noStrike">
+        <a:defRPr sz="1400" b="0" i="0" u="none" strike="noStrike" cap="none">
           <a:solidFill>
             <a:srgbClr val="000000"/>
           </a:solidFill>
@@ -5860,7 +5929,7 @@
           <a:sym typeface="Arial"/>
         </a:defRPr>
       </a:lvl4pPr>
-      <a:lvl5pPr lvl="4" marR="0" rtl="0" algn="l">
+      <a:lvl5pPr marR="0" lvl="4" algn="l" rtl="0">
         <a:lnSpc>
           <a:spcPct val="100000"/>
         </a:lnSpc>
@@ -5874,7 +5943,7 @@
           <a:srgbClr val="000000"/>
         </a:buClr>
         <a:buFont typeface="Arial"/>
-        <a:defRPr b="0" i="0" sz="1400" u="none" cap="none" strike="noStrike">
+        <a:defRPr sz="1400" b="0" i="0" u="none" strike="noStrike" cap="none">
           <a:solidFill>
             <a:srgbClr val="000000"/>
           </a:solidFill>
@@ -5884,7 +5953,7 @@
           <a:sym typeface="Arial"/>
         </a:defRPr>
       </a:lvl5pPr>
-      <a:lvl6pPr lvl="5" marR="0" rtl="0" algn="l">
+      <a:lvl6pPr marR="0" lvl="5" algn="l" rtl="0">
         <a:lnSpc>
           <a:spcPct val="100000"/>
         </a:lnSpc>
@@ -5898,7 +5967,7 @@
           <a:srgbClr val="000000"/>
         </a:buClr>
         <a:buFont typeface="Arial"/>
-        <a:defRPr b="0" i="0" sz="1400" u="none" cap="none" strike="noStrike">
+        <a:defRPr sz="1400" b="0" i="0" u="none" strike="noStrike" cap="none">
           <a:solidFill>
             <a:srgbClr val="000000"/>
           </a:solidFill>
@@ -5908,7 +5977,7 @@
           <a:sym typeface="Arial"/>
         </a:defRPr>
       </a:lvl6pPr>
-      <a:lvl7pPr lvl="6" marR="0" rtl="0" algn="l">
+      <a:lvl7pPr marR="0" lvl="6" algn="l" rtl="0">
         <a:lnSpc>
           <a:spcPct val="100000"/>
         </a:lnSpc>
@@ -5922,7 +5991,7 @@
           <a:srgbClr val="000000"/>
         </a:buClr>
         <a:buFont typeface="Arial"/>
-        <a:defRPr b="0" i="0" sz="1400" u="none" cap="none" strike="noStrike">
+        <a:defRPr sz="1400" b="0" i="0" u="none" strike="noStrike" cap="none">
           <a:solidFill>
             <a:srgbClr val="000000"/>
           </a:solidFill>
@@ -5932,7 +6001,7 @@
           <a:sym typeface="Arial"/>
         </a:defRPr>
       </a:lvl7pPr>
-      <a:lvl8pPr lvl="7" marR="0" rtl="0" algn="l">
+      <a:lvl8pPr marR="0" lvl="7" algn="l" rtl="0">
         <a:lnSpc>
           <a:spcPct val="100000"/>
         </a:lnSpc>
@@ -5946,7 +6015,7 @@
           <a:srgbClr val="000000"/>
         </a:buClr>
         <a:buFont typeface="Arial"/>
-        <a:defRPr b="0" i="0" sz="1400" u="none" cap="none" strike="noStrike">
+        <a:defRPr sz="1400" b="0" i="0" u="none" strike="noStrike" cap="none">
           <a:solidFill>
             <a:srgbClr val="000000"/>
           </a:solidFill>
@@ -5956,7 +6025,7 @@
           <a:sym typeface="Arial"/>
         </a:defRPr>
       </a:lvl8pPr>
-      <a:lvl9pPr lvl="8" marR="0" rtl="0" algn="l">
+      <a:lvl9pPr marR="0" lvl="8" algn="l" rtl="0">
         <a:lnSpc>
           <a:spcPct val="100000"/>
         </a:lnSpc>
@@ -5970,7 +6039,7 @@
           <a:srgbClr val="000000"/>
         </a:buClr>
         <a:buFont typeface="Arial"/>
-        <a:defRPr b="0" i="0" sz="1400" u="none" cap="none" strike="noStrike">
+        <a:defRPr sz="1400" b="0" i="0" u="none" strike="noStrike" cap="none">
           <a:solidFill>
             <a:srgbClr val="000000"/>
           </a:solidFill>
@@ -5982,7 +6051,7 @@
       </a:lvl9pPr>
     </p:titleStyle>
     <p:bodyStyle>
-      <a:defPPr lvl="0" marR="0" rtl="0" algn="l">
+      <a:defPPr marR="0" lvl="0" algn="l" rtl="0">
         <a:lnSpc>
           <a:spcPct val="100000"/>
         </a:lnSpc>
@@ -5993,7 +6062,7 @@
           <a:spcPts val="0"/>
         </a:spcAft>
       </a:defPPr>
-      <a:lvl1pPr lvl="0" marR="0" rtl="0" algn="l">
+      <a:lvl1pPr marR="0" lvl="0" algn="l" rtl="0">
         <a:lnSpc>
           <a:spcPct val="100000"/>
         </a:lnSpc>
@@ -6007,7 +6076,7 @@
           <a:srgbClr val="000000"/>
         </a:buClr>
         <a:buFont typeface="Arial"/>
-        <a:defRPr b="0" i="0" sz="1400" u="none" cap="none" strike="noStrike">
+        <a:defRPr sz="1400" b="0" i="0" u="none" strike="noStrike" cap="none">
           <a:solidFill>
             <a:srgbClr val="000000"/>
           </a:solidFill>
@@ -6017,7 +6086,7 @@
           <a:sym typeface="Arial"/>
         </a:defRPr>
       </a:lvl1pPr>
-      <a:lvl2pPr lvl="1" marR="0" rtl="0" algn="l">
+      <a:lvl2pPr marR="0" lvl="1" algn="l" rtl="0">
         <a:lnSpc>
           <a:spcPct val="100000"/>
         </a:lnSpc>
@@ -6031,7 +6100,7 @@
           <a:srgbClr val="000000"/>
         </a:buClr>
         <a:buFont typeface="Arial"/>
-        <a:defRPr b="0" i="0" sz="1400" u="none" cap="none" strike="noStrike">
+        <a:defRPr sz="1400" b="0" i="0" u="none" strike="noStrike" cap="none">
           <a:solidFill>
             <a:srgbClr val="000000"/>
           </a:solidFill>
@@ -6041,7 +6110,7 @@
           <a:sym typeface="Arial"/>
         </a:defRPr>
       </a:lvl2pPr>
-      <a:lvl3pPr lvl="2" marR="0" rtl="0" algn="l">
+      <a:lvl3pPr marR="0" lvl="2" algn="l" rtl="0">
         <a:lnSpc>
           <a:spcPct val="100000"/>
         </a:lnSpc>
@@ -6055,7 +6124,7 @@
           <a:srgbClr val="000000"/>
         </a:buClr>
         <a:buFont typeface="Arial"/>
-        <a:defRPr b="0" i="0" sz="1400" u="none" cap="none" strike="noStrike">
+        <a:defRPr sz="1400" b="0" i="0" u="none" strike="noStrike" cap="none">
           <a:solidFill>
             <a:srgbClr val="000000"/>
           </a:solidFill>
@@ -6065,7 +6134,7 @@
           <a:sym typeface="Arial"/>
         </a:defRPr>
       </a:lvl3pPr>
-      <a:lvl4pPr lvl="3" marR="0" rtl="0" algn="l">
+      <a:lvl4pPr marR="0" lvl="3" algn="l" rtl="0">
         <a:lnSpc>
           <a:spcPct val="100000"/>
         </a:lnSpc>
@@ -6079,7 +6148,7 @@
           <a:srgbClr val="000000"/>
         </a:buClr>
         <a:buFont typeface="Arial"/>
-        <a:defRPr b="0" i="0" sz="1400" u="none" cap="none" strike="noStrike">
+        <a:defRPr sz="1400" b="0" i="0" u="none" strike="noStrike" cap="none">
           <a:solidFill>
             <a:srgbClr val="000000"/>
           </a:solidFill>
@@ -6089,7 +6158,7 @@
           <a:sym typeface="Arial"/>
         </a:defRPr>
       </a:lvl4pPr>
-      <a:lvl5pPr lvl="4" marR="0" rtl="0" algn="l">
+      <a:lvl5pPr marR="0" lvl="4" algn="l" rtl="0">
         <a:lnSpc>
           <a:spcPct val="100000"/>
         </a:lnSpc>
@@ -6103,7 +6172,7 @@
           <a:srgbClr val="000000"/>
         </a:buClr>
         <a:buFont typeface="Arial"/>
-        <a:defRPr b="0" i="0" sz="1400" u="none" cap="none" strike="noStrike">
+        <a:defRPr sz="1400" b="0" i="0" u="none" strike="noStrike" cap="none">
           <a:solidFill>
             <a:srgbClr val="000000"/>
           </a:solidFill>
@@ -6113,7 +6182,7 @@
           <a:sym typeface="Arial"/>
         </a:defRPr>
       </a:lvl5pPr>
-      <a:lvl6pPr lvl="5" marR="0" rtl="0" algn="l">
+      <a:lvl6pPr marR="0" lvl="5" algn="l" rtl="0">
         <a:lnSpc>
           <a:spcPct val="100000"/>
         </a:lnSpc>
@@ -6127,7 +6196,7 @@
           <a:srgbClr val="000000"/>
         </a:buClr>
         <a:buFont typeface="Arial"/>
-        <a:defRPr b="0" i="0" sz="1400" u="none" cap="none" strike="noStrike">
+        <a:defRPr sz="1400" b="0" i="0" u="none" strike="noStrike" cap="none">
           <a:solidFill>
             <a:srgbClr val="000000"/>
           </a:solidFill>
@@ -6137,7 +6206,7 @@
           <a:sym typeface="Arial"/>
         </a:defRPr>
       </a:lvl6pPr>
-      <a:lvl7pPr lvl="6" marR="0" rtl="0" algn="l">
+      <a:lvl7pPr marR="0" lvl="6" algn="l" rtl="0">
         <a:lnSpc>
           <a:spcPct val="100000"/>
         </a:lnSpc>
@@ -6151,7 +6220,7 @@
           <a:srgbClr val="000000"/>
         </a:buClr>
         <a:buFont typeface="Arial"/>
-        <a:defRPr b="0" i="0" sz="1400" u="none" cap="none" strike="noStrike">
+        <a:defRPr sz="1400" b="0" i="0" u="none" strike="noStrike" cap="none">
           <a:solidFill>
             <a:srgbClr val="000000"/>
           </a:solidFill>
@@ -6161,7 +6230,7 @@
           <a:sym typeface="Arial"/>
         </a:defRPr>
       </a:lvl7pPr>
-      <a:lvl8pPr lvl="7" marR="0" rtl="0" algn="l">
+      <a:lvl8pPr marR="0" lvl="7" algn="l" rtl="0">
         <a:lnSpc>
           <a:spcPct val="100000"/>
         </a:lnSpc>
@@ -6175,7 +6244,7 @@
           <a:srgbClr val="000000"/>
         </a:buClr>
         <a:buFont typeface="Arial"/>
-        <a:defRPr b="0" i="0" sz="1400" u="none" cap="none" strike="noStrike">
+        <a:defRPr sz="1400" b="0" i="0" u="none" strike="noStrike" cap="none">
           <a:solidFill>
             <a:srgbClr val="000000"/>
           </a:solidFill>
@@ -6185,7 +6254,7 @@
           <a:sym typeface="Arial"/>
         </a:defRPr>
       </a:lvl8pPr>
-      <a:lvl9pPr lvl="8" marR="0" rtl="0" algn="l">
+      <a:lvl9pPr marR="0" lvl="8" algn="l" rtl="0">
         <a:lnSpc>
           <a:spcPct val="100000"/>
         </a:lnSpc>
@@ -6199,7 +6268,7 @@
           <a:srgbClr val="000000"/>
         </a:buClr>
         <a:buFont typeface="Arial"/>
-        <a:defRPr b="0" i="0" sz="1400" u="none" cap="none" strike="noStrike">
+        <a:defRPr sz="1400" b="0" i="0" u="none" strike="noStrike" cap="none">
           <a:solidFill>
             <a:srgbClr val="000000"/>
           </a:solidFill>
@@ -6211,7 +6280,7 @@
       </a:lvl9pPr>
     </p:bodyStyle>
     <p:otherStyle>
-      <a:defPPr lvl="0" marR="0" rtl="0" algn="l">
+      <a:defPPr marR="0" lvl="0" algn="l" rtl="0">
         <a:lnSpc>
           <a:spcPct val="100000"/>
         </a:lnSpc>
@@ -6222,7 +6291,7 @@
           <a:spcPts val="0"/>
         </a:spcAft>
       </a:defPPr>
-      <a:lvl1pPr lvl="0" marR="0" rtl="0" algn="l">
+      <a:lvl1pPr marR="0" lvl="0" algn="l" rtl="0">
         <a:lnSpc>
           <a:spcPct val="100000"/>
         </a:lnSpc>
@@ -6236,7 +6305,7 @@
           <a:srgbClr val="000000"/>
         </a:buClr>
         <a:buFont typeface="Arial"/>
-        <a:defRPr b="0" i="0" sz="1400" u="none" cap="none" strike="noStrike">
+        <a:defRPr sz="1400" b="0" i="0" u="none" strike="noStrike" cap="none">
           <a:solidFill>
             <a:srgbClr val="000000"/>
           </a:solidFill>
@@ -6246,7 +6315,7 @@
           <a:sym typeface="Arial"/>
         </a:defRPr>
       </a:lvl1pPr>
-      <a:lvl2pPr lvl="1" marR="0" rtl="0" algn="l">
+      <a:lvl2pPr marR="0" lvl="1" algn="l" rtl="0">
         <a:lnSpc>
           <a:spcPct val="100000"/>
         </a:lnSpc>
@@ -6260,7 +6329,7 @@
           <a:srgbClr val="000000"/>
         </a:buClr>
         <a:buFont typeface="Arial"/>
-        <a:defRPr b="0" i="0" sz="1400" u="none" cap="none" strike="noStrike">
+        <a:defRPr sz="1400" b="0" i="0" u="none" strike="noStrike" cap="none">
           <a:solidFill>
             <a:srgbClr val="000000"/>
           </a:solidFill>
@@ -6270,7 +6339,7 @@
           <a:sym typeface="Arial"/>
         </a:defRPr>
       </a:lvl2pPr>
-      <a:lvl3pPr lvl="2" marR="0" rtl="0" algn="l">
+      <a:lvl3pPr marR="0" lvl="2" algn="l" rtl="0">
         <a:lnSpc>
           <a:spcPct val="100000"/>
         </a:lnSpc>
@@ -6284,7 +6353,7 @@
           <a:srgbClr val="000000"/>
         </a:buClr>
         <a:buFont typeface="Arial"/>
-        <a:defRPr b="0" i="0" sz="1400" u="none" cap="none" strike="noStrike">
+        <a:defRPr sz="1400" b="0" i="0" u="none" strike="noStrike" cap="none">
           <a:solidFill>
             <a:srgbClr val="000000"/>
           </a:solidFill>
@@ -6294,7 +6363,7 @@
           <a:sym typeface="Arial"/>
         </a:defRPr>
       </a:lvl3pPr>
-      <a:lvl4pPr lvl="3" marR="0" rtl="0" algn="l">
+      <a:lvl4pPr marR="0" lvl="3" algn="l" rtl="0">
         <a:lnSpc>
           <a:spcPct val="100000"/>
         </a:lnSpc>
@@ -6308,7 +6377,7 @@
           <a:srgbClr val="000000"/>
         </a:buClr>
         <a:buFont typeface="Arial"/>
-        <a:defRPr b="0" i="0" sz="1400" u="none" cap="none" strike="noStrike">
+        <a:defRPr sz="1400" b="0" i="0" u="none" strike="noStrike" cap="none">
           <a:solidFill>
             <a:srgbClr val="000000"/>
           </a:solidFill>
@@ -6318,7 +6387,7 @@
           <a:sym typeface="Arial"/>
         </a:defRPr>
       </a:lvl4pPr>
-      <a:lvl5pPr lvl="4" marR="0" rtl="0" algn="l">
+      <a:lvl5pPr marR="0" lvl="4" algn="l" rtl="0">
         <a:lnSpc>
           <a:spcPct val="100000"/>
         </a:lnSpc>
@@ -6332,7 +6401,7 @@
           <a:srgbClr val="000000"/>
         </a:buClr>
         <a:buFont typeface="Arial"/>
-        <a:defRPr b="0" i="0" sz="1400" u="none" cap="none" strike="noStrike">
+        <a:defRPr sz="1400" b="0" i="0" u="none" strike="noStrike" cap="none">
           <a:solidFill>
             <a:srgbClr val="000000"/>
           </a:solidFill>
@@ -6342,7 +6411,7 @@
           <a:sym typeface="Arial"/>
         </a:defRPr>
       </a:lvl5pPr>
-      <a:lvl6pPr lvl="5" marR="0" rtl="0" algn="l">
+      <a:lvl6pPr marR="0" lvl="5" algn="l" rtl="0">
         <a:lnSpc>
           <a:spcPct val="100000"/>
         </a:lnSpc>
@@ -6356,7 +6425,7 @@
           <a:srgbClr val="000000"/>
         </a:buClr>
         <a:buFont typeface="Arial"/>
-        <a:defRPr b="0" i="0" sz="1400" u="none" cap="none" strike="noStrike">
+        <a:defRPr sz="1400" b="0" i="0" u="none" strike="noStrike" cap="none">
           <a:solidFill>
             <a:srgbClr val="000000"/>
           </a:solidFill>
@@ -6366,7 +6435,7 @@
           <a:sym typeface="Arial"/>
         </a:defRPr>
       </a:lvl6pPr>
-      <a:lvl7pPr lvl="6" marR="0" rtl="0" algn="l">
+      <a:lvl7pPr marR="0" lvl="6" algn="l" rtl="0">
         <a:lnSpc>
           <a:spcPct val="100000"/>
         </a:lnSpc>
@@ -6380,7 +6449,7 @@
           <a:srgbClr val="000000"/>
         </a:buClr>
         <a:buFont typeface="Arial"/>
-        <a:defRPr b="0" i="0" sz="1400" u="none" cap="none" strike="noStrike">
+        <a:defRPr sz="1400" b="0" i="0" u="none" strike="noStrike" cap="none">
           <a:solidFill>
             <a:srgbClr val="000000"/>
           </a:solidFill>
@@ -6390,7 +6459,7 @@
           <a:sym typeface="Arial"/>
         </a:defRPr>
       </a:lvl7pPr>
-      <a:lvl8pPr lvl="7" marR="0" rtl="0" algn="l">
+      <a:lvl8pPr marR="0" lvl="7" algn="l" rtl="0">
         <a:lnSpc>
           <a:spcPct val="100000"/>
         </a:lnSpc>
@@ -6404,7 +6473,7 @@
           <a:srgbClr val="000000"/>
         </a:buClr>
         <a:buFont typeface="Arial"/>
-        <a:defRPr b="0" i="0" sz="1400" u="none" cap="none" strike="noStrike">
+        <a:defRPr sz="1400" b="0" i="0" u="none" strike="noStrike" cap="none">
           <a:solidFill>
             <a:srgbClr val="000000"/>
           </a:solidFill>
@@ -6414,7 +6483,7 @@
           <a:sym typeface="Arial"/>
         </a:defRPr>
       </a:lvl8pPr>
-      <a:lvl9pPr lvl="8" marR="0" rtl="0" algn="l">
+      <a:lvl9pPr marR="0" lvl="8" algn="l" rtl="0">
         <a:lnSpc>
           <a:spcPct val="100000"/>
         </a:lnSpc>
@@ -6428,7 +6497,7 @@
           <a:srgbClr val="000000"/>
         </a:buClr>
         <a:buFont typeface="Arial"/>
-        <a:defRPr b="0" i="0" sz="1400" u="none" cap="none" strike="noStrike">
+        <a:defRPr sz="1400" b="0" i="0" u="none" strike="noStrike" cap="none">
           <a:solidFill>
             <a:srgbClr val="000000"/>
           </a:solidFill>
@@ -6444,11 +6513,11 @@
 </file>
 
 <file path=ppt/slides/slide1.xml><?xml version="1.0" encoding="utf-8"?>
-<p:sld xmlns:a="http://schemas.openxmlformats.org/drawingml/2006/main" xmlns:r="http://schemas.openxmlformats.org/officeDocument/2006/relationships" xmlns:mc="http://schemas.openxmlformats.org/markup-compatibility/2006" xmlns:mv="urn:schemas-microsoft-com:mac:vml" xmlns:p="http://schemas.openxmlformats.org/presentationml/2006/main" xmlns:c="http://schemas.openxmlformats.org/drawingml/2006/chart" xmlns:dgm="http://schemas.openxmlformats.org/drawingml/2006/diagram" xmlns:o="urn:schemas-microsoft-com:office:office" xmlns:v="urn:schemas-microsoft-com:vml" xmlns:pvml="urn:schemas-microsoft-com:office:powerpoint" xmlns:com="http://schemas.openxmlformats.org/drawingml/2006/compatibility" xmlns:p14="http://schemas.microsoft.com/office/powerpoint/2010/main" xmlns:p15="http://schemas.microsoft.com/office/powerpoint/2012/main" xmlns:ahyp="http://schemas.microsoft.com/office/drawing/2018/hyperlinkcolor">
+<p:sld xmlns:a="http://schemas.openxmlformats.org/drawingml/2006/main" xmlns:r="http://schemas.openxmlformats.org/officeDocument/2006/relationships" xmlns:p="http://schemas.openxmlformats.org/presentationml/2006/main">
   <p:cSld>
     <p:spTree>
       <p:nvGrpSpPr>
-        <p:cNvPr id="53" name="Shape 53"/>
+        <p:cNvPr id="1" name="Shape 53"/>
         <p:cNvGrpSpPr/>
         <p:nvPr/>
       </p:nvGrpSpPr>
@@ -6536,12 +6605,12 @@
           </a:ln>
         </p:spPr>
         <p:txBody>
-          <a:bodyPr anchorCtr="0" anchor="ctr" bIns="91425" lIns="91425" spcFirstLastPara="1" rIns="91425" wrap="square" tIns="91425">
+          <a:bodyPr spcFirstLastPara="1" wrap="square" lIns="91425" tIns="91425" rIns="91425" bIns="91425" anchor="ctr" anchorCtr="0">
             <a:noAutofit/>
           </a:bodyPr>
           <a:lstStyle/>
           <a:p>
-            <a:pPr indent="0" lvl="0" marL="0" rtl="0" algn="ctr">
+            <a:pPr marL="0" lvl="0" indent="0" algn="ctr" rtl="0">
               <a:spcBef>
                 <a:spcPts val="0"/>
               </a:spcBef>
@@ -6594,12 +6663,12 @@
           </a:ln>
         </p:spPr>
         <p:txBody>
-          <a:bodyPr anchorCtr="0" anchor="t" bIns="91425" lIns="91425" spcFirstLastPara="1" rIns="91425" wrap="square" tIns="91425">
+          <a:bodyPr spcFirstLastPara="1" wrap="square" lIns="91425" tIns="91425" rIns="91425" bIns="91425" anchor="t" anchorCtr="0">
             <a:normAutofit lnSpcReduction="10000"/>
           </a:bodyPr>
           <a:lstStyle/>
           <a:p>
-            <a:pPr indent="0" lvl="0" marL="0" rtl="0" algn="ctr">
+            <a:pPr marL="0" lvl="0" indent="0" algn="ctr" rtl="0">
               <a:spcBef>
                 <a:spcPts val="0"/>
               </a:spcBef>
@@ -6609,14 +6678,14 @@
               <a:buNone/>
             </a:pPr>
             <a:r>
-              <a:rPr b="1" lang="en" sz="4200">
+              <a:rPr lang="en" sz="4200" b="1">
                 <a:solidFill>
                   <a:srgbClr val="FFFFFF"/>
                 </a:solidFill>
               </a:rPr>
               <a:t>Project Report</a:t>
             </a:r>
-            <a:endParaRPr b="1" sz="4200">
+            <a:endParaRPr sz="4200" b="1">
               <a:solidFill>
                 <a:srgbClr val="FFFFFF"/>
               </a:solidFill>
@@ -6633,11 +6702,11 @@
 </file>
 
 <file path=ppt/slides/slide10.xml><?xml version="1.0" encoding="utf-8"?>
-<p:sld xmlns:a="http://schemas.openxmlformats.org/drawingml/2006/main" xmlns:r="http://schemas.openxmlformats.org/officeDocument/2006/relationships" xmlns:mc="http://schemas.openxmlformats.org/markup-compatibility/2006" xmlns:mv="urn:schemas-microsoft-com:mac:vml" xmlns:p="http://schemas.openxmlformats.org/presentationml/2006/main" xmlns:c="http://schemas.openxmlformats.org/drawingml/2006/chart" xmlns:dgm="http://schemas.openxmlformats.org/drawingml/2006/diagram" xmlns:o="urn:schemas-microsoft-com:office:office" xmlns:v="urn:schemas-microsoft-com:vml" xmlns:pvml="urn:schemas-microsoft-com:office:powerpoint" xmlns:com="http://schemas.openxmlformats.org/drawingml/2006/compatibility" xmlns:p14="http://schemas.microsoft.com/office/powerpoint/2010/main" xmlns:p15="http://schemas.microsoft.com/office/powerpoint/2012/main" xmlns:ahyp="http://schemas.microsoft.com/office/drawing/2018/hyperlinkcolor">
+<p:sld xmlns:a="http://schemas.openxmlformats.org/drawingml/2006/main" xmlns:r="http://schemas.openxmlformats.org/officeDocument/2006/relationships" xmlns:p="http://schemas.openxmlformats.org/presentationml/2006/main">
   <p:cSld>
     <p:spTree>
       <p:nvGrpSpPr>
-        <p:cNvPr id="126" name="Shape 126"/>
+        <p:cNvPr id="1" name="Shape 126"/>
         <p:cNvGrpSpPr/>
         <p:nvPr/>
       </p:nvGrpSpPr>
@@ -6674,23 +6743,23 @@
             </a:gsLst>
             <a:lin ang="5400012" scaled="0"/>
           </a:gradFill>
-          <a:ln cap="flat" cmpd="sng" w="9525">
+          <a:ln w="9525" cap="flat" cmpd="sng">
             <a:solidFill>
               <a:srgbClr val="00FDC8"/>
             </a:solidFill>
             <a:prstDash val="solid"/>
             <a:round/>
-            <a:headEnd len="sm" w="sm" type="none"/>
-            <a:tailEnd len="sm" w="sm" type="none"/>
+            <a:headEnd type="none" w="sm" len="sm"/>
+            <a:tailEnd type="none" w="sm" len="sm"/>
           </a:ln>
         </p:spPr>
         <p:txBody>
-          <a:bodyPr anchorCtr="0" anchor="ctr" bIns="91425" lIns="91425" spcFirstLastPara="1" rIns="91425" wrap="square" tIns="91425">
+          <a:bodyPr spcFirstLastPara="1" wrap="square" lIns="91425" tIns="91425" rIns="91425" bIns="91425" anchor="ctr" anchorCtr="0">
             <a:noAutofit/>
           </a:bodyPr>
           <a:lstStyle/>
           <a:p>
-            <a:pPr indent="0" lvl="0" marL="0" rtl="0" algn="l">
+            <a:pPr marL="0" lvl="0" indent="0" algn="l" rtl="0">
               <a:spcBef>
                 <a:spcPts val="0"/>
               </a:spcBef>
@@ -6699,9 +6768,6 @@
               </a:spcAft>
               <a:buNone/>
             </a:pPr>
-            <a:r>
-              <a:t/>
-            </a:r>
             <a:endParaRPr/>
           </a:p>
         </p:txBody>
@@ -6726,12 +6792,12 @@
           </a:ln>
         </p:spPr>
         <p:txBody>
-          <a:bodyPr anchorCtr="0" anchor="ctr" bIns="91425" lIns="91425" spcFirstLastPara="1" rIns="91425" wrap="square" tIns="91425">
+          <a:bodyPr spcFirstLastPara="1" wrap="square" lIns="91425" tIns="91425" rIns="91425" bIns="91425" anchor="ctr" anchorCtr="0">
             <a:noAutofit/>
           </a:bodyPr>
           <a:lstStyle/>
           <a:p>
-            <a:pPr indent="0" lvl="0" marL="0" rtl="0" algn="ctr">
+            <a:pPr marL="0" lvl="0" indent="0" algn="ctr" rtl="0">
               <a:lnSpc>
                 <a:spcPct val="90000"/>
               </a:lnSpc>
@@ -6745,14 +6811,14 @@
               <a:buNone/>
             </a:pPr>
             <a:r>
-              <a:rPr b="1" lang="en" sz="2800">
+              <a:rPr lang="en" sz="2800" b="1">
                 <a:solidFill>
                   <a:schemeClr val="accent2"/>
                 </a:solidFill>
               </a:rPr>
               <a:t>QnA</a:t>
             </a:r>
-            <a:endParaRPr b="1" sz="2800">
+            <a:endParaRPr sz="2800" b="1">
               <a:solidFill>
                 <a:schemeClr val="accent2"/>
               </a:solidFill>
@@ -6773,29 +6839,29 @@
           </a:xfrm>
           <a:prstGeom prst="roundRect">
             <a:avLst>
-              <a:gd fmla="val 16667" name="adj"/>
+              <a:gd name="adj" fmla="val 16667"/>
             </a:avLst>
           </a:prstGeom>
           <a:solidFill>
             <a:srgbClr val="434343"/>
           </a:solidFill>
-          <a:ln cap="flat" cmpd="sng" w="9525">
+          <a:ln w="9525" cap="flat" cmpd="sng">
             <a:solidFill>
               <a:schemeClr val="dk2"/>
             </a:solidFill>
             <a:prstDash val="solid"/>
             <a:round/>
-            <a:headEnd len="sm" w="sm" type="none"/>
-            <a:tailEnd len="sm" w="sm" type="none"/>
+            <a:headEnd type="none" w="sm" len="sm"/>
+            <a:tailEnd type="none" w="sm" len="sm"/>
           </a:ln>
         </p:spPr>
         <p:txBody>
-          <a:bodyPr anchorCtr="0" anchor="ctr" bIns="91425" lIns="91425" spcFirstLastPara="1" rIns="91425" wrap="square" tIns="91425">
+          <a:bodyPr spcFirstLastPara="1" wrap="square" lIns="91425" tIns="91425" rIns="91425" bIns="91425" anchor="ctr" anchorCtr="0">
             <a:noAutofit/>
           </a:bodyPr>
           <a:lstStyle/>
           <a:p>
-            <a:pPr indent="0" lvl="0" marL="12700" rtl="0" algn="just">
+            <a:pPr marL="12700" lvl="0" indent="0" algn="just" rtl="0">
               <a:lnSpc>
                 <a:spcPct val="90000"/>
               </a:lnSpc>
@@ -6807,9 +6873,6 @@
               </a:spcAft>
               <a:buNone/>
             </a:pPr>
-            <a:r>
-              <a:t/>
-            </a:r>
             <a:endParaRPr sz="1200">
               <a:solidFill>
                 <a:schemeClr val="lt1"/>
@@ -6817,7 +6880,7 @@
             </a:endParaRPr>
           </a:p>
           <a:p>
-            <a:pPr indent="0" lvl="0" marL="0" rtl="0" algn="just">
+            <a:pPr marL="0" lvl="0" indent="0" algn="just" rtl="0">
               <a:lnSpc>
                 <a:spcPct val="90000"/>
               </a:lnSpc>
@@ -6830,21 +6893,21 @@
               <a:buNone/>
             </a:pPr>
             <a:r>
-              <a:rPr b="1" lang="en" sz="1200">
+              <a:rPr lang="en" sz="1200" b="1">
                 <a:solidFill>
                   <a:schemeClr val="lt1"/>
                 </a:solidFill>
               </a:rPr>
               <a:t>Q7) What are the different stages of deployment?</a:t>
             </a:r>
-            <a:endParaRPr b="1" sz="1200">
+            <a:endParaRPr sz="1200" b="1">
               <a:solidFill>
                 <a:schemeClr val="lt1"/>
               </a:solidFill>
             </a:endParaRPr>
           </a:p>
           <a:p>
-            <a:pPr indent="0" lvl="0" marL="457200" rtl="0" algn="just">
+            <a:pPr marL="457200" lvl="0" indent="0" algn="just" rtl="0">
               <a:lnSpc>
                 <a:spcPct val="90000"/>
               </a:lnSpc>
@@ -6864,7 +6927,7 @@
               </a:rPr>
               <a:t>When the model is ready we deploy it in the Heroku platform.</a:t>
             </a:r>
-            <a:endParaRPr b="1" sz="1200">
+            <a:endParaRPr sz="1200" b="1">
               <a:solidFill>
                 <a:schemeClr val="lt1"/>
               </a:solidFill>
@@ -6885,29 +6948,29 @@
           </a:xfrm>
           <a:prstGeom prst="roundRect">
             <a:avLst>
-              <a:gd fmla="val 16667" name="adj"/>
+              <a:gd name="adj" fmla="val 16667"/>
             </a:avLst>
           </a:prstGeom>
           <a:solidFill>
             <a:schemeClr val="dk1"/>
           </a:solidFill>
-          <a:ln cap="flat" cmpd="sng" w="9525">
+          <a:ln w="9525" cap="flat" cmpd="sng">
             <a:solidFill>
               <a:schemeClr val="dk2"/>
             </a:solidFill>
             <a:prstDash val="solid"/>
             <a:round/>
-            <a:headEnd len="sm" w="sm" type="none"/>
-            <a:tailEnd len="sm" w="sm" type="none"/>
+            <a:headEnd type="none" w="sm" len="sm"/>
+            <a:tailEnd type="none" w="sm" len="sm"/>
           </a:ln>
         </p:spPr>
         <p:txBody>
-          <a:bodyPr anchorCtr="0" anchor="ctr" bIns="91425" lIns="91425" spcFirstLastPara="1" rIns="91425" wrap="square" tIns="91425">
+          <a:bodyPr spcFirstLastPara="1" wrap="square" lIns="91425" tIns="91425" rIns="91425" bIns="91425" anchor="ctr" anchorCtr="0">
             <a:noAutofit/>
           </a:bodyPr>
           <a:lstStyle/>
           <a:p>
-            <a:pPr indent="0" lvl="0" marL="0" rtl="0" algn="just">
+            <a:pPr marL="0" lvl="0" indent="0" algn="just" rtl="0">
               <a:lnSpc>
                 <a:spcPct val="90000"/>
               </a:lnSpc>
@@ -6920,21 +6983,21 @@
               <a:buNone/>
             </a:pPr>
             <a:r>
-              <a:rPr b="1" lang="en" sz="1200">
+              <a:rPr lang="en" sz="1200" b="1">
                 <a:solidFill>
                   <a:schemeClr val="lt1"/>
                 </a:solidFill>
               </a:rPr>
               <a:t>Q6) How prediction was done?</a:t>
             </a:r>
-            <a:endParaRPr b="1" sz="1200">
+            <a:endParaRPr sz="1200" b="1">
               <a:solidFill>
                 <a:schemeClr val="lt1"/>
               </a:solidFill>
             </a:endParaRPr>
           </a:p>
           <a:p>
-            <a:pPr indent="0" lvl="0" marL="12700" rtl="0" algn="just">
+            <a:pPr marL="12700" lvl="0" indent="0" algn="just" rtl="0">
               <a:lnSpc>
                 <a:spcPct val="90000"/>
               </a:lnSpc>
@@ -6961,7 +7024,7 @@
             </a:endParaRPr>
           </a:p>
           <a:p>
-            <a:pPr indent="0" lvl="0" marL="12700" rtl="0" algn="just">
+            <a:pPr marL="12700" lvl="0" indent="0" algn="just" rtl="0">
               <a:lnSpc>
                 <a:spcPct val="90000"/>
               </a:lnSpc>
@@ -6981,597 +7044,7 @@
               </a:rPr>
               <a:t>●We also created an API interface for estimating the sales of the store on the basis of various  Inputs from users.</a:t>
             </a:r>
-            <a:endParaRPr b="1" sz="1200">
-              <a:solidFill>
-                <a:schemeClr val="lt1"/>
-              </a:solidFill>
-            </a:endParaRPr>
-          </a:p>
-        </p:txBody>
-      </p:sp>
-    </p:spTree>
-  </p:cSld>
-  <p:clrMapOvr>
-    <a:masterClrMapping/>
-  </p:clrMapOvr>
-</p:sld>
-</file>
-
-<file path=ppt/slides/slide11.xml><?xml version="1.0" encoding="utf-8"?>
-<p:sld xmlns:a="http://schemas.openxmlformats.org/drawingml/2006/main" xmlns:r="http://schemas.openxmlformats.org/officeDocument/2006/relationships" xmlns:mc="http://schemas.openxmlformats.org/markup-compatibility/2006" xmlns:mv="urn:schemas-microsoft-com:mac:vml" xmlns:p="http://schemas.openxmlformats.org/presentationml/2006/main" xmlns:c="http://schemas.openxmlformats.org/drawingml/2006/chart" xmlns:dgm="http://schemas.openxmlformats.org/drawingml/2006/diagram" xmlns:o="urn:schemas-microsoft-com:office:office" xmlns:v="urn:schemas-microsoft-com:vml" xmlns:pvml="urn:schemas-microsoft-com:office:powerpoint" xmlns:com="http://schemas.openxmlformats.org/drawingml/2006/compatibility" xmlns:p14="http://schemas.microsoft.com/office/powerpoint/2010/main" xmlns:p15="http://schemas.microsoft.com/office/powerpoint/2012/main" xmlns:ahyp="http://schemas.microsoft.com/office/drawing/2018/hyperlinkcolor">
-  <p:cSld>
-    <p:spTree>
-      <p:nvGrpSpPr>
-        <p:cNvPr id="134" name="Shape 134"/>
-        <p:cNvGrpSpPr/>
-        <p:nvPr/>
-      </p:nvGrpSpPr>
-      <p:grpSpPr>
-        <a:xfrm>
-          <a:off x="0" y="0"/>
-          <a:ext cx="0" cy="0"/>
-          <a:chOff x="0" y="0"/>
-          <a:chExt cx="0" cy="0"/>
-        </a:xfrm>
-      </p:grpSpPr>
-      <p:sp>
-        <p:nvSpPr>
-          <p:cNvPr id="135" name="Google Shape;135;p23"/>
-          <p:cNvSpPr/>
-          <p:nvPr/>
-        </p:nvSpPr>
-        <p:spPr>
-          <a:xfrm>
-            <a:off x="0" y="0"/>
-            <a:ext cx="9144000" cy="5143500"/>
-          </a:xfrm>
-          <a:prstGeom prst="rect">
-            <a:avLst/>
-          </a:prstGeom>
-          <a:gradFill>
-            <a:gsLst>
-              <a:gs pos="0">
-                <a:srgbClr val="DFE9FB"/>
-              </a:gs>
-              <a:gs pos="100000">
-                <a:srgbClr val="6E9BE7"/>
-              </a:gs>
-            </a:gsLst>
-            <a:lin ang="5400012" scaled="0"/>
-          </a:gradFill>
-          <a:ln cap="flat" cmpd="sng" w="9525">
-            <a:solidFill>
-              <a:srgbClr val="00FDC8"/>
-            </a:solidFill>
-            <a:prstDash val="solid"/>
-            <a:round/>
-            <a:headEnd len="sm" w="sm" type="none"/>
-            <a:tailEnd len="sm" w="sm" type="none"/>
-          </a:ln>
-        </p:spPr>
-        <p:txBody>
-          <a:bodyPr anchorCtr="0" anchor="ctr" bIns="91425" lIns="91425" spcFirstLastPara="1" rIns="91425" wrap="square" tIns="91425">
-            <a:noAutofit/>
-          </a:bodyPr>
-          <a:lstStyle/>
-          <a:p>
-            <a:pPr indent="0" lvl="0" marL="0" rtl="0" algn="l">
-              <a:spcBef>
-                <a:spcPts val="0"/>
-              </a:spcBef>
-              <a:spcAft>
-                <a:spcPts val="0"/>
-              </a:spcAft>
-              <a:buNone/>
-            </a:pPr>
-            <a:r>
-              <a:t/>
-            </a:r>
-            <a:endParaRPr/>
-          </a:p>
-        </p:txBody>
-      </p:sp>
-      <p:sp>
-        <p:nvSpPr>
-          <p:cNvPr id="136" name="Google Shape;136;p23"/>
-          <p:cNvSpPr txBox="1"/>
-          <p:nvPr/>
-        </p:nvSpPr>
-        <p:spPr>
-          <a:xfrm>
-            <a:off x="526500" y="150975"/>
-            <a:ext cx="8091000" cy="728400"/>
-          </a:xfrm>
-          <a:prstGeom prst="rect">
-            <a:avLst/>
-          </a:prstGeom>
-          <a:noFill/>
-          <a:ln>
-            <a:noFill/>
-          </a:ln>
-        </p:spPr>
-        <p:txBody>
-          <a:bodyPr anchorCtr="0" anchor="ctr" bIns="91425" lIns="91425" spcFirstLastPara="1" rIns="91425" wrap="square" tIns="91425">
-            <a:noAutofit/>
-          </a:bodyPr>
-          <a:lstStyle/>
-          <a:p>
-            <a:pPr indent="0" lvl="0" marL="0" rtl="0" algn="ctr">
-              <a:lnSpc>
-                <a:spcPct val="90000"/>
-              </a:lnSpc>
-              <a:spcBef>
-                <a:spcPts val="0"/>
-              </a:spcBef>
-              <a:spcAft>
-                <a:spcPts val="0"/>
-              </a:spcAft>
-              <a:buSzPts val="770"/>
-              <a:buNone/>
-            </a:pPr>
-            <a:r>
-              <a:rPr b="1" lang="en" sz="2800">
-                <a:solidFill>
-                  <a:schemeClr val="accent2"/>
-                </a:solidFill>
-              </a:rPr>
-              <a:t>QnA</a:t>
-            </a:r>
-            <a:endParaRPr b="1" sz="2800">
-              <a:solidFill>
-                <a:schemeClr val="accent2"/>
-              </a:solidFill>
-            </a:endParaRPr>
-          </a:p>
-        </p:txBody>
-      </p:sp>
-      <p:sp>
-        <p:nvSpPr>
-          <p:cNvPr id="137" name="Google Shape;137;p23"/>
-          <p:cNvSpPr/>
-          <p:nvPr/>
-        </p:nvSpPr>
-        <p:spPr>
-          <a:xfrm>
-            <a:off x="968550" y="1453250"/>
-            <a:ext cx="7206900" cy="2766300"/>
-          </a:xfrm>
-          <a:prstGeom prst="roundRect">
-            <a:avLst>
-              <a:gd fmla="val 16667" name="adj"/>
-            </a:avLst>
-          </a:prstGeom>
-          <a:solidFill>
-            <a:schemeClr val="dk2"/>
-          </a:solidFill>
-          <a:ln cap="flat" cmpd="sng" w="9525">
-            <a:solidFill>
-              <a:srgbClr val="00FFFF"/>
-            </a:solidFill>
-            <a:prstDash val="solid"/>
-            <a:round/>
-            <a:headEnd len="sm" w="sm" type="none"/>
-            <a:tailEnd len="sm" w="sm" type="none"/>
-          </a:ln>
-        </p:spPr>
-        <p:txBody>
-          <a:bodyPr anchorCtr="0" anchor="ctr" bIns="91425" lIns="91425" spcFirstLastPara="1" rIns="91425" wrap="square" tIns="91425">
-            <a:noAutofit/>
-          </a:bodyPr>
-          <a:lstStyle/>
-          <a:p>
-            <a:pPr indent="0" lvl="0" marL="0" rtl="0" algn="just">
-              <a:lnSpc>
-                <a:spcPct val="90000"/>
-              </a:lnSpc>
-              <a:spcBef>
-                <a:spcPts val="0"/>
-              </a:spcBef>
-              <a:spcAft>
-                <a:spcPts val="0"/>
-              </a:spcAft>
-              <a:buNone/>
-            </a:pPr>
-            <a:r>
-              <a:rPr b="1" lang="en" sz="1500">
-                <a:solidFill>
-                  <a:srgbClr val="404040"/>
-                </a:solidFill>
-              </a:rPr>
-              <a:t>Q1) What is the source data?</a:t>
-            </a:r>
-            <a:endParaRPr b="1" sz="1500">
-              <a:solidFill>
-                <a:srgbClr val="404040"/>
-              </a:solidFill>
-            </a:endParaRPr>
-          </a:p>
-          <a:p>
-            <a:pPr indent="0" lvl="0" marL="457200" rtl="0" algn="just">
-              <a:lnSpc>
-                <a:spcPct val="90000"/>
-              </a:lnSpc>
-              <a:spcBef>
-                <a:spcPts val="600"/>
-              </a:spcBef>
-              <a:spcAft>
-                <a:spcPts val="0"/>
-              </a:spcAft>
-              <a:buNone/>
-            </a:pPr>
-            <a:r>
-              <a:rPr lang="en" sz="1500">
-                <a:solidFill>
-                  <a:srgbClr val="404040"/>
-                </a:solidFill>
-              </a:rPr>
-              <a:t>The source of the data is Kaggle. The data is in the form of a ‘CSV’ file</a:t>
-            </a:r>
-            <a:r>
-              <a:rPr lang="en" sz="1350">
-                <a:solidFill>
-                  <a:srgbClr val="404040"/>
-                </a:solidFill>
-              </a:rPr>
-              <a:t>.</a:t>
-            </a:r>
-            <a:endParaRPr sz="1350">
-              <a:solidFill>
-                <a:srgbClr val="404040"/>
-              </a:solidFill>
-            </a:endParaRPr>
-          </a:p>
-          <a:p>
-            <a:pPr indent="0" lvl="0" marL="0" rtl="0" algn="just">
-              <a:lnSpc>
-                <a:spcPct val="90000"/>
-              </a:lnSpc>
-              <a:spcBef>
-                <a:spcPts val="600"/>
-              </a:spcBef>
-              <a:spcAft>
-                <a:spcPts val="0"/>
-              </a:spcAft>
-              <a:buNone/>
-            </a:pPr>
-            <a:r>
-              <a:rPr b="1" lang="en" sz="1500">
-                <a:solidFill>
-                  <a:srgbClr val="404040"/>
-                </a:solidFill>
-              </a:rPr>
-              <a:t>Q2) What was the type of data?</a:t>
-            </a:r>
-            <a:endParaRPr b="1" sz="1500">
-              <a:solidFill>
-                <a:srgbClr val="404040"/>
-              </a:solidFill>
-            </a:endParaRPr>
-          </a:p>
-          <a:p>
-            <a:pPr indent="0" lvl="0" marL="457200" rtl="0" algn="just">
-              <a:lnSpc>
-                <a:spcPct val="90000"/>
-              </a:lnSpc>
-              <a:spcBef>
-                <a:spcPts val="600"/>
-              </a:spcBef>
-              <a:spcAft>
-                <a:spcPts val="0"/>
-              </a:spcAft>
-              <a:buNone/>
-            </a:pPr>
-            <a:r>
-              <a:rPr lang="en" sz="1500">
-                <a:solidFill>
-                  <a:srgbClr val="404040"/>
-                </a:solidFill>
-              </a:rPr>
-              <a:t>The data was a combination of categorical and numerical values.</a:t>
-            </a:r>
-            <a:endParaRPr sz="1500">
-              <a:solidFill>
-                <a:srgbClr val="404040"/>
-              </a:solidFill>
-            </a:endParaRPr>
-          </a:p>
-          <a:p>
-            <a:pPr indent="0" lvl="0" marL="0" rtl="0" algn="just">
-              <a:lnSpc>
-                <a:spcPct val="90000"/>
-              </a:lnSpc>
-              <a:spcBef>
-                <a:spcPts val="600"/>
-              </a:spcBef>
-              <a:spcAft>
-                <a:spcPts val="0"/>
-              </a:spcAft>
-              <a:buNone/>
-            </a:pPr>
-            <a:r>
-              <a:rPr b="1" lang="en" sz="1500">
-                <a:solidFill>
-                  <a:srgbClr val="404040"/>
-                </a:solidFill>
-              </a:rPr>
-              <a:t>Q3)</a:t>
-            </a:r>
-            <a:r>
-              <a:rPr b="1" lang="en" sz="1500">
-                <a:solidFill>
-                  <a:srgbClr val="404040"/>
-                </a:solidFill>
-              </a:rPr>
-              <a:t> What’s the complete flow you followed in this project?</a:t>
-            </a:r>
-            <a:endParaRPr b="1" sz="1500">
-              <a:solidFill>
-                <a:srgbClr val="404040"/>
-              </a:solidFill>
-            </a:endParaRPr>
-          </a:p>
-          <a:p>
-            <a:pPr indent="0" lvl="0" marL="457200" rtl="0" algn="just">
-              <a:lnSpc>
-                <a:spcPct val="90000"/>
-              </a:lnSpc>
-              <a:spcBef>
-                <a:spcPts val="600"/>
-              </a:spcBef>
-              <a:spcAft>
-                <a:spcPts val="0"/>
-              </a:spcAft>
-              <a:buNone/>
-            </a:pPr>
-            <a:r>
-              <a:rPr lang="en" sz="1500">
-                <a:solidFill>
-                  <a:srgbClr val="404040"/>
-                </a:solidFill>
-              </a:rPr>
-              <a:t>Refer to the 3</a:t>
-            </a:r>
-            <a:r>
-              <a:rPr baseline="30000" lang="en" sz="2500">
-                <a:solidFill>
-                  <a:srgbClr val="404040"/>
-                </a:solidFill>
-              </a:rPr>
-              <a:t>rd</a:t>
-            </a:r>
-            <a:r>
-              <a:rPr lang="en" sz="1500">
-                <a:solidFill>
-                  <a:srgbClr val="404040"/>
-                </a:solidFill>
-              </a:rPr>
-              <a:t> slide for a better understanding</a:t>
-            </a:r>
-            <a:endParaRPr sz="1500">
-              <a:solidFill>
-                <a:srgbClr val="404040"/>
-              </a:solidFill>
-            </a:endParaRPr>
-          </a:p>
-          <a:p>
-            <a:pPr indent="0" lvl="0" marL="0" rtl="0" algn="just">
-              <a:lnSpc>
-                <a:spcPct val="90000"/>
-              </a:lnSpc>
-              <a:spcBef>
-                <a:spcPts val="600"/>
-              </a:spcBef>
-              <a:spcAft>
-                <a:spcPts val="0"/>
-              </a:spcAft>
-              <a:buNone/>
-            </a:pPr>
-            <a:r>
-              <a:rPr b="1" lang="en" sz="1500">
-                <a:solidFill>
-                  <a:srgbClr val="404040"/>
-                </a:solidFill>
-              </a:rPr>
-              <a:t>Q4) What techniques were you using for data pre-processing?</a:t>
-            </a:r>
-            <a:endParaRPr b="1" sz="1500">
-              <a:solidFill>
-                <a:srgbClr val="404040"/>
-              </a:solidFill>
-            </a:endParaRPr>
-          </a:p>
-          <a:p>
-            <a:pPr indent="0" lvl="0" marL="12700" rtl="0" algn="just">
-              <a:lnSpc>
-                <a:spcPct val="90000"/>
-              </a:lnSpc>
-              <a:spcBef>
-                <a:spcPts val="600"/>
-              </a:spcBef>
-              <a:spcAft>
-                <a:spcPts val="0"/>
-              </a:spcAft>
-              <a:buNone/>
-            </a:pPr>
-            <a:r>
-              <a:rPr lang="en" sz="1300">
-                <a:solidFill>
-                  <a:srgbClr val="E48312"/>
-                </a:solidFill>
-              </a:rPr>
-              <a:t>●</a:t>
-            </a:r>
-            <a:r>
-              <a:rPr lang="en" sz="1500">
-                <a:solidFill>
-                  <a:srgbClr val="404040"/>
-                </a:solidFill>
-              </a:rPr>
-              <a:t>Visualizing the relation of independent variables with each other and dependent variable.</a:t>
-            </a:r>
-            <a:endParaRPr sz="1500">
-              <a:solidFill>
-                <a:srgbClr val="404040"/>
-              </a:solidFill>
-            </a:endParaRPr>
-          </a:p>
-          <a:p>
-            <a:pPr indent="0" lvl="0" marL="12700" rtl="0" algn="just">
-              <a:lnSpc>
-                <a:spcPct val="90000"/>
-              </a:lnSpc>
-              <a:spcBef>
-                <a:spcPts val="600"/>
-              </a:spcBef>
-              <a:spcAft>
-                <a:spcPts val="0"/>
-              </a:spcAft>
-              <a:buNone/>
-            </a:pPr>
-            <a:r>
-              <a:rPr lang="en" sz="1300">
-                <a:solidFill>
-                  <a:srgbClr val="E48312"/>
-                </a:solidFill>
-              </a:rPr>
-              <a:t>●</a:t>
-            </a:r>
-            <a:r>
-              <a:rPr lang="en" sz="1500">
-                <a:solidFill>
-                  <a:srgbClr val="404040"/>
-                </a:solidFill>
-              </a:rPr>
-              <a:t>Checking the distribution of Continuous variables.</a:t>
-            </a:r>
-            <a:endParaRPr sz="1500">
-              <a:solidFill>
-                <a:srgbClr val="404040"/>
-              </a:solidFill>
-            </a:endParaRPr>
-          </a:p>
-          <a:p>
-            <a:pPr indent="0" lvl="0" marL="12700" rtl="0" algn="just">
-              <a:lnSpc>
-                <a:spcPct val="90000"/>
-              </a:lnSpc>
-              <a:spcBef>
-                <a:spcPts val="600"/>
-              </a:spcBef>
-              <a:spcAft>
-                <a:spcPts val="0"/>
-              </a:spcAft>
-              <a:buNone/>
-            </a:pPr>
-            <a:r>
-              <a:rPr lang="en" sz="1300">
-                <a:solidFill>
-                  <a:srgbClr val="E48312"/>
-                </a:solidFill>
-              </a:rPr>
-              <a:t>●</a:t>
-            </a:r>
-            <a:r>
-              <a:rPr lang="en" sz="1500">
-                <a:solidFill>
-                  <a:srgbClr val="404040"/>
-                </a:solidFill>
-              </a:rPr>
-              <a:t>Checking any null values present in the dataset.</a:t>
-            </a:r>
-            <a:endParaRPr sz="1500">
-              <a:solidFill>
-                <a:srgbClr val="404040"/>
-              </a:solidFill>
-            </a:endParaRPr>
-          </a:p>
-          <a:p>
-            <a:pPr indent="0" lvl="0" marL="12700" rtl="0" algn="just">
-              <a:lnSpc>
-                <a:spcPct val="90000"/>
-              </a:lnSpc>
-              <a:spcBef>
-                <a:spcPts val="600"/>
-              </a:spcBef>
-              <a:spcAft>
-                <a:spcPts val="0"/>
-              </a:spcAft>
-              <a:buNone/>
-            </a:pPr>
-            <a:r>
-              <a:rPr lang="en" sz="1300">
-                <a:solidFill>
-                  <a:srgbClr val="E48312"/>
-                </a:solidFill>
-              </a:rPr>
-              <a:t>●</a:t>
-            </a:r>
-            <a:r>
-              <a:rPr lang="en" sz="1500">
-                <a:solidFill>
-                  <a:srgbClr val="404040"/>
-                </a:solidFill>
-              </a:rPr>
-              <a:t>Converting categorical data into numeric values.</a:t>
-            </a:r>
-            <a:endParaRPr sz="1500">
-              <a:solidFill>
-                <a:srgbClr val="404040"/>
-              </a:solidFill>
-            </a:endParaRPr>
-          </a:p>
-          <a:p>
-            <a:pPr indent="0" lvl="0" marL="12700" rtl="0" algn="just">
-              <a:lnSpc>
-                <a:spcPct val="90000"/>
-              </a:lnSpc>
-              <a:spcBef>
-                <a:spcPts val="600"/>
-              </a:spcBef>
-              <a:spcAft>
-                <a:spcPts val="0"/>
-              </a:spcAft>
-              <a:buNone/>
-            </a:pPr>
-            <a:r>
-              <a:rPr lang="en" sz="1300">
-                <a:solidFill>
-                  <a:srgbClr val="E48312"/>
-                </a:solidFill>
-              </a:rPr>
-              <a:t>●</a:t>
-            </a:r>
-            <a:r>
-              <a:rPr lang="en" sz="1500">
-                <a:solidFill>
-                  <a:srgbClr val="404040"/>
-                </a:solidFill>
-              </a:rPr>
-              <a:t>Scaling the data.</a:t>
-            </a:r>
-            <a:endParaRPr sz="1500">
-              <a:solidFill>
-                <a:srgbClr val="404040"/>
-              </a:solidFill>
-            </a:endParaRPr>
-          </a:p>
-          <a:p>
-            <a:pPr indent="0" lvl="0" marL="457200" rtl="0" algn="just">
-              <a:lnSpc>
-                <a:spcPct val="90000"/>
-              </a:lnSpc>
-              <a:spcBef>
-                <a:spcPts val="600"/>
-              </a:spcBef>
-              <a:spcAft>
-                <a:spcPts val="600"/>
-              </a:spcAft>
-              <a:buNone/>
-            </a:pPr>
-            <a:r>
-              <a:t/>
-            </a:r>
-            <a:endParaRPr b="1" sz="1600">
+            <a:endParaRPr sz="1200" b="1">
               <a:solidFill>
                 <a:schemeClr val="lt1"/>
               </a:solidFill>
@@ -7588,11 +7061,11 @@
 </file>
 
 <file path=ppt/slides/slide2.xml><?xml version="1.0" encoding="utf-8"?>
-<p:sld xmlns:a="http://schemas.openxmlformats.org/drawingml/2006/main" xmlns:r="http://schemas.openxmlformats.org/officeDocument/2006/relationships" xmlns:mc="http://schemas.openxmlformats.org/markup-compatibility/2006" xmlns:mv="urn:schemas-microsoft-com:mac:vml" xmlns:p="http://schemas.openxmlformats.org/presentationml/2006/main" xmlns:c="http://schemas.openxmlformats.org/drawingml/2006/chart" xmlns:dgm="http://schemas.openxmlformats.org/drawingml/2006/diagram" xmlns:o="urn:schemas-microsoft-com:office:office" xmlns:v="urn:schemas-microsoft-com:vml" xmlns:pvml="urn:schemas-microsoft-com:office:powerpoint" xmlns:com="http://schemas.openxmlformats.org/drawingml/2006/compatibility" xmlns:p14="http://schemas.microsoft.com/office/powerpoint/2010/main" xmlns:p15="http://schemas.microsoft.com/office/powerpoint/2012/main" xmlns:ahyp="http://schemas.microsoft.com/office/drawing/2018/hyperlinkcolor">
+<p:sld xmlns:a="http://schemas.openxmlformats.org/drawingml/2006/main" xmlns:r="http://schemas.openxmlformats.org/officeDocument/2006/relationships" xmlns:p="http://schemas.openxmlformats.org/presentationml/2006/main">
   <p:cSld>
     <p:spTree>
       <p:nvGrpSpPr>
-        <p:cNvPr id="61" name="Shape 61"/>
+        <p:cNvPr id="1" name="Shape 61"/>
         <p:cNvGrpSpPr/>
         <p:nvPr/>
       </p:nvGrpSpPr>
@@ -7629,23 +7102,23 @@
             </a:gsLst>
             <a:lin ang="5400012" scaled="0"/>
           </a:gradFill>
-          <a:ln cap="flat" cmpd="sng" w="9525">
+          <a:ln w="9525" cap="flat" cmpd="sng">
             <a:solidFill>
               <a:srgbClr val="00FDC8"/>
             </a:solidFill>
             <a:prstDash val="solid"/>
             <a:round/>
-            <a:headEnd len="sm" w="sm" type="none"/>
-            <a:tailEnd len="sm" w="sm" type="none"/>
+            <a:headEnd type="none" w="sm" len="sm"/>
+            <a:tailEnd type="none" w="sm" len="sm"/>
           </a:ln>
         </p:spPr>
         <p:txBody>
-          <a:bodyPr anchorCtr="0" anchor="ctr" bIns="91425" lIns="91425" spcFirstLastPara="1" rIns="91425" wrap="square" tIns="91425">
+          <a:bodyPr spcFirstLastPara="1" wrap="square" lIns="91425" tIns="91425" rIns="91425" bIns="91425" anchor="ctr" anchorCtr="0">
             <a:noAutofit/>
           </a:bodyPr>
           <a:lstStyle/>
           <a:p>
-            <a:pPr indent="0" lvl="0" marL="0" rtl="0" algn="l">
+            <a:pPr marL="0" lvl="0" indent="0" algn="l" rtl="0">
               <a:spcBef>
                 <a:spcPts val="0"/>
               </a:spcBef>
@@ -7654,9 +7127,6 @@
               </a:spcAft>
               <a:buNone/>
             </a:pPr>
-            <a:r>
-              <a:t/>
-            </a:r>
             <a:endParaRPr/>
           </a:p>
         </p:txBody>
@@ -7686,23 +7156,23 @@
             </a:gsLst>
             <a:lin ang="5400012" scaled="0"/>
           </a:gradFill>
-          <a:ln cap="flat" cmpd="sng" w="9525">
+          <a:ln w="9525" cap="flat" cmpd="sng">
             <a:solidFill>
               <a:srgbClr val="00FDC8"/>
             </a:solidFill>
             <a:prstDash val="solid"/>
             <a:round/>
-            <a:headEnd len="sm" w="sm" type="none"/>
-            <a:tailEnd len="sm" w="sm" type="none"/>
+            <a:headEnd type="none" w="sm" len="sm"/>
+            <a:tailEnd type="none" w="sm" len="sm"/>
           </a:ln>
         </p:spPr>
         <p:txBody>
-          <a:bodyPr anchorCtr="0" anchor="ctr" bIns="91425" lIns="91425" spcFirstLastPara="1" rIns="91425" wrap="square" tIns="91425">
+          <a:bodyPr spcFirstLastPara="1" wrap="square" lIns="91425" tIns="91425" rIns="91425" bIns="91425" anchor="ctr" anchorCtr="0">
             <a:noAutofit/>
           </a:bodyPr>
           <a:lstStyle/>
           <a:p>
-            <a:pPr indent="0" lvl="0" marL="0" rtl="0" algn="l">
+            <a:pPr marL="0" lvl="0" indent="0" algn="l" rtl="0">
               <a:spcBef>
                 <a:spcPts val="0"/>
               </a:spcBef>
@@ -7711,9 +7181,6 @@
               </a:spcAft>
               <a:buNone/>
             </a:pPr>
-            <a:r>
-              <a:t/>
-            </a:r>
             <a:endParaRPr/>
           </a:p>
         </p:txBody>
@@ -7738,12 +7205,12 @@
           </a:ln>
         </p:spPr>
         <p:txBody>
-          <a:bodyPr anchorCtr="0" anchor="t" bIns="91425" lIns="91425" spcFirstLastPara="1" rIns="91425" wrap="square" tIns="91425">
+          <a:bodyPr spcFirstLastPara="1" wrap="square" lIns="91425" tIns="91425" rIns="91425" bIns="91425" anchor="t" anchorCtr="0">
             <a:normAutofit/>
           </a:bodyPr>
           <a:lstStyle/>
           <a:p>
-            <a:pPr indent="0" lvl="0" marL="0" rtl="0" algn="ctr">
+            <a:pPr marL="0" lvl="0" indent="0" algn="ctr" rtl="0">
               <a:spcBef>
                 <a:spcPts val="0"/>
               </a:spcBef>
@@ -7788,12 +7255,12 @@
           </a:ln>
         </p:spPr>
         <p:txBody>
-          <a:bodyPr anchorCtr="0" anchor="t" bIns="91425" lIns="91425" spcFirstLastPara="1" rIns="91425" wrap="square" tIns="91425">
+          <a:bodyPr spcFirstLastPara="1" wrap="square" lIns="91425" tIns="91425" rIns="91425" bIns="91425" anchor="t" anchorCtr="0">
             <a:noAutofit/>
           </a:bodyPr>
           <a:lstStyle/>
           <a:p>
-            <a:pPr indent="0" lvl="0" marL="0" rtl="0" algn="ctr">
+            <a:pPr marL="0" lvl="0" indent="0" algn="ctr" rtl="0">
               <a:spcBef>
                 <a:spcPts val="0"/>
               </a:spcBef>
@@ -7839,12 +7306,12 @@
           </a:ln>
         </p:spPr>
         <p:txBody>
-          <a:bodyPr anchorCtr="0" anchor="t" bIns="91425" lIns="91425" spcFirstLastPara="1" rIns="91425" wrap="square" tIns="91425">
+          <a:bodyPr spcFirstLastPara="1" wrap="square" lIns="91425" tIns="91425" rIns="91425" bIns="91425" anchor="t" anchorCtr="0">
             <a:normAutofit lnSpcReduction="20000"/>
           </a:bodyPr>
           <a:lstStyle/>
           <a:p>
-            <a:pPr indent="0" lvl="0" marL="0" rtl="0" algn="just">
+            <a:pPr marL="0" lvl="0" indent="0" algn="just" rtl="0">
               <a:spcBef>
                 <a:spcPts val="1200"/>
               </a:spcBef>
@@ -7854,7 +7321,7 @@
               <a:buNone/>
             </a:pPr>
             <a:r>
-              <a:rPr b="1" lang="en" sz="1100">
+              <a:rPr lang="en" sz="1100" b="1">
                 <a:solidFill>
                   <a:srgbClr val="3F3F3F"/>
                 </a:solidFill>
@@ -7865,7 +7332,7 @@
               </a:rPr>
               <a:t>The objective of this machine learning project in the Tourism domain is to build a predictive model using historical tourism data. The model aims to assist in efficiently and accurately determining whether the prospective customer will purchase the travel package or not. </a:t>
             </a:r>
-            <a:endParaRPr b="1" sz="1100">
+            <a:endParaRPr sz="1100" b="1">
               <a:solidFill>
                 <a:srgbClr val="666666"/>
               </a:solidFill>
@@ -7897,12 +7364,12 @@
           </a:ln>
         </p:spPr>
         <p:txBody>
-          <a:bodyPr anchorCtr="0" anchor="t" bIns="91425" lIns="91425" spcFirstLastPara="1" rIns="91425" wrap="square" tIns="91425">
+          <a:bodyPr spcFirstLastPara="1" wrap="square" lIns="91425" tIns="91425" rIns="91425" bIns="91425" anchor="t" anchorCtr="0">
             <a:noAutofit/>
           </a:bodyPr>
           <a:lstStyle/>
           <a:p>
-            <a:pPr indent="0" lvl="0" marL="0" rtl="0" algn="just">
+            <a:pPr marL="0" lvl="0" indent="0" algn="just" rtl="0">
               <a:lnSpc>
                 <a:spcPct val="115000"/>
               </a:lnSpc>
@@ -7920,7 +7387,7 @@
               <a:buNone/>
             </a:pPr>
             <a:r>
-              <a:rPr b="1" lang="en" sz="1100">
+              <a:rPr lang="en" sz="1100" b="1">
                 <a:solidFill>
                   <a:schemeClr val="lt2"/>
                 </a:solidFill>
@@ -7931,7 +7398,7 @@
               </a:rPr>
               <a:t>Tourism is one of the most rapidly growing global industries and tourism forecasting is becoming an increasingly important activity in planning and managing the industry. Because of high fluctuations of tourism demand, accurate predictions of purchase of travel packages are of high importance for tourism organizations. The goal is to predict whether the customer will purchase the travel or not.</a:t>
             </a:r>
-            <a:endParaRPr b="1" sz="1100">
+            <a:endParaRPr sz="1100" b="1">
               <a:solidFill>
                 <a:schemeClr val="lt2"/>
               </a:solidFill>
@@ -7942,7 +7409,7 @@
             </a:endParaRPr>
           </a:p>
           <a:p>
-            <a:pPr indent="0" lvl="0" marL="0" rtl="0" algn="just">
+            <a:pPr marL="0" lvl="0" indent="0" algn="just" rtl="0">
               <a:spcBef>
                 <a:spcPts val="1200"/>
               </a:spcBef>
@@ -7951,10 +7418,7 @@
               </a:spcAft>
               <a:buNone/>
             </a:pPr>
-            <a:r>
-              <a:t/>
-            </a:r>
-            <a:endParaRPr b="1" sz="1100">
+            <a:endParaRPr sz="1100" b="1">
               <a:solidFill>
                 <a:srgbClr val="3F3F3F"/>
               </a:solidFill>
@@ -7975,11 +7439,11 @@
 </file>
 
 <file path=ppt/slides/slide3.xml><?xml version="1.0" encoding="utf-8"?>
-<p:sld xmlns:a="http://schemas.openxmlformats.org/drawingml/2006/main" xmlns:r="http://schemas.openxmlformats.org/officeDocument/2006/relationships" xmlns:mc="http://schemas.openxmlformats.org/markup-compatibility/2006" xmlns:mv="urn:schemas-microsoft-com:mac:vml" xmlns:p="http://schemas.openxmlformats.org/presentationml/2006/main" xmlns:c="http://schemas.openxmlformats.org/drawingml/2006/chart" xmlns:dgm="http://schemas.openxmlformats.org/drawingml/2006/diagram" xmlns:o="urn:schemas-microsoft-com:office:office" xmlns:v="urn:schemas-microsoft-com:vml" xmlns:pvml="urn:schemas-microsoft-com:office:powerpoint" xmlns:com="http://schemas.openxmlformats.org/drawingml/2006/compatibility" xmlns:p14="http://schemas.microsoft.com/office/powerpoint/2010/main" xmlns:p15="http://schemas.microsoft.com/office/powerpoint/2012/main" xmlns:ahyp="http://schemas.microsoft.com/office/drawing/2018/hyperlinkcolor">
+<p:sld xmlns:a="http://schemas.openxmlformats.org/drawingml/2006/main" xmlns:r="http://schemas.openxmlformats.org/officeDocument/2006/relationships" xmlns:p="http://schemas.openxmlformats.org/presentationml/2006/main">
   <p:cSld>
     <p:spTree>
       <p:nvGrpSpPr>
-        <p:cNvPr id="71" name="Shape 71"/>
+        <p:cNvPr id="1" name="Shape 71"/>
         <p:cNvGrpSpPr/>
         <p:nvPr/>
       </p:nvGrpSpPr>
@@ -8015,27 +7479,27 @@
               </a:gs>
             </a:gsLst>
             <a:path path="circle">
-              <a:fillToRect b="50%" l="50%" r="50%" t="50%"/>
+              <a:fillToRect l="50000" t="50000" r="50000" b="50000"/>
             </a:path>
             <a:tileRect/>
           </a:gradFill>
-          <a:ln cap="flat" cmpd="sng" w="9525">
+          <a:ln w="9525" cap="flat" cmpd="sng">
             <a:solidFill>
               <a:srgbClr val="00FDC8"/>
             </a:solidFill>
             <a:prstDash val="solid"/>
             <a:round/>
-            <a:headEnd len="sm" w="sm" type="none"/>
-            <a:tailEnd len="sm" w="sm" type="none"/>
+            <a:headEnd type="none" w="sm" len="sm"/>
+            <a:tailEnd type="none" w="sm" len="sm"/>
           </a:ln>
         </p:spPr>
         <p:txBody>
-          <a:bodyPr anchorCtr="0" anchor="ctr" bIns="91425" lIns="91425" spcFirstLastPara="1" rIns="91425" wrap="square" tIns="91425">
+          <a:bodyPr spcFirstLastPara="1" wrap="square" lIns="91425" tIns="91425" rIns="91425" bIns="91425" anchor="ctr" anchorCtr="0">
             <a:noAutofit/>
           </a:bodyPr>
           <a:lstStyle/>
           <a:p>
-            <a:pPr indent="0" lvl="0" marL="0" rtl="0" algn="l">
+            <a:pPr marL="0" lvl="0" indent="0" algn="l" rtl="0">
               <a:spcBef>
                 <a:spcPts val="0"/>
               </a:spcBef>
@@ -8044,9 +7508,6 @@
               </a:spcAft>
               <a:buNone/>
             </a:pPr>
-            <a:r>
-              <a:t/>
-            </a:r>
             <a:endParaRPr/>
           </a:p>
         </p:txBody>
@@ -8071,12 +7532,12 @@
           </a:ln>
         </p:spPr>
         <p:txBody>
-          <a:bodyPr anchorCtr="0" anchor="ctr" bIns="91425" lIns="91425" spcFirstLastPara="1" rIns="91425" wrap="square" tIns="91425">
+          <a:bodyPr spcFirstLastPara="1" wrap="square" lIns="91425" tIns="91425" rIns="91425" bIns="91425" anchor="ctr" anchorCtr="0">
             <a:normAutofit/>
           </a:bodyPr>
           <a:lstStyle/>
           <a:p>
-            <a:pPr indent="0" lvl="0" marL="0" rtl="0" algn="ctr">
+            <a:pPr marL="0" lvl="0" indent="0" algn="ctr" rtl="0">
               <a:lnSpc>
                 <a:spcPct val="90000"/>
               </a:lnSpc>
@@ -8089,14 +7550,14 @@
               <a:buNone/>
             </a:pPr>
             <a:r>
-              <a:rPr b="1" lang="en" sz="2800">
+              <a:rPr lang="en" sz="2800" b="1">
                 <a:solidFill>
                   <a:schemeClr val="accent2"/>
                 </a:solidFill>
               </a:rPr>
               <a:t>Architecture</a:t>
             </a:r>
-            <a:endParaRPr b="1" sz="2800">
+            <a:endParaRPr sz="2800" b="1">
               <a:solidFill>
                 <a:schemeClr val="accent2"/>
               </a:solidFill>
@@ -8131,7 +7592,7 @@
             <a:noFill/>
           </a:ln>
           <a:effectLst>
-            <a:outerShdw blurRad="57150" rotWithShape="0" algn="bl" dir="5400000" dist="19050">
+            <a:outerShdw blurRad="57150" dist="19050" dir="5400000" algn="bl" rotWithShape="0">
               <a:srgbClr val="000000">
                 <a:alpha val="60000"/>
               </a:srgbClr>
@@ -8148,11 +7609,11 @@
 </file>
 
 <file path=ppt/slides/slide4.xml><?xml version="1.0" encoding="utf-8"?>
-<p:sld xmlns:a="http://schemas.openxmlformats.org/drawingml/2006/main" xmlns:r="http://schemas.openxmlformats.org/officeDocument/2006/relationships" xmlns:mc="http://schemas.openxmlformats.org/markup-compatibility/2006" xmlns:mv="urn:schemas-microsoft-com:mac:vml" xmlns:p="http://schemas.openxmlformats.org/presentationml/2006/main" xmlns:c="http://schemas.openxmlformats.org/drawingml/2006/chart" xmlns:dgm="http://schemas.openxmlformats.org/drawingml/2006/diagram" xmlns:o="urn:schemas-microsoft-com:office:office" xmlns:v="urn:schemas-microsoft-com:vml" xmlns:pvml="urn:schemas-microsoft-com:office:powerpoint" xmlns:com="http://schemas.openxmlformats.org/drawingml/2006/compatibility" xmlns:p14="http://schemas.microsoft.com/office/powerpoint/2010/main" xmlns:p15="http://schemas.microsoft.com/office/powerpoint/2012/main" xmlns:ahyp="http://schemas.microsoft.com/office/drawing/2018/hyperlinkcolor">
+<p:sld xmlns:a="http://schemas.openxmlformats.org/drawingml/2006/main" xmlns:r="http://schemas.openxmlformats.org/officeDocument/2006/relationships" xmlns:p="http://schemas.openxmlformats.org/presentationml/2006/main">
   <p:cSld>
     <p:spTree>
       <p:nvGrpSpPr>
-        <p:cNvPr id="78" name="Shape 78"/>
+        <p:cNvPr id="1" name="Shape 78"/>
         <p:cNvGrpSpPr/>
         <p:nvPr/>
       </p:nvGrpSpPr>
@@ -8189,23 +7650,23 @@
             </a:gsLst>
             <a:lin ang="5400012" scaled="0"/>
           </a:gradFill>
-          <a:ln cap="flat" cmpd="sng" w="9525">
+          <a:ln w="9525" cap="flat" cmpd="sng">
             <a:solidFill>
               <a:srgbClr val="00FDC8"/>
             </a:solidFill>
             <a:prstDash val="solid"/>
             <a:round/>
-            <a:headEnd len="sm" w="sm" type="none"/>
-            <a:tailEnd len="sm" w="sm" type="none"/>
+            <a:headEnd type="none" w="sm" len="sm"/>
+            <a:tailEnd type="none" w="sm" len="sm"/>
           </a:ln>
         </p:spPr>
         <p:txBody>
-          <a:bodyPr anchorCtr="0" anchor="ctr" bIns="91425" lIns="91425" spcFirstLastPara="1" rIns="91425" wrap="square" tIns="91425">
+          <a:bodyPr spcFirstLastPara="1" wrap="square" lIns="91425" tIns="91425" rIns="91425" bIns="91425" anchor="ctr" anchorCtr="0">
             <a:noAutofit/>
           </a:bodyPr>
           <a:lstStyle/>
           <a:p>
-            <a:pPr indent="0" lvl="0" marL="0" rtl="0" algn="l">
+            <a:pPr marL="0" lvl="0" indent="0" algn="l" rtl="0">
               <a:spcBef>
                 <a:spcPts val="0"/>
               </a:spcBef>
@@ -8214,9 +7675,6 @@
               </a:spcAft>
               <a:buNone/>
             </a:pPr>
-            <a:r>
-              <a:t/>
-            </a:r>
             <a:endParaRPr/>
           </a:p>
         </p:txBody>
@@ -8241,12 +7699,12 @@
           </a:ln>
         </p:spPr>
         <p:txBody>
-          <a:bodyPr anchorCtr="0" anchor="ctr" bIns="91425" lIns="91425" spcFirstLastPara="1" rIns="91425" wrap="square" tIns="91425">
+          <a:bodyPr spcFirstLastPara="1" wrap="square" lIns="91425" tIns="91425" rIns="91425" bIns="91425" anchor="ctr" anchorCtr="0">
             <a:noAutofit/>
           </a:bodyPr>
           <a:lstStyle/>
           <a:p>
-            <a:pPr indent="0" lvl="0" marL="0" rtl="0" algn="ctr">
+            <a:pPr marL="0" lvl="0" indent="0" algn="ctr" rtl="0">
               <a:lnSpc>
                 <a:spcPct val="90000"/>
               </a:lnSpc>
@@ -8260,14 +7718,14 @@
               <a:buNone/>
             </a:pPr>
             <a:r>
-              <a:rPr b="1" lang="en" sz="2800">
+              <a:rPr lang="en" sz="2800" b="1">
                 <a:solidFill>
                   <a:schemeClr val="accent2"/>
                 </a:solidFill>
               </a:rPr>
               <a:t>Data Validation and Data Transformation</a:t>
             </a:r>
-            <a:endParaRPr b="1" sz="2800">
+            <a:endParaRPr sz="2800" b="1">
               <a:solidFill>
                 <a:schemeClr val="accent2"/>
               </a:solidFill>
@@ -8288,29 +7746,29 @@
           </a:xfrm>
           <a:prstGeom prst="roundRect">
             <a:avLst>
-              <a:gd fmla="val 16667" name="adj"/>
+              <a:gd name="adj" fmla="val 16667"/>
             </a:avLst>
           </a:prstGeom>
           <a:solidFill>
             <a:schemeClr val="dk1"/>
           </a:solidFill>
-          <a:ln cap="flat" cmpd="sng" w="9525">
+          <a:ln w="9525" cap="flat" cmpd="sng">
             <a:solidFill>
               <a:schemeClr val="dk2"/>
             </a:solidFill>
             <a:prstDash val="solid"/>
             <a:round/>
-            <a:headEnd len="sm" w="sm" type="none"/>
-            <a:tailEnd len="sm" w="sm" type="none"/>
+            <a:headEnd type="none" w="sm" len="sm"/>
+            <a:tailEnd type="none" w="sm" len="sm"/>
           </a:ln>
         </p:spPr>
         <p:txBody>
-          <a:bodyPr anchorCtr="0" anchor="ctr" bIns="91425" lIns="91425" spcFirstLastPara="1" rIns="91425" wrap="square" tIns="91425">
+          <a:bodyPr spcFirstLastPara="1" wrap="square" lIns="91425" tIns="91425" rIns="91425" bIns="91425" anchor="ctr" anchorCtr="0">
             <a:noAutofit/>
           </a:bodyPr>
           <a:lstStyle/>
           <a:p>
-            <a:pPr indent="0" lvl="0" marL="0" rtl="0" algn="ctr">
+            <a:pPr marL="0" lvl="0" indent="0" algn="ctr" rtl="0">
               <a:spcBef>
                 <a:spcPts val="0"/>
               </a:spcBef>
@@ -8320,7 +7778,7 @@
               <a:buNone/>
             </a:pPr>
             <a:r>
-              <a:rPr b="1" lang="en">
+              <a:rPr lang="en" b="1">
                 <a:solidFill>
                   <a:schemeClr val="lt1"/>
                 </a:solidFill>
@@ -8348,29 +7806,29 @@
           </a:xfrm>
           <a:prstGeom prst="roundRect">
             <a:avLst>
-              <a:gd fmla="val 16667" name="adj"/>
+              <a:gd name="adj" fmla="val 16667"/>
             </a:avLst>
           </a:prstGeom>
           <a:solidFill>
             <a:srgbClr val="434343"/>
           </a:solidFill>
-          <a:ln cap="flat" cmpd="sng" w="9525">
+          <a:ln w="9525" cap="flat" cmpd="sng">
             <a:solidFill>
               <a:schemeClr val="dk2"/>
             </a:solidFill>
             <a:prstDash val="solid"/>
             <a:round/>
-            <a:headEnd len="sm" w="sm" type="none"/>
-            <a:tailEnd len="sm" w="sm" type="none"/>
+            <a:headEnd type="none" w="sm" len="sm"/>
+            <a:tailEnd type="none" w="sm" len="sm"/>
           </a:ln>
         </p:spPr>
         <p:txBody>
-          <a:bodyPr anchorCtr="0" anchor="ctr" bIns="91425" lIns="91425" spcFirstLastPara="1" rIns="91425" wrap="square" tIns="91425">
+          <a:bodyPr spcFirstLastPara="1" wrap="square" lIns="91425" tIns="91425" rIns="91425" bIns="91425" anchor="ctr" anchorCtr="0">
             <a:noAutofit/>
           </a:bodyPr>
           <a:lstStyle/>
           <a:p>
-            <a:pPr indent="0" lvl="0" marL="0" rtl="0" algn="ctr">
+            <a:pPr marL="0" lvl="0" indent="0" algn="ctr" rtl="0">
               <a:spcBef>
                 <a:spcPts val="0"/>
               </a:spcBef>
@@ -8380,7 +7838,7 @@
               <a:buNone/>
             </a:pPr>
             <a:r>
-              <a:rPr b="1" lang="en">
+              <a:rPr lang="en" b="1">
                 <a:solidFill>
                   <a:schemeClr val="lt1"/>
                 </a:solidFill>
@@ -8394,7 +7852,7 @@
             </a:endParaRPr>
           </a:p>
           <a:p>
-            <a:pPr indent="0" lvl="0" marL="0" rtl="0" algn="ctr">
+            <a:pPr marL="0" lvl="0" indent="0" algn="ctr" rtl="0">
               <a:spcBef>
                 <a:spcPts val="0"/>
               </a:spcBef>
@@ -8404,7 +7862,7 @@
               <a:buNone/>
             </a:pPr>
             <a:r>
-              <a:rPr b="1" lang="en">
+              <a:rPr lang="en" b="1">
                 <a:solidFill>
                   <a:schemeClr val="lt1"/>
                 </a:solidFill>
@@ -8432,29 +7890,29 @@
           </a:xfrm>
           <a:prstGeom prst="roundRect">
             <a:avLst>
-              <a:gd fmla="val 16667" name="adj"/>
+              <a:gd name="adj" fmla="val 16667"/>
             </a:avLst>
           </a:prstGeom>
           <a:solidFill>
             <a:srgbClr val="666666"/>
           </a:solidFill>
-          <a:ln cap="flat" cmpd="sng" w="9525">
+          <a:ln w="9525" cap="flat" cmpd="sng">
             <a:solidFill>
               <a:schemeClr val="dk2"/>
             </a:solidFill>
             <a:prstDash val="solid"/>
             <a:round/>
-            <a:headEnd len="sm" w="sm" type="none"/>
-            <a:tailEnd len="sm" w="sm" type="none"/>
+            <a:headEnd type="none" w="sm" len="sm"/>
+            <a:tailEnd type="none" w="sm" len="sm"/>
           </a:ln>
         </p:spPr>
         <p:txBody>
-          <a:bodyPr anchorCtr="0" anchor="ctr" bIns="91425" lIns="91425" spcFirstLastPara="1" rIns="91425" wrap="square" tIns="91425">
+          <a:bodyPr spcFirstLastPara="1" wrap="square" lIns="91425" tIns="91425" rIns="91425" bIns="91425" anchor="ctr" anchorCtr="0">
             <a:noAutofit/>
           </a:bodyPr>
           <a:lstStyle/>
           <a:p>
-            <a:pPr indent="0" lvl="0" marL="0" rtl="0" algn="ctr">
+            <a:pPr marL="0" lvl="0" indent="0" algn="ctr" rtl="0">
               <a:lnSpc>
                 <a:spcPct val="115000"/>
               </a:lnSpc>
@@ -8467,7 +7925,7 @@
               <a:buNone/>
             </a:pPr>
             <a:r>
-              <a:rPr b="1" lang="en">
+              <a:rPr lang="en" b="1">
                 <a:solidFill>
                   <a:schemeClr val="lt1"/>
                 </a:solidFill>
@@ -8481,7 +7939,7 @@
             </a:endParaRPr>
           </a:p>
           <a:p>
-            <a:pPr indent="0" lvl="0" marL="0" rtl="0" algn="ctr">
+            <a:pPr marL="0" lvl="0" indent="0" algn="ctr" rtl="0">
               <a:lnSpc>
                 <a:spcPct val="115000"/>
               </a:lnSpc>
@@ -8494,7 +7952,7 @@
               <a:buNone/>
             </a:pPr>
             <a:r>
-              <a:rPr b="1" lang="en">
+              <a:rPr lang="en" b="1">
                 <a:solidFill>
                   <a:schemeClr val="lt1"/>
                 </a:solidFill>
@@ -8518,11 +7976,11 @@
 </file>
 
 <file path=ppt/slides/slide5.xml><?xml version="1.0" encoding="utf-8"?>
-<p:sld xmlns:a="http://schemas.openxmlformats.org/drawingml/2006/main" xmlns:r="http://schemas.openxmlformats.org/officeDocument/2006/relationships" xmlns:mc="http://schemas.openxmlformats.org/markup-compatibility/2006" xmlns:mv="urn:schemas-microsoft-com:mac:vml" xmlns:p="http://schemas.openxmlformats.org/presentationml/2006/main" xmlns:c="http://schemas.openxmlformats.org/drawingml/2006/chart" xmlns:dgm="http://schemas.openxmlformats.org/drawingml/2006/diagram" xmlns:o="urn:schemas-microsoft-com:office:office" xmlns:v="urn:schemas-microsoft-com:vml" xmlns:pvml="urn:schemas-microsoft-com:office:powerpoint" xmlns:com="http://schemas.openxmlformats.org/drawingml/2006/compatibility" xmlns:p14="http://schemas.microsoft.com/office/powerpoint/2010/main" xmlns:p15="http://schemas.microsoft.com/office/powerpoint/2012/main" xmlns:ahyp="http://schemas.microsoft.com/office/drawing/2018/hyperlinkcolor">
+<p:sld xmlns:a="http://schemas.openxmlformats.org/drawingml/2006/main" xmlns:r="http://schemas.openxmlformats.org/officeDocument/2006/relationships" xmlns:p="http://schemas.openxmlformats.org/presentationml/2006/main">
   <p:cSld>
     <p:spTree>
       <p:nvGrpSpPr>
-        <p:cNvPr id="87" name="Shape 87"/>
+        <p:cNvPr id="1" name="Shape 87"/>
         <p:cNvGrpSpPr/>
         <p:nvPr/>
       </p:nvGrpSpPr>
@@ -8559,23 +8017,23 @@
             </a:gsLst>
             <a:lin ang="5400012" scaled="0"/>
           </a:gradFill>
-          <a:ln cap="flat" cmpd="sng" w="9525">
+          <a:ln w="9525" cap="flat" cmpd="sng">
             <a:solidFill>
               <a:srgbClr val="00FDC8"/>
             </a:solidFill>
             <a:prstDash val="solid"/>
             <a:round/>
-            <a:headEnd len="sm" w="sm" type="none"/>
-            <a:tailEnd len="sm" w="sm" type="none"/>
+            <a:headEnd type="none" w="sm" len="sm"/>
+            <a:tailEnd type="none" w="sm" len="sm"/>
           </a:ln>
         </p:spPr>
         <p:txBody>
-          <a:bodyPr anchorCtr="0" anchor="ctr" bIns="91425" lIns="91425" spcFirstLastPara="1" rIns="91425" wrap="square" tIns="91425">
+          <a:bodyPr spcFirstLastPara="1" wrap="square" lIns="91425" tIns="91425" rIns="91425" bIns="91425" anchor="ctr" anchorCtr="0">
             <a:noAutofit/>
           </a:bodyPr>
           <a:lstStyle/>
           <a:p>
-            <a:pPr indent="0" lvl="0" marL="0" rtl="0" algn="l">
+            <a:pPr marL="0" lvl="0" indent="0" algn="l" rtl="0">
               <a:spcBef>
                 <a:spcPts val="0"/>
               </a:spcBef>
@@ -8584,9 +8042,6 @@
               </a:spcAft>
               <a:buNone/>
             </a:pPr>
-            <a:r>
-              <a:t/>
-            </a:r>
             <a:endParaRPr/>
           </a:p>
         </p:txBody>
@@ -8611,12 +8066,12 @@
           </a:ln>
         </p:spPr>
         <p:txBody>
-          <a:bodyPr anchorCtr="0" anchor="ctr" bIns="91425" lIns="91425" spcFirstLastPara="1" rIns="91425" wrap="square" tIns="91425">
+          <a:bodyPr spcFirstLastPara="1" wrap="square" lIns="91425" tIns="91425" rIns="91425" bIns="91425" anchor="ctr" anchorCtr="0">
             <a:noAutofit/>
           </a:bodyPr>
           <a:lstStyle/>
           <a:p>
-            <a:pPr indent="0" lvl="0" marL="0" rtl="0" algn="ctr">
+            <a:pPr marL="0" lvl="0" indent="0" algn="ctr" rtl="0">
               <a:lnSpc>
                 <a:spcPct val="90000"/>
               </a:lnSpc>
@@ -8630,14 +8085,14 @@
               <a:buNone/>
             </a:pPr>
             <a:r>
-              <a:rPr b="1" lang="en" sz="2800">
+              <a:rPr lang="en" sz="2800" b="1">
                 <a:solidFill>
                   <a:schemeClr val="accent2"/>
                 </a:solidFill>
               </a:rPr>
               <a:t>Model Training</a:t>
             </a:r>
-            <a:endParaRPr b="1" sz="2800">
+            <a:endParaRPr sz="2800" b="1">
               <a:solidFill>
                 <a:schemeClr val="accent2"/>
               </a:solidFill>
@@ -8658,29 +8113,29 @@
           </a:xfrm>
           <a:prstGeom prst="roundRect">
             <a:avLst>
-              <a:gd fmla="val 16667" name="adj"/>
+              <a:gd name="adj" fmla="val 16667"/>
             </a:avLst>
           </a:prstGeom>
           <a:solidFill>
             <a:srgbClr val="B6D7A8"/>
           </a:solidFill>
-          <a:ln cap="flat" cmpd="sng" w="9525">
+          <a:ln w="9525" cap="flat" cmpd="sng">
             <a:solidFill>
               <a:srgbClr val="CFE2F3"/>
             </a:solidFill>
             <a:prstDash val="solid"/>
             <a:round/>
-            <a:headEnd len="sm" w="sm" type="none"/>
-            <a:tailEnd len="sm" w="sm" type="none"/>
+            <a:headEnd type="none" w="sm" len="sm"/>
+            <a:tailEnd type="none" w="sm" len="sm"/>
           </a:ln>
         </p:spPr>
         <p:txBody>
-          <a:bodyPr anchorCtr="0" anchor="ctr" bIns="91425" lIns="91425" spcFirstLastPara="1" rIns="91425" wrap="square" tIns="91425">
+          <a:bodyPr spcFirstLastPara="1" wrap="square" lIns="91425" tIns="91425" rIns="91425" bIns="91425" anchor="ctr" anchorCtr="0">
             <a:noAutofit/>
           </a:bodyPr>
           <a:lstStyle/>
           <a:p>
-            <a:pPr indent="0" lvl="0" marL="0" rtl="0" algn="ctr">
+            <a:pPr marL="0" lvl="0" indent="0" algn="ctr" rtl="0">
               <a:lnSpc>
                 <a:spcPct val="115000"/>
               </a:lnSpc>
@@ -8693,14 +8148,14 @@
               <a:buNone/>
             </a:pPr>
             <a:r>
-              <a:rPr b="1" lang="en" sz="2000">
+              <a:rPr lang="en" sz="2000" b="1">
                 <a:solidFill>
                   <a:schemeClr val="dk1"/>
                 </a:solidFill>
               </a:rPr>
               <a:t>Data Pre-processing</a:t>
             </a:r>
-            <a:endParaRPr b="1" sz="2000">
+            <a:endParaRPr sz="2000" b="1">
               <a:solidFill>
                 <a:schemeClr val="dk1"/>
               </a:solidFill>
@@ -8721,29 +8176,29 @@
           </a:xfrm>
           <a:prstGeom prst="roundRect">
             <a:avLst>
-              <a:gd fmla="val 16667" name="adj"/>
+              <a:gd name="adj" fmla="val 16667"/>
             </a:avLst>
           </a:prstGeom>
           <a:solidFill>
             <a:srgbClr val="93C47D"/>
           </a:solidFill>
-          <a:ln cap="flat" cmpd="sng" w="9525">
+          <a:ln w="9525" cap="flat" cmpd="sng">
             <a:solidFill>
               <a:srgbClr val="00FFFF"/>
             </a:solidFill>
             <a:prstDash val="solid"/>
             <a:round/>
-            <a:headEnd len="sm" w="sm" type="none"/>
-            <a:tailEnd len="sm" w="sm" type="none"/>
+            <a:headEnd type="none" w="sm" len="sm"/>
+            <a:tailEnd type="none" w="sm" len="sm"/>
           </a:ln>
         </p:spPr>
         <p:txBody>
-          <a:bodyPr anchorCtr="0" anchor="ctr" bIns="91425" lIns="91425" spcFirstLastPara="1" rIns="91425" wrap="square" tIns="91425">
+          <a:bodyPr spcFirstLastPara="1" wrap="square" lIns="91425" tIns="91425" rIns="91425" bIns="91425" anchor="ctr" anchorCtr="0">
             <a:noAutofit/>
           </a:bodyPr>
           <a:lstStyle/>
           <a:p>
-            <a:pPr indent="-323850" lvl="0" marL="457200" rtl="0" algn="l">
+            <a:pPr marL="457200" lvl="0" indent="-323850" algn="l" rtl="0">
               <a:lnSpc>
                 <a:spcPct val="150000"/>
               </a:lnSpc>
@@ -8760,21 +8215,21 @@
               <a:buChar char="●"/>
             </a:pPr>
             <a:r>
-              <a:rPr b="1" lang="en" sz="1500">
+              <a:rPr lang="en" sz="1500" b="1">
                 <a:solidFill>
                   <a:schemeClr val="dk1"/>
                 </a:solidFill>
               </a:rPr>
               <a:t>Performing EDA to get insights of the data.</a:t>
             </a:r>
-            <a:endParaRPr b="1" sz="1500">
+            <a:endParaRPr sz="1500" b="1">
               <a:solidFill>
                 <a:schemeClr val="dk1"/>
               </a:solidFill>
             </a:endParaRPr>
           </a:p>
           <a:p>
-            <a:pPr indent="-323850" lvl="0" marL="457200" rtl="0" algn="l">
+            <a:pPr marL="457200" lvl="0" indent="-323850" algn="l" rtl="0">
               <a:lnSpc>
                 <a:spcPct val="150000"/>
               </a:lnSpc>
@@ -8791,21 +8246,21 @@
               <a:buChar char="●"/>
             </a:pPr>
             <a:r>
-              <a:rPr b="1" lang="en" sz="1500">
+              <a:rPr lang="en" sz="1500" b="1">
                 <a:solidFill>
                   <a:schemeClr val="dk1"/>
                 </a:solidFill>
               </a:rPr>
               <a:t>Imputing any Null values if present.</a:t>
             </a:r>
-            <a:endParaRPr b="1" sz="1500">
+            <a:endParaRPr sz="1500" b="1">
               <a:solidFill>
                 <a:schemeClr val="dk1"/>
               </a:solidFill>
             </a:endParaRPr>
           </a:p>
           <a:p>
-            <a:pPr indent="-323850" lvl="0" marL="457200" rtl="0" algn="l">
+            <a:pPr marL="457200" lvl="0" indent="-323850" algn="l" rtl="0">
               <a:lnSpc>
                 <a:spcPct val="150000"/>
               </a:lnSpc>
@@ -8822,21 +8277,21 @@
               <a:buChar char="●"/>
             </a:pPr>
             <a:r>
-              <a:rPr b="1" lang="en" sz="1500">
+              <a:rPr lang="en" sz="1500" b="1">
                 <a:solidFill>
                   <a:schemeClr val="dk1"/>
                 </a:solidFill>
               </a:rPr>
               <a:t>Treating Outliers if any</a:t>
             </a:r>
-            <a:endParaRPr b="1" sz="1500">
+            <a:endParaRPr sz="1500" b="1">
               <a:solidFill>
                 <a:schemeClr val="dk1"/>
               </a:solidFill>
             </a:endParaRPr>
           </a:p>
           <a:p>
-            <a:pPr indent="-323850" lvl="0" marL="457200" rtl="0" algn="l">
+            <a:pPr marL="457200" lvl="0" indent="-323850" algn="l" rtl="0">
               <a:lnSpc>
                 <a:spcPct val="150000"/>
               </a:lnSpc>
@@ -8853,21 +8308,21 @@
               <a:buChar char="●"/>
             </a:pPr>
             <a:r>
-              <a:rPr b="1" lang="en" sz="1500">
+              <a:rPr lang="en" sz="1500" b="1">
                 <a:solidFill>
                   <a:schemeClr val="dk1"/>
                 </a:solidFill>
               </a:rPr>
               <a:t>Encoding the categorical features/columns.</a:t>
             </a:r>
-            <a:endParaRPr b="1" sz="1500">
+            <a:endParaRPr sz="1500" b="1">
               <a:solidFill>
                 <a:schemeClr val="dk1"/>
               </a:solidFill>
             </a:endParaRPr>
           </a:p>
           <a:p>
-            <a:pPr indent="-323850" lvl="0" marL="457200" rtl="0" algn="l">
+            <a:pPr marL="457200" lvl="0" indent="-323850" algn="l" rtl="0">
               <a:lnSpc>
                 <a:spcPct val="150000"/>
               </a:lnSpc>
@@ -8884,14 +8339,14 @@
               <a:buChar char="●"/>
             </a:pPr>
             <a:r>
-              <a:rPr b="1" lang="en" sz="1500">
+              <a:rPr lang="en" sz="1500" b="1">
                 <a:solidFill>
                   <a:schemeClr val="dk1"/>
                 </a:solidFill>
               </a:rPr>
               <a:t>Performing K best selection to select features with high importance.</a:t>
             </a:r>
-            <a:endParaRPr b="1" sz="1500">
+            <a:endParaRPr sz="1500" b="1">
               <a:solidFill>
                 <a:schemeClr val="dk1"/>
               </a:solidFill>
@@ -8908,11 +8363,11 @@
 </file>
 
 <file path=ppt/slides/slide6.xml><?xml version="1.0" encoding="utf-8"?>
-<p:sld xmlns:a="http://schemas.openxmlformats.org/drawingml/2006/main" xmlns:r="http://schemas.openxmlformats.org/officeDocument/2006/relationships" xmlns:mc="http://schemas.openxmlformats.org/markup-compatibility/2006" xmlns:mv="urn:schemas-microsoft-com:mac:vml" xmlns:p="http://schemas.openxmlformats.org/presentationml/2006/main" xmlns:c="http://schemas.openxmlformats.org/drawingml/2006/chart" xmlns:dgm="http://schemas.openxmlformats.org/drawingml/2006/diagram" xmlns:o="urn:schemas-microsoft-com:office:office" xmlns:v="urn:schemas-microsoft-com:vml" xmlns:pvml="urn:schemas-microsoft-com:office:powerpoint" xmlns:com="http://schemas.openxmlformats.org/drawingml/2006/compatibility" xmlns:p14="http://schemas.microsoft.com/office/powerpoint/2010/main" xmlns:p15="http://schemas.microsoft.com/office/powerpoint/2012/main" xmlns:ahyp="http://schemas.microsoft.com/office/drawing/2018/hyperlinkcolor">
+<p:sld xmlns:a="http://schemas.openxmlformats.org/drawingml/2006/main" xmlns:r="http://schemas.openxmlformats.org/officeDocument/2006/relationships" xmlns:p="http://schemas.openxmlformats.org/presentationml/2006/main">
   <p:cSld>
     <p:spTree>
       <p:nvGrpSpPr>
-        <p:cNvPr id="95" name="Shape 95"/>
+        <p:cNvPr id="1" name="Shape 95"/>
         <p:cNvGrpSpPr/>
         <p:nvPr/>
       </p:nvGrpSpPr>
@@ -8949,23 +8404,23 @@
             </a:gsLst>
             <a:lin ang="5400012" scaled="0"/>
           </a:gradFill>
-          <a:ln cap="flat" cmpd="sng" w="9525">
+          <a:ln w="9525" cap="flat" cmpd="sng">
             <a:solidFill>
               <a:srgbClr val="00FDC8"/>
             </a:solidFill>
             <a:prstDash val="solid"/>
             <a:round/>
-            <a:headEnd len="sm" w="sm" type="none"/>
-            <a:tailEnd len="sm" w="sm" type="none"/>
+            <a:headEnd type="none" w="sm" len="sm"/>
+            <a:tailEnd type="none" w="sm" len="sm"/>
           </a:ln>
         </p:spPr>
         <p:txBody>
-          <a:bodyPr anchorCtr="0" anchor="ctr" bIns="91425" lIns="91425" spcFirstLastPara="1" rIns="91425" wrap="square" tIns="91425">
+          <a:bodyPr spcFirstLastPara="1" wrap="square" lIns="91425" tIns="91425" rIns="91425" bIns="91425" anchor="ctr" anchorCtr="0">
             <a:noAutofit/>
           </a:bodyPr>
           <a:lstStyle/>
           <a:p>
-            <a:pPr indent="0" lvl="0" marL="0" rtl="0" algn="l">
+            <a:pPr marL="0" lvl="0" indent="0" algn="l" rtl="0">
               <a:spcBef>
                 <a:spcPts val="0"/>
               </a:spcBef>
@@ -8974,9 +8429,6 @@
               </a:spcAft>
               <a:buNone/>
             </a:pPr>
-            <a:r>
-              <a:t/>
-            </a:r>
             <a:endParaRPr/>
           </a:p>
         </p:txBody>
@@ -9001,12 +8453,12 @@
           </a:ln>
         </p:spPr>
         <p:txBody>
-          <a:bodyPr anchorCtr="0" anchor="ctr" bIns="91425" lIns="91425" spcFirstLastPara="1" rIns="91425" wrap="square" tIns="91425">
+          <a:bodyPr spcFirstLastPara="1" wrap="square" lIns="91425" tIns="91425" rIns="91425" bIns="91425" anchor="ctr" anchorCtr="0">
             <a:noAutofit/>
           </a:bodyPr>
           <a:lstStyle/>
           <a:p>
-            <a:pPr indent="0" lvl="0" marL="0" rtl="0" algn="ctr">
+            <a:pPr marL="0" lvl="0" indent="0" algn="ctr" rtl="0">
               <a:lnSpc>
                 <a:spcPct val="90000"/>
               </a:lnSpc>
@@ -9020,14 +8472,14 @@
               <a:buNone/>
             </a:pPr>
             <a:r>
-              <a:rPr b="1" lang="en" sz="2800">
+              <a:rPr lang="en" sz="2800" b="1">
                 <a:solidFill>
                   <a:schemeClr val="accent2"/>
                 </a:solidFill>
               </a:rPr>
               <a:t>Model Selection</a:t>
             </a:r>
-            <a:endParaRPr b="1" sz="2800">
+            <a:endParaRPr sz="2800" b="1">
               <a:solidFill>
                 <a:schemeClr val="accent2"/>
               </a:solidFill>
@@ -9048,29 +8500,29 @@
           </a:xfrm>
           <a:prstGeom prst="roundRect">
             <a:avLst>
-              <a:gd fmla="val 16667" name="adj"/>
+              <a:gd name="adj" fmla="val 16667"/>
             </a:avLst>
           </a:prstGeom>
           <a:solidFill>
             <a:schemeClr val="dk2"/>
           </a:solidFill>
-          <a:ln cap="flat" cmpd="sng" w="9525">
+          <a:ln w="9525" cap="flat" cmpd="sng">
             <a:solidFill>
               <a:srgbClr val="00FFFF"/>
             </a:solidFill>
             <a:prstDash val="solid"/>
             <a:round/>
-            <a:headEnd len="sm" w="sm" type="none"/>
-            <a:tailEnd len="sm" w="sm" type="none"/>
+            <a:headEnd type="none" w="sm" len="sm"/>
+            <a:tailEnd type="none" w="sm" len="sm"/>
           </a:ln>
         </p:spPr>
         <p:txBody>
-          <a:bodyPr anchorCtr="0" anchor="ctr" bIns="91425" lIns="91425" spcFirstLastPara="1" rIns="91425" wrap="square" tIns="91425">
+          <a:bodyPr spcFirstLastPara="1" wrap="square" lIns="91425" tIns="91425" rIns="91425" bIns="91425" anchor="ctr" anchorCtr="0">
             <a:noAutofit/>
           </a:bodyPr>
           <a:lstStyle/>
           <a:p>
-            <a:pPr indent="0" lvl="0" marL="457200" rtl="0" algn="just">
+            <a:pPr marL="457200" lvl="0" indent="0" algn="just" rtl="0">
               <a:lnSpc>
                 <a:spcPct val="90000"/>
               </a:lnSpc>
@@ -9083,14 +8535,14 @@
               <a:buNone/>
             </a:pPr>
             <a:r>
-              <a:rPr b="1" lang="en" sz="1600">
+              <a:rPr lang="en" sz="1600" b="1">
                 <a:solidFill>
                   <a:schemeClr val="lt1"/>
                 </a:solidFill>
               </a:rPr>
               <a:t>After pre-processing and model training, we find the best model for prediction. The model is trained on multiple Classification algorithms like Logistic Regression, Decision Tree, etc. After prediction, we will find the best model using evaluation metrics like Confusion Matrix and ROC-AUC.</a:t>
             </a:r>
-            <a:endParaRPr b="1" sz="1600">
+            <a:endParaRPr sz="1600" b="1">
               <a:solidFill>
                 <a:schemeClr val="lt1"/>
               </a:solidFill>
@@ -9107,11 +8559,11 @@
 </file>
 
 <file path=ppt/slides/slide7.xml><?xml version="1.0" encoding="utf-8"?>
-<p:sld xmlns:a="http://schemas.openxmlformats.org/drawingml/2006/main" xmlns:r="http://schemas.openxmlformats.org/officeDocument/2006/relationships" xmlns:mc="http://schemas.openxmlformats.org/markup-compatibility/2006" xmlns:mv="urn:schemas-microsoft-com:mac:vml" xmlns:p="http://schemas.openxmlformats.org/presentationml/2006/main" xmlns:c="http://schemas.openxmlformats.org/drawingml/2006/chart" xmlns:dgm="http://schemas.openxmlformats.org/drawingml/2006/diagram" xmlns:o="urn:schemas-microsoft-com:office:office" xmlns:v="urn:schemas-microsoft-com:vml" xmlns:pvml="urn:schemas-microsoft-com:office:powerpoint" xmlns:com="http://schemas.openxmlformats.org/drawingml/2006/compatibility" xmlns:p14="http://schemas.microsoft.com/office/powerpoint/2010/main" xmlns:p15="http://schemas.microsoft.com/office/powerpoint/2012/main" xmlns:ahyp="http://schemas.microsoft.com/office/drawing/2018/hyperlinkcolor">
+<p:sld xmlns:a="http://schemas.openxmlformats.org/drawingml/2006/main" xmlns:r="http://schemas.openxmlformats.org/officeDocument/2006/relationships" xmlns:p="http://schemas.openxmlformats.org/presentationml/2006/main">
   <p:cSld>
     <p:spTree>
       <p:nvGrpSpPr>
-        <p:cNvPr id="102" name="Shape 102"/>
+        <p:cNvPr id="1" name="Shape 102"/>
         <p:cNvGrpSpPr/>
         <p:nvPr/>
       </p:nvGrpSpPr>
@@ -9147,27 +8599,27 @@
               </a:gs>
             </a:gsLst>
             <a:path path="circle">
-              <a:fillToRect b="50%" l="50%" r="50%" t="50%"/>
+              <a:fillToRect l="50000" t="50000" r="50000" b="50000"/>
             </a:path>
             <a:tileRect/>
           </a:gradFill>
-          <a:ln cap="flat" cmpd="sng" w="9525">
+          <a:ln w="9525" cap="flat" cmpd="sng">
             <a:solidFill>
               <a:srgbClr val="00FDC8"/>
             </a:solidFill>
             <a:prstDash val="solid"/>
             <a:round/>
-            <a:headEnd len="sm" w="sm" type="none"/>
-            <a:tailEnd len="sm" w="sm" type="none"/>
+            <a:headEnd type="none" w="sm" len="sm"/>
+            <a:tailEnd type="none" w="sm" len="sm"/>
           </a:ln>
         </p:spPr>
         <p:txBody>
-          <a:bodyPr anchorCtr="0" anchor="ctr" bIns="91425" lIns="91425" spcFirstLastPara="1" rIns="91425" wrap="square" tIns="91425">
+          <a:bodyPr spcFirstLastPara="1" wrap="square" lIns="91425" tIns="91425" rIns="91425" bIns="91425" anchor="ctr" anchorCtr="0">
             <a:noAutofit/>
           </a:bodyPr>
           <a:lstStyle/>
           <a:p>
-            <a:pPr indent="0" lvl="0" marL="0" rtl="0" algn="l">
+            <a:pPr marL="0" lvl="0" indent="0" algn="l" rtl="0">
               <a:spcBef>
                 <a:spcPts val="0"/>
               </a:spcBef>
@@ -9176,9 +8628,6 @@
               </a:spcAft>
               <a:buNone/>
             </a:pPr>
-            <a:r>
-              <a:t/>
-            </a:r>
             <a:endParaRPr/>
           </a:p>
         </p:txBody>
@@ -9203,12 +8652,12 @@
           </a:ln>
         </p:spPr>
         <p:txBody>
-          <a:bodyPr anchorCtr="0" anchor="ctr" bIns="91425" lIns="91425" spcFirstLastPara="1" rIns="91425" wrap="square" tIns="91425">
+          <a:bodyPr spcFirstLastPara="1" wrap="square" lIns="91425" tIns="91425" rIns="91425" bIns="91425" anchor="ctr" anchorCtr="0">
             <a:noAutofit/>
           </a:bodyPr>
           <a:lstStyle/>
           <a:p>
-            <a:pPr indent="0" lvl="0" marL="0" rtl="0" algn="ctr">
+            <a:pPr marL="0" lvl="0" indent="0" algn="ctr" rtl="0">
               <a:lnSpc>
                 <a:spcPct val="90000"/>
               </a:lnSpc>
@@ -9222,14 +8671,14 @@
               <a:buNone/>
             </a:pPr>
             <a:r>
-              <a:rPr b="1" lang="en" sz="2800">
+              <a:rPr lang="en" sz="2800" b="1">
                 <a:solidFill>
                   <a:schemeClr val="accent2"/>
                 </a:solidFill>
               </a:rPr>
               <a:t>Model Selection</a:t>
             </a:r>
-            <a:endParaRPr b="1" sz="2800">
+            <a:endParaRPr sz="2800" b="1">
               <a:solidFill>
                 <a:schemeClr val="accent2"/>
               </a:solidFill>
@@ -9250,29 +8699,29 @@
           </a:xfrm>
           <a:prstGeom prst="roundRect">
             <a:avLst>
-              <a:gd fmla="val 16667" name="adj"/>
+              <a:gd name="adj" fmla="val 16667"/>
             </a:avLst>
           </a:prstGeom>
           <a:solidFill>
             <a:schemeClr val="dk2"/>
           </a:solidFill>
-          <a:ln cap="flat" cmpd="sng" w="9525">
+          <a:ln w="9525" cap="flat" cmpd="sng">
             <a:solidFill>
               <a:srgbClr val="00FFFF"/>
             </a:solidFill>
             <a:prstDash val="solid"/>
             <a:round/>
-            <a:headEnd len="sm" w="sm" type="none"/>
-            <a:tailEnd len="sm" w="sm" type="none"/>
+            <a:headEnd type="none" w="sm" len="sm"/>
+            <a:tailEnd type="none" w="sm" len="sm"/>
           </a:ln>
         </p:spPr>
         <p:txBody>
-          <a:bodyPr anchorCtr="0" anchor="ctr" bIns="91425" lIns="91425" spcFirstLastPara="1" rIns="91425" wrap="square" tIns="91425">
+          <a:bodyPr spcFirstLastPara="1" wrap="square" lIns="91425" tIns="91425" rIns="91425" bIns="91425" anchor="ctr" anchorCtr="0">
             <a:noAutofit/>
           </a:bodyPr>
           <a:lstStyle/>
           <a:p>
-            <a:pPr indent="0" lvl="0" marL="457200" rtl="0" algn="just">
+            <a:pPr marL="457200" lvl="0" indent="0" algn="just" rtl="0">
               <a:lnSpc>
                 <a:spcPct val="90000"/>
               </a:lnSpc>
@@ -9285,14 +8734,14 @@
               <a:buNone/>
             </a:pPr>
             <a:r>
-              <a:rPr b="1" lang="en" sz="1600">
+              <a:rPr lang="en" sz="1600" b="1">
                 <a:solidFill>
                   <a:schemeClr val="lt1"/>
                 </a:solidFill>
               </a:rPr>
               <a:t>After pre-processing and model training, we find the best model for prediction. The model is trained on multiple Classification algorithms like Logistic Regression, Decision Tree, XGBoost  etc. After prediction, we will find the best model using evaluation metrics like Confusion Matrix and ROC-AUC.</a:t>
             </a:r>
-            <a:endParaRPr b="1" sz="1600">
+            <a:endParaRPr sz="1600" b="1">
               <a:solidFill>
                 <a:schemeClr val="lt1"/>
               </a:solidFill>
@@ -9309,11 +8758,11 @@
 </file>
 
 <file path=ppt/slides/slide8.xml><?xml version="1.0" encoding="utf-8"?>
-<p:sld xmlns:a="http://schemas.openxmlformats.org/drawingml/2006/main" xmlns:r="http://schemas.openxmlformats.org/officeDocument/2006/relationships" xmlns:mc="http://schemas.openxmlformats.org/markup-compatibility/2006" xmlns:mv="urn:schemas-microsoft-com:mac:vml" xmlns:p="http://schemas.openxmlformats.org/presentationml/2006/main" xmlns:c="http://schemas.openxmlformats.org/drawingml/2006/chart" xmlns:dgm="http://schemas.openxmlformats.org/drawingml/2006/diagram" xmlns:o="urn:schemas-microsoft-com:office:office" xmlns:v="urn:schemas-microsoft-com:vml" xmlns:pvml="urn:schemas-microsoft-com:office:powerpoint" xmlns:com="http://schemas.openxmlformats.org/drawingml/2006/compatibility" xmlns:p14="http://schemas.microsoft.com/office/powerpoint/2010/main" xmlns:p15="http://schemas.microsoft.com/office/powerpoint/2012/main" xmlns:ahyp="http://schemas.microsoft.com/office/drawing/2018/hyperlinkcolor">
+<p:sld xmlns:a="http://schemas.openxmlformats.org/drawingml/2006/main" xmlns:r="http://schemas.openxmlformats.org/officeDocument/2006/relationships" xmlns:p="http://schemas.openxmlformats.org/presentationml/2006/main">
   <p:cSld>
     <p:spTree>
       <p:nvGrpSpPr>
-        <p:cNvPr id="109" name="Shape 109"/>
+        <p:cNvPr id="1" name="Shape 109"/>
         <p:cNvGrpSpPr/>
         <p:nvPr/>
       </p:nvGrpSpPr>
@@ -9350,23 +8799,23 @@
             </a:gsLst>
             <a:lin ang="5400012" scaled="0"/>
           </a:gradFill>
-          <a:ln cap="flat" cmpd="sng" w="9525">
+          <a:ln w="9525" cap="flat" cmpd="sng">
             <a:solidFill>
               <a:srgbClr val="00FDC8"/>
             </a:solidFill>
             <a:prstDash val="solid"/>
             <a:round/>
-            <a:headEnd len="sm" w="sm" type="none"/>
-            <a:tailEnd len="sm" w="sm" type="none"/>
+            <a:headEnd type="none" w="sm" len="sm"/>
+            <a:tailEnd type="none" w="sm" len="sm"/>
           </a:ln>
         </p:spPr>
         <p:txBody>
-          <a:bodyPr anchorCtr="0" anchor="ctr" bIns="91425" lIns="91425" spcFirstLastPara="1" rIns="91425" wrap="square" tIns="91425">
+          <a:bodyPr spcFirstLastPara="1" wrap="square" lIns="91425" tIns="91425" rIns="91425" bIns="91425" anchor="ctr" anchorCtr="0">
             <a:noAutofit/>
           </a:bodyPr>
           <a:lstStyle/>
           <a:p>
-            <a:pPr indent="0" lvl="0" marL="0" rtl="0" algn="l">
+            <a:pPr marL="0" lvl="0" indent="0" algn="l" rtl="0">
               <a:spcBef>
                 <a:spcPts val="0"/>
               </a:spcBef>
@@ -9375,9 +8824,6 @@
               </a:spcAft>
               <a:buNone/>
             </a:pPr>
-            <a:r>
-              <a:t/>
-            </a:r>
             <a:endParaRPr/>
           </a:p>
         </p:txBody>
@@ -9402,12 +8848,12 @@
           </a:ln>
         </p:spPr>
         <p:txBody>
-          <a:bodyPr anchorCtr="0" anchor="ctr" bIns="91425" lIns="91425" spcFirstLastPara="1" rIns="91425" wrap="square" tIns="91425">
+          <a:bodyPr spcFirstLastPara="1" wrap="square" lIns="91425" tIns="91425" rIns="91425" bIns="91425" anchor="ctr" anchorCtr="0">
             <a:noAutofit/>
           </a:bodyPr>
           <a:lstStyle/>
           <a:p>
-            <a:pPr indent="0" lvl="0" marL="0" rtl="0" algn="ctr">
+            <a:pPr marL="0" lvl="0" indent="0" algn="ctr" rtl="0">
               <a:lnSpc>
                 <a:spcPct val="90000"/>
               </a:lnSpc>
@@ -9421,14 +8867,14 @@
               <a:buNone/>
             </a:pPr>
             <a:r>
-              <a:rPr b="1" lang="en" sz="2800">
+              <a:rPr lang="en" sz="2800" b="1">
                 <a:solidFill>
                   <a:schemeClr val="accent2"/>
                 </a:solidFill>
               </a:rPr>
               <a:t>QnA</a:t>
             </a:r>
-            <a:endParaRPr b="1" sz="2800">
+            <a:endParaRPr sz="2800" b="1">
               <a:solidFill>
                 <a:schemeClr val="accent2"/>
               </a:solidFill>
@@ -9449,29 +8895,29 @@
           </a:xfrm>
           <a:prstGeom prst="roundRect">
             <a:avLst>
-              <a:gd fmla="val 16667" name="adj"/>
+              <a:gd name="adj" fmla="val 16667"/>
             </a:avLst>
           </a:prstGeom>
           <a:solidFill>
             <a:schemeClr val="dk1"/>
           </a:solidFill>
-          <a:ln cap="flat" cmpd="sng" w="9525">
+          <a:ln w="9525" cap="flat" cmpd="sng">
             <a:solidFill>
               <a:schemeClr val="dk2"/>
             </a:solidFill>
             <a:prstDash val="solid"/>
             <a:round/>
-            <a:headEnd len="sm" w="sm" type="none"/>
-            <a:tailEnd len="sm" w="sm" type="none"/>
+            <a:headEnd type="none" w="sm" len="sm"/>
+            <a:tailEnd type="none" w="sm" len="sm"/>
           </a:ln>
         </p:spPr>
         <p:txBody>
-          <a:bodyPr anchorCtr="0" anchor="ctr" bIns="91425" lIns="91425" spcFirstLastPara="1" rIns="91425" wrap="square" tIns="91425">
+          <a:bodyPr spcFirstLastPara="1" wrap="square" lIns="91425" tIns="91425" rIns="91425" bIns="91425" anchor="ctr" anchorCtr="0">
             <a:noAutofit/>
           </a:bodyPr>
           <a:lstStyle/>
           <a:p>
-            <a:pPr indent="0" lvl="0" marL="0" rtl="0" algn="just">
+            <a:pPr marL="0" lvl="0" indent="0" algn="just" rtl="0">
               <a:lnSpc>
                 <a:spcPct val="90000"/>
               </a:lnSpc>
@@ -9489,21 +8935,21 @@
               <a:buNone/>
             </a:pPr>
             <a:r>
-              <a:rPr b="1" lang="en" sz="1200">
+              <a:rPr lang="en" sz="1200" b="1">
                 <a:solidFill>
                   <a:schemeClr val="lt1"/>
                 </a:solidFill>
               </a:rPr>
               <a:t>Q1) What is the source data?</a:t>
             </a:r>
-            <a:endParaRPr b="1" sz="1200">
+            <a:endParaRPr sz="1200" b="1">
               <a:solidFill>
                 <a:schemeClr val="lt1"/>
               </a:solidFill>
             </a:endParaRPr>
           </a:p>
           <a:p>
-            <a:pPr indent="0" lvl="0" marL="457200" rtl="0" algn="just">
+            <a:pPr marL="457200" lvl="0" indent="0" algn="just" rtl="0">
               <a:lnSpc>
                 <a:spcPct val="90000"/>
               </a:lnSpc>
@@ -9523,7 +8969,7 @@
               </a:rPr>
               <a:t>The source of the data is Kaggle. The data is in the form of a ‘CSV’ file.</a:t>
             </a:r>
-            <a:endParaRPr b="1" sz="1200">
+            <a:endParaRPr sz="1200" b="1">
               <a:solidFill>
                 <a:schemeClr val="lt1"/>
               </a:solidFill>
@@ -9544,29 +8990,29 @@
           </a:xfrm>
           <a:prstGeom prst="roundRect">
             <a:avLst>
-              <a:gd fmla="val 16667" name="adj"/>
+              <a:gd name="adj" fmla="val 16667"/>
             </a:avLst>
           </a:prstGeom>
           <a:solidFill>
             <a:srgbClr val="434343"/>
           </a:solidFill>
-          <a:ln cap="flat" cmpd="sng" w="9525">
+          <a:ln w="9525" cap="flat" cmpd="sng">
             <a:solidFill>
               <a:schemeClr val="dk2"/>
             </a:solidFill>
             <a:prstDash val="solid"/>
             <a:round/>
-            <a:headEnd len="sm" w="sm" type="none"/>
-            <a:tailEnd len="sm" w="sm" type="none"/>
+            <a:headEnd type="none" w="sm" len="sm"/>
+            <a:tailEnd type="none" w="sm" len="sm"/>
           </a:ln>
         </p:spPr>
         <p:txBody>
-          <a:bodyPr anchorCtr="0" anchor="ctr" bIns="91425" lIns="91425" spcFirstLastPara="1" rIns="91425" wrap="square" tIns="91425">
+          <a:bodyPr spcFirstLastPara="1" wrap="square" lIns="91425" tIns="91425" rIns="91425" bIns="91425" anchor="ctr" anchorCtr="0">
             <a:noAutofit/>
           </a:bodyPr>
           <a:lstStyle/>
           <a:p>
-            <a:pPr indent="0" lvl="0" marL="0" rtl="0" algn="just">
+            <a:pPr marL="0" lvl="0" indent="0" algn="just" rtl="0">
               <a:lnSpc>
                 <a:spcPct val="90000"/>
               </a:lnSpc>
@@ -9579,21 +9025,21 @@
               <a:buNone/>
             </a:pPr>
             <a:r>
-              <a:rPr b="1" lang="en" sz="1200">
+              <a:rPr lang="en" sz="1200" b="1">
                 <a:solidFill>
                   <a:schemeClr val="lt1"/>
                 </a:solidFill>
               </a:rPr>
               <a:t>Q2) What was the type of data?</a:t>
             </a:r>
-            <a:endParaRPr b="1" sz="1200">
+            <a:endParaRPr sz="1200" b="1">
               <a:solidFill>
                 <a:schemeClr val="lt1"/>
               </a:solidFill>
             </a:endParaRPr>
           </a:p>
           <a:p>
-            <a:pPr indent="0" lvl="0" marL="457200" rtl="0" algn="just">
+            <a:pPr marL="457200" lvl="0" indent="0" algn="just" rtl="0">
               <a:lnSpc>
                 <a:spcPct val="90000"/>
               </a:lnSpc>
@@ -9613,7 +9059,7 @@
               </a:rPr>
               <a:t>The data was a combination of categorical and numerical values.</a:t>
             </a:r>
-            <a:endParaRPr b="1" sz="1200">
+            <a:endParaRPr sz="1200" b="1">
               <a:solidFill>
                 <a:schemeClr val="lt1"/>
               </a:solidFill>
@@ -9634,29 +9080,29 @@
           </a:xfrm>
           <a:prstGeom prst="roundRect">
             <a:avLst>
-              <a:gd fmla="val 16667" name="adj"/>
+              <a:gd name="adj" fmla="val 16667"/>
             </a:avLst>
           </a:prstGeom>
           <a:solidFill>
             <a:srgbClr val="666666"/>
           </a:solidFill>
-          <a:ln cap="flat" cmpd="sng" w="9525">
+          <a:ln w="9525" cap="flat" cmpd="sng">
             <a:solidFill>
               <a:schemeClr val="dk2"/>
             </a:solidFill>
             <a:prstDash val="solid"/>
             <a:round/>
-            <a:headEnd len="sm" w="sm" type="none"/>
-            <a:tailEnd len="sm" w="sm" type="none"/>
+            <a:headEnd type="none" w="sm" len="sm"/>
+            <a:tailEnd type="none" w="sm" len="sm"/>
           </a:ln>
         </p:spPr>
         <p:txBody>
-          <a:bodyPr anchorCtr="0" anchor="ctr" bIns="91425" lIns="91425" spcFirstLastPara="1" rIns="91425" wrap="square" tIns="91425">
+          <a:bodyPr spcFirstLastPara="1" wrap="square" lIns="91425" tIns="91425" rIns="91425" bIns="91425" anchor="ctr" anchorCtr="0">
             <a:noAutofit/>
           </a:bodyPr>
           <a:lstStyle/>
           <a:p>
-            <a:pPr indent="0" lvl="0" marL="0" rtl="0" algn="just">
+            <a:pPr marL="0" lvl="0" indent="0" algn="just" rtl="0">
               <a:lnSpc>
                 <a:spcPct val="90000"/>
               </a:lnSpc>
@@ -9669,21 +9115,21 @@
               <a:buNone/>
             </a:pPr>
             <a:r>
-              <a:rPr b="1" lang="en" sz="1200">
+              <a:rPr lang="en" sz="1200" b="1">
                 <a:solidFill>
                   <a:schemeClr val="lt1"/>
                 </a:solidFill>
               </a:rPr>
               <a:t>Q3) What’s the complete flow you followed in this project?</a:t>
             </a:r>
-            <a:endParaRPr b="1" sz="1200">
+            <a:endParaRPr sz="1200" b="1">
               <a:solidFill>
                 <a:schemeClr val="lt1"/>
               </a:solidFill>
             </a:endParaRPr>
           </a:p>
           <a:p>
-            <a:pPr indent="0" lvl="0" marL="457200" rtl="0" algn="just">
+            <a:pPr marL="457200" lvl="0" indent="0" algn="just" rtl="0">
               <a:lnSpc>
                 <a:spcPct val="90000"/>
               </a:lnSpc>
@@ -9704,7 +9150,7 @@
               <a:t>Refer to the 3</a:t>
             </a:r>
             <a:r>
-              <a:rPr baseline="30000" lang="en" sz="1200">
+              <a:rPr lang="en" sz="1200" baseline="30000">
                 <a:solidFill>
                   <a:schemeClr val="lt1"/>
                 </a:solidFill>
@@ -9719,7 +9165,7 @@
               </a:rPr>
               <a:t> slide for a better understanding</a:t>
             </a:r>
-            <a:endParaRPr b="1" sz="1200">
+            <a:endParaRPr sz="1200" b="1">
               <a:solidFill>
                 <a:schemeClr val="lt1"/>
               </a:solidFill>
@@ -9736,11 +9182,11 @@
 </file>
 
 <file path=ppt/slides/slide9.xml><?xml version="1.0" encoding="utf-8"?>
-<p:sld xmlns:a="http://schemas.openxmlformats.org/drawingml/2006/main" xmlns:r="http://schemas.openxmlformats.org/officeDocument/2006/relationships" xmlns:mc="http://schemas.openxmlformats.org/markup-compatibility/2006" xmlns:mv="urn:schemas-microsoft-com:mac:vml" xmlns:p="http://schemas.openxmlformats.org/presentationml/2006/main" xmlns:c="http://schemas.openxmlformats.org/drawingml/2006/chart" xmlns:dgm="http://schemas.openxmlformats.org/drawingml/2006/diagram" xmlns:o="urn:schemas-microsoft-com:office:office" xmlns:v="urn:schemas-microsoft-com:vml" xmlns:pvml="urn:schemas-microsoft-com:office:powerpoint" xmlns:com="http://schemas.openxmlformats.org/drawingml/2006/compatibility" xmlns:p14="http://schemas.microsoft.com/office/powerpoint/2010/main" xmlns:p15="http://schemas.microsoft.com/office/powerpoint/2012/main" xmlns:ahyp="http://schemas.microsoft.com/office/drawing/2018/hyperlinkcolor">
+<p:sld xmlns:a="http://schemas.openxmlformats.org/drawingml/2006/main" xmlns:r="http://schemas.openxmlformats.org/officeDocument/2006/relationships" xmlns:p="http://schemas.openxmlformats.org/presentationml/2006/main">
   <p:cSld>
     <p:spTree>
       <p:nvGrpSpPr>
-        <p:cNvPr id="118" name="Shape 118"/>
+        <p:cNvPr id="1" name="Shape 118"/>
         <p:cNvGrpSpPr/>
         <p:nvPr/>
       </p:nvGrpSpPr>
@@ -9777,23 +9223,23 @@
             </a:gsLst>
             <a:lin ang="5400012" scaled="0"/>
           </a:gradFill>
-          <a:ln cap="flat" cmpd="sng" w="9525">
+          <a:ln w="9525" cap="flat" cmpd="sng">
             <a:solidFill>
               <a:srgbClr val="00FDC8"/>
             </a:solidFill>
             <a:prstDash val="solid"/>
             <a:round/>
-            <a:headEnd len="sm" w="sm" type="none"/>
-            <a:tailEnd len="sm" w="sm" type="none"/>
+            <a:headEnd type="none" w="sm" len="sm"/>
+            <a:tailEnd type="none" w="sm" len="sm"/>
           </a:ln>
         </p:spPr>
         <p:txBody>
-          <a:bodyPr anchorCtr="0" anchor="ctr" bIns="91425" lIns="91425" spcFirstLastPara="1" rIns="91425" wrap="square" tIns="91425">
+          <a:bodyPr spcFirstLastPara="1" wrap="square" lIns="91425" tIns="91425" rIns="91425" bIns="91425" anchor="ctr" anchorCtr="0">
             <a:noAutofit/>
           </a:bodyPr>
           <a:lstStyle/>
           <a:p>
-            <a:pPr indent="0" lvl="0" marL="0" rtl="0" algn="l">
+            <a:pPr marL="0" lvl="0" indent="0" algn="l" rtl="0">
               <a:spcBef>
                 <a:spcPts val="0"/>
               </a:spcBef>
@@ -9802,9 +9248,6 @@
               </a:spcAft>
               <a:buNone/>
             </a:pPr>
-            <a:r>
-              <a:t/>
-            </a:r>
             <a:endParaRPr/>
           </a:p>
         </p:txBody>
@@ -9829,12 +9272,12 @@
           </a:ln>
         </p:spPr>
         <p:txBody>
-          <a:bodyPr anchorCtr="0" anchor="ctr" bIns="91425" lIns="91425" spcFirstLastPara="1" rIns="91425" wrap="square" tIns="91425">
+          <a:bodyPr spcFirstLastPara="1" wrap="square" lIns="91425" tIns="91425" rIns="91425" bIns="91425" anchor="ctr" anchorCtr="0">
             <a:noAutofit/>
           </a:bodyPr>
           <a:lstStyle/>
           <a:p>
-            <a:pPr indent="0" lvl="0" marL="0" rtl="0" algn="ctr">
+            <a:pPr marL="0" lvl="0" indent="0" algn="ctr" rtl="0">
               <a:lnSpc>
                 <a:spcPct val="90000"/>
               </a:lnSpc>
@@ -9848,14 +9291,14 @@
               <a:buNone/>
             </a:pPr>
             <a:r>
-              <a:rPr b="1" lang="en" sz="2800">
+              <a:rPr lang="en" sz="2800" b="1">
                 <a:solidFill>
                   <a:schemeClr val="accent2"/>
                 </a:solidFill>
               </a:rPr>
               <a:t>QnA</a:t>
             </a:r>
-            <a:endParaRPr b="1" sz="2800">
+            <a:endParaRPr sz="2800" b="1">
               <a:solidFill>
                 <a:schemeClr val="accent2"/>
               </a:solidFill>
@@ -9876,29 +9319,29 @@
           </a:xfrm>
           <a:prstGeom prst="roundRect">
             <a:avLst>
-              <a:gd fmla="val 16667" name="adj"/>
+              <a:gd name="adj" fmla="val 16667"/>
             </a:avLst>
           </a:prstGeom>
           <a:solidFill>
             <a:srgbClr val="666666"/>
           </a:solidFill>
-          <a:ln cap="flat" cmpd="sng" w="9525">
+          <a:ln w="9525" cap="flat" cmpd="sng">
             <a:solidFill>
               <a:schemeClr val="dk2"/>
             </a:solidFill>
             <a:prstDash val="solid"/>
             <a:round/>
-            <a:headEnd len="sm" w="sm" type="none"/>
-            <a:tailEnd len="sm" w="sm" type="none"/>
+            <a:headEnd type="none" w="sm" len="sm"/>
+            <a:tailEnd type="none" w="sm" len="sm"/>
           </a:ln>
         </p:spPr>
         <p:txBody>
-          <a:bodyPr anchorCtr="0" anchor="ctr" bIns="91425" lIns="91425" spcFirstLastPara="1" rIns="91425" wrap="square" tIns="91425">
+          <a:bodyPr spcFirstLastPara="1" wrap="square" lIns="91425" tIns="91425" rIns="91425" bIns="91425" anchor="ctr" anchorCtr="0">
             <a:noAutofit/>
           </a:bodyPr>
           <a:lstStyle/>
           <a:p>
-            <a:pPr indent="0" lvl="0" marL="0" rtl="0" algn="just">
+            <a:pPr marL="0" lvl="0" indent="0" algn="just" rtl="0">
               <a:lnSpc>
                 <a:spcPct val="90000"/>
               </a:lnSpc>
@@ -9911,21 +9354,21 @@
               <a:buNone/>
             </a:pPr>
             <a:r>
-              <a:rPr b="1" lang="en" sz="1200">
+              <a:rPr lang="en" sz="1200" b="1">
                 <a:solidFill>
                   <a:schemeClr val="lt1"/>
                 </a:solidFill>
               </a:rPr>
               <a:t>Q5) How was model training done or what models were used?</a:t>
             </a:r>
-            <a:endParaRPr b="1" sz="1200">
+            <a:endParaRPr sz="1200" b="1">
               <a:solidFill>
                 <a:schemeClr val="lt1"/>
               </a:solidFill>
             </a:endParaRPr>
           </a:p>
           <a:p>
-            <a:pPr indent="0" lvl="0" marL="12700" rtl="0" algn="just">
+            <a:pPr marL="12700" lvl="0" indent="0" algn="just" rtl="0">
               <a:lnSpc>
                 <a:spcPct val="90000"/>
               </a:lnSpc>
@@ -9952,7 +9395,7 @@
             </a:endParaRPr>
           </a:p>
           <a:p>
-            <a:pPr indent="0" lvl="0" marL="12700" rtl="0" algn="just">
+            <a:pPr marL="12700" lvl="0" indent="0" algn="just" rtl="0">
               <a:lnSpc>
                 <a:spcPct val="90000"/>
               </a:lnSpc>
@@ -9979,7 +9422,7 @@
             </a:endParaRPr>
           </a:p>
           <a:p>
-            <a:pPr indent="0" lvl="0" marL="12700" rtl="0" algn="just">
+            <a:pPr marL="12700" lvl="0" indent="0" algn="just" rtl="0">
               <a:lnSpc>
                 <a:spcPct val="90000"/>
               </a:lnSpc>
@@ -9999,7 +9442,7 @@
               </a:rPr>
               <a:t>●Algorithms like Logistic Regression, Decision Tree, XGBoost were used for model training, and based on Confusion Matrix, Recall, AUC ROC the XGBoost model is saved for Validation.</a:t>
             </a:r>
-            <a:endParaRPr b="1" sz="1200">
+            <a:endParaRPr sz="1200" b="1">
               <a:solidFill>
                 <a:schemeClr val="lt1"/>
               </a:solidFill>
@@ -10020,29 +9463,29 @@
           </a:xfrm>
           <a:prstGeom prst="roundRect">
             <a:avLst>
-              <a:gd fmla="val 16667" name="adj"/>
+              <a:gd name="adj" fmla="val 16667"/>
             </a:avLst>
           </a:prstGeom>
           <a:solidFill>
             <a:schemeClr val="dk1"/>
           </a:solidFill>
-          <a:ln cap="flat" cmpd="sng" w="9525">
+          <a:ln w="9525" cap="flat" cmpd="sng">
             <a:solidFill>
               <a:schemeClr val="dk2"/>
             </a:solidFill>
             <a:prstDash val="solid"/>
             <a:round/>
-            <a:headEnd len="sm" w="sm" type="none"/>
-            <a:tailEnd len="sm" w="sm" type="none"/>
+            <a:headEnd type="none" w="sm" len="sm"/>
+            <a:tailEnd type="none" w="sm" len="sm"/>
           </a:ln>
         </p:spPr>
         <p:txBody>
-          <a:bodyPr anchorCtr="0" anchor="ctr" bIns="91425" lIns="91425" spcFirstLastPara="1" rIns="91425" wrap="square" tIns="91425">
+          <a:bodyPr spcFirstLastPara="1" wrap="square" lIns="91425" tIns="91425" rIns="91425" bIns="91425" anchor="ctr" anchorCtr="0">
             <a:noAutofit/>
           </a:bodyPr>
           <a:lstStyle/>
           <a:p>
-            <a:pPr indent="0" lvl="0" marL="0" rtl="0" algn="just">
+            <a:pPr marL="0" lvl="0" indent="0" algn="just" rtl="0">
               <a:lnSpc>
                 <a:spcPct val="90000"/>
               </a:lnSpc>
@@ -10055,21 +9498,21 @@
               <a:buNone/>
             </a:pPr>
             <a:r>
-              <a:rPr b="1" lang="en" sz="1200">
+              <a:rPr lang="en" sz="1200" b="1">
                 <a:solidFill>
                   <a:schemeClr val="lt1"/>
                 </a:solidFill>
               </a:rPr>
               <a:t>Q4) What techniques were you using for data pre-processing?</a:t>
             </a:r>
-            <a:endParaRPr b="1" sz="1200">
+            <a:endParaRPr sz="1200" b="1">
               <a:solidFill>
                 <a:schemeClr val="lt1"/>
               </a:solidFill>
             </a:endParaRPr>
           </a:p>
           <a:p>
-            <a:pPr indent="0" lvl="0" marL="12700" rtl="0" algn="just">
+            <a:pPr marL="12700" lvl="0" indent="0" algn="just" rtl="0">
               <a:lnSpc>
                 <a:spcPct val="90000"/>
               </a:lnSpc>
@@ -10096,7 +9539,7 @@
             </a:endParaRPr>
           </a:p>
           <a:p>
-            <a:pPr indent="0" lvl="0" marL="12700" rtl="0" algn="just">
+            <a:pPr marL="12700" lvl="0" indent="0" algn="just" rtl="0">
               <a:lnSpc>
                 <a:spcPct val="90000"/>
               </a:lnSpc>
@@ -10123,7 +9566,7 @@
             </a:endParaRPr>
           </a:p>
           <a:p>
-            <a:pPr indent="0" lvl="0" marL="12700" rtl="0" algn="just">
+            <a:pPr marL="12700" lvl="0" indent="0" algn="just" rtl="0">
               <a:lnSpc>
                 <a:spcPct val="90000"/>
               </a:lnSpc>
@@ -10150,7 +9593,7 @@
             </a:endParaRPr>
           </a:p>
           <a:p>
-            <a:pPr indent="0" lvl="0" marL="12700" rtl="0" algn="just">
+            <a:pPr marL="12700" lvl="0" indent="0" algn="just" rtl="0">
               <a:lnSpc>
                 <a:spcPct val="90000"/>
               </a:lnSpc>
@@ -10177,7 +9620,7 @@
             </a:endParaRPr>
           </a:p>
           <a:p>
-            <a:pPr indent="0" lvl="0" marL="12700" rtl="0" algn="just">
+            <a:pPr marL="12700" lvl="0" indent="0" algn="just" rtl="0">
               <a:lnSpc>
                 <a:spcPct val="90000"/>
               </a:lnSpc>
@@ -10197,7 +9640,7 @@
               </a:rPr>
               <a:t>●Feature selection of data.</a:t>
             </a:r>
-            <a:endParaRPr b="1" sz="1200">
+            <a:endParaRPr sz="1200" b="1">
               <a:solidFill>
                 <a:schemeClr val="lt1"/>
               </a:solidFill>
@@ -10214,7 +9657,288 @@
 </file>
 
 <file path=ppt/theme/theme1.xml><?xml version="1.0" encoding="utf-8"?>
-<a:theme xmlns:a="http://schemas.openxmlformats.org/drawingml/2006/main" xmlns:r="http://schemas.openxmlformats.org/officeDocument/2006/relationships">
+<a:theme xmlns:a="http://schemas.openxmlformats.org/drawingml/2006/main" name="Simple Light">
+  <a:themeElements>
+    <a:clrScheme name="Simple Light">
+      <a:dk1>
+        <a:srgbClr val="000000"/>
+      </a:dk1>
+      <a:lt1>
+        <a:srgbClr val="FFFFFF"/>
+      </a:lt1>
+      <a:dk2>
+        <a:srgbClr val="595959"/>
+      </a:dk2>
+      <a:lt2>
+        <a:srgbClr val="EEEEEE"/>
+      </a:lt2>
+      <a:accent1>
+        <a:srgbClr val="4285F4"/>
+      </a:accent1>
+      <a:accent2>
+        <a:srgbClr val="212121"/>
+      </a:accent2>
+      <a:accent3>
+        <a:srgbClr val="78909C"/>
+      </a:accent3>
+      <a:accent4>
+        <a:srgbClr val="FFAB40"/>
+      </a:accent4>
+      <a:accent5>
+        <a:srgbClr val="0097A7"/>
+      </a:accent5>
+      <a:accent6>
+        <a:srgbClr val="EEFF41"/>
+      </a:accent6>
+      <a:hlink>
+        <a:srgbClr val="0097A7"/>
+      </a:hlink>
+      <a:folHlink>
+        <a:srgbClr val="0097A7"/>
+      </a:folHlink>
+    </a:clrScheme>
+    <a:fontScheme name="Office">
+      <a:majorFont>
+        <a:latin typeface="Arial"/>
+        <a:ea typeface=""/>
+        <a:cs typeface=""/>
+        <a:font script="Jpan" typeface="ＭＳ Ｐゴシック"/>
+        <a:font script="Hang" typeface="맑은 고딕"/>
+        <a:font script="Hans" typeface="宋体"/>
+        <a:font script="Hant" typeface="新細明體"/>
+        <a:font script="Arab" typeface="Times New Roman"/>
+        <a:font script="Hebr" typeface="Times New Roman"/>
+        <a:font script="Thai" typeface="Angsana New"/>
+        <a:font script="Ethi" typeface="Nyala"/>
+        <a:font script="Beng" typeface="Vrinda"/>
+        <a:font script="Gujr" typeface="Shruti"/>
+        <a:font script="Khmr" typeface="MoolBoran"/>
+        <a:font script="Knda" typeface="Tunga"/>
+        <a:font script="Guru" typeface="Raavi"/>
+        <a:font script="Cans" typeface="Euphemia"/>
+        <a:font script="Cher" typeface="Plantagenet Cherokee"/>
+        <a:font script="Yiii" typeface="Microsoft Yi Baiti"/>
+        <a:font script="Tibt" typeface="Microsoft Himalaya"/>
+        <a:font script="Thaa" typeface="MV Boli"/>
+        <a:font script="Deva" typeface="Mangal"/>
+        <a:font script="Telu" typeface="Gautami"/>
+        <a:font script="Taml" typeface="Latha"/>
+        <a:font script="Syrc" typeface="Estrangelo Edessa"/>
+        <a:font script="Orya" typeface="Kalinga"/>
+        <a:font script="Mlym" typeface="Kartika"/>
+        <a:font script="Laoo" typeface="DokChampa"/>
+        <a:font script="Sinh" typeface="Iskoola Pota"/>
+        <a:font script="Mong" typeface="Mongolian Baiti"/>
+        <a:font script="Viet" typeface="Times New Roman"/>
+        <a:font script="Uigh" typeface="Microsoft Uighur"/>
+        <a:font script="Geor" typeface="Sylfaen"/>
+      </a:majorFont>
+      <a:minorFont>
+        <a:latin typeface="Arial"/>
+        <a:ea typeface=""/>
+        <a:cs typeface=""/>
+        <a:font script="Jpan" typeface="ＭＳ Ｐゴシック"/>
+        <a:font script="Hang" typeface="맑은 고딕"/>
+        <a:font script="Hans" typeface="宋体"/>
+        <a:font script="Hant" typeface="新細明體"/>
+        <a:font script="Arab" typeface="Arial"/>
+        <a:font script="Hebr" typeface="Arial"/>
+        <a:font script="Thai" typeface="Cordia New"/>
+        <a:font script="Ethi" typeface="Nyala"/>
+        <a:font script="Beng" typeface="Vrinda"/>
+        <a:font script="Gujr" typeface="Shruti"/>
+        <a:font script="Khmr" typeface="DaunPenh"/>
+        <a:font script="Knda" typeface="Tunga"/>
+        <a:font script="Guru" typeface="Raavi"/>
+        <a:font script="Cans" typeface="Euphemia"/>
+        <a:font script="Cher" typeface="Plantagenet Cherokee"/>
+        <a:font script="Yiii" typeface="Microsoft Yi Baiti"/>
+        <a:font script="Tibt" typeface="Microsoft Himalaya"/>
+        <a:font script="Thaa" typeface="MV Boli"/>
+        <a:font script="Deva" typeface="Mangal"/>
+        <a:font script="Telu" typeface="Gautami"/>
+        <a:font script="Taml" typeface="Latha"/>
+        <a:font script="Syrc" typeface="Estrangelo Edessa"/>
+        <a:font script="Orya" typeface="Kalinga"/>
+        <a:font script="Mlym" typeface="Kartika"/>
+        <a:font script="Laoo" typeface="DokChampa"/>
+        <a:font script="Sinh" typeface="Iskoola Pota"/>
+        <a:font script="Mong" typeface="Mongolian Baiti"/>
+        <a:font script="Viet" typeface="Arial"/>
+        <a:font script="Uigh" typeface="Microsoft Uighur"/>
+        <a:font script="Geor" typeface="Sylfaen"/>
+      </a:minorFont>
+    </a:fontScheme>
+    <a:fmtScheme name="Office">
+      <a:fillStyleLst>
+        <a:solidFill>
+          <a:schemeClr val="phClr"/>
+        </a:solidFill>
+        <a:gradFill rotWithShape="1">
+          <a:gsLst>
+            <a:gs pos="0">
+              <a:schemeClr val="phClr">
+                <a:tint val="50000"/>
+                <a:satMod val="300000"/>
+              </a:schemeClr>
+            </a:gs>
+            <a:gs pos="35000">
+              <a:schemeClr val="phClr">
+                <a:tint val="37000"/>
+                <a:satMod val="300000"/>
+              </a:schemeClr>
+            </a:gs>
+            <a:gs pos="100000">
+              <a:schemeClr val="phClr">
+                <a:tint val="15000"/>
+                <a:satMod val="350000"/>
+              </a:schemeClr>
+            </a:gs>
+          </a:gsLst>
+          <a:lin ang="16200000" scaled="1"/>
+        </a:gradFill>
+        <a:gradFill rotWithShape="1">
+          <a:gsLst>
+            <a:gs pos="0">
+              <a:schemeClr val="phClr">
+                <a:tint val="100000"/>
+                <a:shade val="100000"/>
+                <a:satMod val="130000"/>
+              </a:schemeClr>
+            </a:gs>
+            <a:gs pos="100000">
+              <a:schemeClr val="phClr">
+                <a:tint val="50000"/>
+                <a:shade val="100000"/>
+                <a:satMod val="350000"/>
+              </a:schemeClr>
+            </a:gs>
+          </a:gsLst>
+          <a:lin ang="16200000" scaled="0"/>
+        </a:gradFill>
+      </a:fillStyleLst>
+      <a:lnStyleLst>
+        <a:ln w="9525" cap="flat" cmpd="sng" algn="ctr">
+          <a:solidFill>
+            <a:schemeClr val="phClr">
+              <a:shade val="95000"/>
+              <a:satMod val="105000"/>
+            </a:schemeClr>
+          </a:solidFill>
+          <a:prstDash val="solid"/>
+        </a:ln>
+        <a:ln w="25400" cap="flat" cmpd="sng" algn="ctr">
+          <a:solidFill>
+            <a:schemeClr val="phClr"/>
+          </a:solidFill>
+          <a:prstDash val="solid"/>
+        </a:ln>
+        <a:ln w="38100" cap="flat" cmpd="sng" algn="ctr">
+          <a:solidFill>
+            <a:schemeClr val="phClr"/>
+          </a:solidFill>
+          <a:prstDash val="solid"/>
+        </a:ln>
+      </a:lnStyleLst>
+      <a:effectStyleLst>
+        <a:effectStyle>
+          <a:effectLst>
+            <a:outerShdw blurRad="40000" dist="20000" dir="5400000" rotWithShape="0">
+              <a:srgbClr val="000000">
+                <a:alpha val="38000"/>
+              </a:srgbClr>
+            </a:outerShdw>
+          </a:effectLst>
+        </a:effectStyle>
+        <a:effectStyle>
+          <a:effectLst>
+            <a:outerShdw blurRad="40000" dist="23000" dir="5400000" rotWithShape="0">
+              <a:srgbClr val="000000">
+                <a:alpha val="35000"/>
+              </a:srgbClr>
+            </a:outerShdw>
+          </a:effectLst>
+        </a:effectStyle>
+        <a:effectStyle>
+          <a:effectLst>
+            <a:outerShdw blurRad="40000" dist="23000" dir="5400000" rotWithShape="0">
+              <a:srgbClr val="000000">
+                <a:alpha val="35000"/>
+              </a:srgbClr>
+            </a:outerShdw>
+          </a:effectLst>
+          <a:scene3d>
+            <a:camera prst="orthographicFront">
+              <a:rot lat="0" lon="0" rev="0"/>
+            </a:camera>
+            <a:lightRig rig="threePt" dir="t">
+              <a:rot lat="0" lon="0" rev="1200000"/>
+            </a:lightRig>
+          </a:scene3d>
+          <a:sp3d>
+            <a:bevelT w="63500" h="25400"/>
+          </a:sp3d>
+        </a:effectStyle>
+      </a:effectStyleLst>
+      <a:bgFillStyleLst>
+        <a:solidFill>
+          <a:schemeClr val="phClr"/>
+        </a:solidFill>
+        <a:gradFill rotWithShape="1">
+          <a:gsLst>
+            <a:gs pos="0">
+              <a:schemeClr val="phClr">
+                <a:tint val="40000"/>
+                <a:satMod val="350000"/>
+              </a:schemeClr>
+            </a:gs>
+            <a:gs pos="40000">
+              <a:schemeClr val="phClr">
+                <a:tint val="45000"/>
+                <a:shade val="99000"/>
+                <a:satMod val="350000"/>
+              </a:schemeClr>
+            </a:gs>
+            <a:gs pos="100000">
+              <a:schemeClr val="phClr">
+                <a:shade val="20000"/>
+                <a:satMod val="255000"/>
+              </a:schemeClr>
+            </a:gs>
+          </a:gsLst>
+          <a:path path="circle">
+            <a:fillToRect l="50000" t="-80000" r="50000" b="180000"/>
+          </a:path>
+        </a:gradFill>
+        <a:gradFill rotWithShape="1">
+          <a:gsLst>
+            <a:gs pos="0">
+              <a:schemeClr val="phClr">
+                <a:tint val="80000"/>
+                <a:satMod val="300000"/>
+              </a:schemeClr>
+            </a:gs>
+            <a:gs pos="100000">
+              <a:schemeClr val="phClr">
+                <a:shade val="30000"/>
+                <a:satMod val="200000"/>
+              </a:schemeClr>
+            </a:gs>
+          </a:gsLst>
+          <a:path path="circle">
+            <a:fillToRect l="50000" t="50000" r="50000" b="50000"/>
+          </a:path>
+        </a:gradFill>
+      </a:bgFillStyleLst>
+    </a:fmtScheme>
+  </a:themeElements>
+  <a:objectDefaults/>
+  <a:extraClrSchemeLst/>
+</a:theme>
+</file>
+
+<file path=ppt/theme/theme2.xml><?xml version="1.0" encoding="utf-8"?>
+<a:theme xmlns:a="http://schemas.openxmlformats.org/drawingml/2006/main">
   <a:themeElements>
     <a:clrScheme name="Default">
       <a:dk1>
@@ -10489,284 +10213,7 @@
       </a:bgFillStyleLst>
     </a:fmtScheme>
   </a:themeElements>
-</a:theme>
-</file>
-
-<file path=ppt/theme/theme2.xml><?xml version="1.0" encoding="utf-8"?>
-<a:theme xmlns:a="http://schemas.openxmlformats.org/drawingml/2006/main" xmlns:r="http://schemas.openxmlformats.org/officeDocument/2006/relationships" name="Simple Light">
-  <a:themeElements>
-    <a:clrScheme name="Simple Light">
-      <a:dk1>
-        <a:srgbClr val="000000"/>
-      </a:dk1>
-      <a:lt1>
-        <a:srgbClr val="FFFFFF"/>
-      </a:lt1>
-      <a:dk2>
-        <a:srgbClr val="595959"/>
-      </a:dk2>
-      <a:lt2>
-        <a:srgbClr val="EEEEEE"/>
-      </a:lt2>
-      <a:accent1>
-        <a:srgbClr val="4285F4"/>
-      </a:accent1>
-      <a:accent2>
-        <a:srgbClr val="212121"/>
-      </a:accent2>
-      <a:accent3>
-        <a:srgbClr val="78909C"/>
-      </a:accent3>
-      <a:accent4>
-        <a:srgbClr val="FFAB40"/>
-      </a:accent4>
-      <a:accent5>
-        <a:srgbClr val="0097A7"/>
-      </a:accent5>
-      <a:accent6>
-        <a:srgbClr val="EEFF41"/>
-      </a:accent6>
-      <a:hlink>
-        <a:srgbClr val="0097A7"/>
-      </a:hlink>
-      <a:folHlink>
-        <a:srgbClr val="0097A7"/>
-      </a:folHlink>
-    </a:clrScheme>
-    <a:fontScheme name="Office">
-      <a:majorFont>
-        <a:latin typeface="Arial"/>
-        <a:ea typeface=""/>
-        <a:cs typeface=""/>
-        <a:font script="Jpan" typeface="ＭＳ Ｐゴシック"/>
-        <a:font script="Hang" typeface="맑은 고딕"/>
-        <a:font script="Hans" typeface="宋体"/>
-        <a:font script="Hant" typeface="新細明體"/>
-        <a:font script="Arab" typeface="Times New Roman"/>
-        <a:font script="Hebr" typeface="Times New Roman"/>
-        <a:font script="Thai" typeface="Angsana New"/>
-        <a:font script="Ethi" typeface="Nyala"/>
-        <a:font script="Beng" typeface="Vrinda"/>
-        <a:font script="Gujr" typeface="Shruti"/>
-        <a:font script="Khmr" typeface="MoolBoran"/>
-        <a:font script="Knda" typeface="Tunga"/>
-        <a:font script="Guru" typeface="Raavi"/>
-        <a:font script="Cans" typeface="Euphemia"/>
-        <a:font script="Cher" typeface="Plantagenet Cherokee"/>
-        <a:font script="Yiii" typeface="Microsoft Yi Baiti"/>
-        <a:font script="Tibt" typeface="Microsoft Himalaya"/>
-        <a:font script="Thaa" typeface="MV Boli"/>
-        <a:font script="Deva" typeface="Mangal"/>
-        <a:font script="Telu" typeface="Gautami"/>
-        <a:font script="Taml" typeface="Latha"/>
-        <a:font script="Syrc" typeface="Estrangelo Edessa"/>
-        <a:font script="Orya" typeface="Kalinga"/>
-        <a:font script="Mlym" typeface="Kartika"/>
-        <a:font script="Laoo" typeface="DokChampa"/>
-        <a:font script="Sinh" typeface="Iskoola Pota"/>
-        <a:font script="Mong" typeface="Mongolian Baiti"/>
-        <a:font script="Viet" typeface="Times New Roman"/>
-        <a:font script="Uigh" typeface="Microsoft Uighur"/>
-        <a:font script="Geor" typeface="Sylfaen"/>
-      </a:majorFont>
-      <a:minorFont>
-        <a:latin typeface="Arial"/>
-        <a:ea typeface=""/>
-        <a:cs typeface=""/>
-        <a:font script="Jpan" typeface="ＭＳ Ｐゴシック"/>
-        <a:font script="Hang" typeface="맑은 고딕"/>
-        <a:font script="Hans" typeface="宋体"/>
-        <a:font script="Hant" typeface="新細明體"/>
-        <a:font script="Arab" typeface="Arial"/>
-        <a:font script="Hebr" typeface="Arial"/>
-        <a:font script="Thai" typeface="Cordia New"/>
-        <a:font script="Ethi" typeface="Nyala"/>
-        <a:font script="Beng" typeface="Vrinda"/>
-        <a:font script="Gujr" typeface="Shruti"/>
-        <a:font script="Khmr" typeface="DaunPenh"/>
-        <a:font script="Knda" typeface="Tunga"/>
-        <a:font script="Guru" typeface="Raavi"/>
-        <a:font script="Cans" typeface="Euphemia"/>
-        <a:font script="Cher" typeface="Plantagenet Cherokee"/>
-        <a:font script="Yiii" typeface="Microsoft Yi Baiti"/>
-        <a:font script="Tibt" typeface="Microsoft Himalaya"/>
-        <a:font script="Thaa" typeface="MV Boli"/>
-        <a:font script="Deva" typeface="Mangal"/>
-        <a:font script="Telu" typeface="Gautami"/>
-        <a:font script="Taml" typeface="Latha"/>
-        <a:font script="Syrc" typeface="Estrangelo Edessa"/>
-        <a:font script="Orya" typeface="Kalinga"/>
-        <a:font script="Mlym" typeface="Kartika"/>
-        <a:font script="Laoo" typeface="DokChampa"/>
-        <a:font script="Sinh" typeface="Iskoola Pota"/>
-        <a:font script="Mong" typeface="Mongolian Baiti"/>
-        <a:font script="Viet" typeface="Arial"/>
-        <a:font script="Uigh" typeface="Microsoft Uighur"/>
-        <a:font script="Geor" typeface="Sylfaen"/>
-      </a:minorFont>
-    </a:fontScheme>
-    <a:fmtScheme name="Office">
-      <a:fillStyleLst>
-        <a:solidFill>
-          <a:schemeClr val="phClr"/>
-        </a:solidFill>
-        <a:gradFill rotWithShape="1">
-          <a:gsLst>
-            <a:gs pos="0">
-              <a:schemeClr val="phClr">
-                <a:tint val="50000"/>
-                <a:satMod val="300000"/>
-              </a:schemeClr>
-            </a:gs>
-            <a:gs pos="35000">
-              <a:schemeClr val="phClr">
-                <a:tint val="37000"/>
-                <a:satMod val="300000"/>
-              </a:schemeClr>
-            </a:gs>
-            <a:gs pos="100000">
-              <a:schemeClr val="phClr">
-                <a:tint val="15000"/>
-                <a:satMod val="350000"/>
-              </a:schemeClr>
-            </a:gs>
-          </a:gsLst>
-          <a:lin ang="16200000" scaled="1"/>
-        </a:gradFill>
-        <a:gradFill rotWithShape="1">
-          <a:gsLst>
-            <a:gs pos="0">
-              <a:schemeClr val="phClr">
-                <a:tint val="100000"/>
-                <a:shade val="100000"/>
-                <a:satMod val="130000"/>
-              </a:schemeClr>
-            </a:gs>
-            <a:gs pos="100000">
-              <a:schemeClr val="phClr">
-                <a:tint val="50000"/>
-                <a:shade val="100000"/>
-                <a:satMod val="350000"/>
-              </a:schemeClr>
-            </a:gs>
-          </a:gsLst>
-          <a:lin ang="16200000" scaled="0"/>
-        </a:gradFill>
-      </a:fillStyleLst>
-      <a:lnStyleLst>
-        <a:ln w="9525" cap="flat" cmpd="sng" algn="ctr">
-          <a:solidFill>
-            <a:schemeClr val="phClr">
-              <a:shade val="95000"/>
-              <a:satMod val="105000"/>
-            </a:schemeClr>
-          </a:solidFill>
-          <a:prstDash val="solid"/>
-        </a:ln>
-        <a:ln w="25400" cap="flat" cmpd="sng" algn="ctr">
-          <a:solidFill>
-            <a:schemeClr val="phClr"/>
-          </a:solidFill>
-          <a:prstDash val="solid"/>
-        </a:ln>
-        <a:ln w="38100" cap="flat" cmpd="sng" algn="ctr">
-          <a:solidFill>
-            <a:schemeClr val="phClr"/>
-          </a:solidFill>
-          <a:prstDash val="solid"/>
-        </a:ln>
-      </a:lnStyleLst>
-      <a:effectStyleLst>
-        <a:effectStyle>
-          <a:effectLst>
-            <a:outerShdw blurRad="40000" dist="20000" dir="5400000" rotWithShape="0">
-              <a:srgbClr val="000000">
-                <a:alpha val="38000"/>
-              </a:srgbClr>
-            </a:outerShdw>
-          </a:effectLst>
-        </a:effectStyle>
-        <a:effectStyle>
-          <a:effectLst>
-            <a:outerShdw blurRad="40000" dist="23000" dir="5400000" rotWithShape="0">
-              <a:srgbClr val="000000">
-                <a:alpha val="35000"/>
-              </a:srgbClr>
-            </a:outerShdw>
-          </a:effectLst>
-        </a:effectStyle>
-        <a:effectStyle>
-          <a:effectLst>
-            <a:outerShdw blurRad="40000" dist="23000" dir="5400000" rotWithShape="0">
-              <a:srgbClr val="000000">
-                <a:alpha val="35000"/>
-              </a:srgbClr>
-            </a:outerShdw>
-          </a:effectLst>
-          <a:scene3d>
-            <a:camera prst="orthographicFront">
-              <a:rot lat="0" lon="0" rev="0"/>
-            </a:camera>
-            <a:lightRig rig="threePt" dir="t">
-              <a:rot lat="0" lon="0" rev="1200000"/>
-            </a:lightRig>
-          </a:scene3d>
-          <a:sp3d>
-            <a:bevelT w="63500" h="25400"/>
-          </a:sp3d>
-        </a:effectStyle>
-      </a:effectStyleLst>
-      <a:bgFillStyleLst>
-        <a:solidFill>
-          <a:schemeClr val="phClr"/>
-        </a:solidFill>
-        <a:gradFill rotWithShape="1">
-          <a:gsLst>
-            <a:gs pos="0">
-              <a:schemeClr val="phClr">
-                <a:tint val="40000"/>
-                <a:satMod val="350000"/>
-              </a:schemeClr>
-            </a:gs>
-            <a:gs pos="40000">
-              <a:schemeClr val="phClr">
-                <a:tint val="45000"/>
-                <a:shade val="99000"/>
-                <a:satMod val="350000"/>
-              </a:schemeClr>
-            </a:gs>
-            <a:gs pos="100000">
-              <a:schemeClr val="phClr">
-                <a:shade val="20000"/>
-                <a:satMod val="255000"/>
-              </a:schemeClr>
-            </a:gs>
-          </a:gsLst>
-          <a:path path="circle">
-            <a:fillToRect l="50000" t="-80000" r="50000" b="180000"/>
-          </a:path>
-        </a:gradFill>
-        <a:gradFill rotWithShape="1">
-          <a:gsLst>
-            <a:gs pos="0">
-              <a:schemeClr val="phClr">
-                <a:tint val="80000"/>
-                <a:satMod val="300000"/>
-              </a:schemeClr>
-            </a:gs>
-            <a:gs pos="100000">
-              <a:schemeClr val="phClr">
-                <a:shade val="30000"/>
-                <a:satMod val="200000"/>
-              </a:schemeClr>
-            </a:gs>
-          </a:gsLst>
-          <a:path path="circle">
-            <a:fillToRect l="50000" t="50000" r="50000" b="50000"/>
-          </a:path>
-        </a:gradFill>
-      </a:bgFillStyleLst>
-    </a:fmtScheme>
-  </a:themeElements>
+  <a:objectDefaults/>
+  <a:extraClrSchemeLst/>
 </a:theme>
 </file>